--- a/docs/Borgs_Retrospective - Sprint 3.pptx
+++ b/docs/Borgs_Retrospective - Sprint 3.pptx
@@ -9306,21 +9306,8 @@
                   <a:schemeClr val="dk1"/>
                 </a:solidFill>
               </a:rPr>
-              <a:t>Daniel – More group meetings to keep each other on the </a:t>
+              <a:t>Daniel – More group meetings to keep each other on the same path. (Ex. Three 1 hour meetings / week)</a:t>
             </a:r>
-            <a:r>
-              <a:rPr lang="en-US" sz="1600">
-                <a:solidFill>
-                  <a:schemeClr val="dk1"/>
-                </a:solidFill>
-              </a:rPr>
-              <a:t>same path.</a:t>
-            </a:r>
-            <a:endParaRPr lang="en-US" sz="1600" dirty="0">
-              <a:solidFill>
-                <a:schemeClr val="dk1"/>
-              </a:solidFill>
-            </a:endParaRPr>
           </a:p>
           <a:p>
             <a:pPr marL="968375" lvl="2" indent="-282575">

--- a/docs/Borgs_Retrospective - Sprint 3.pptx
+++ b/docs/Borgs_Retrospective - Sprint 3.pptx
@@ -1,21 +1,21 @@
 
 <file path=ppt/presentation.xml><?xml version="1.0" encoding="utf-8"?>
-<p:presentation xmlns:a="http://schemas.openxmlformats.org/drawingml/2006/main" xmlns:r="http://schemas.openxmlformats.org/officeDocument/2006/relationships" xmlns:mc="http://schemas.openxmlformats.org/markup-compatibility/2006" xmlns:mv="urn:schemas-microsoft-com:mac:vml" xmlns:p="http://schemas.openxmlformats.org/presentationml/2006/main" xmlns:c="http://schemas.openxmlformats.org/drawingml/2006/chart" xmlns:dgm="http://schemas.openxmlformats.org/drawingml/2006/diagram" xmlns:o="urn:schemas-microsoft-com:office:office" xmlns:v="urn:schemas-microsoft-com:vml" xmlns:pvml="urn:schemas-microsoft-com:office:powerpoint" xmlns:com="http://schemas.openxmlformats.org/drawingml/2006/compatibility" xmlns:p14="http://schemas.microsoft.com/office/powerpoint/2010/main" xmlns:p15="http://schemas.microsoft.com/office/powerpoint/2012/main" autoCompressPictures="0" strictFirstAndLastChars="0" saveSubsetFonts="1">
+<p:presentation xmlns:a="http://schemas.openxmlformats.org/drawingml/2006/main" xmlns:r="http://schemas.openxmlformats.org/officeDocument/2006/relationships" xmlns:p="http://schemas.openxmlformats.org/presentationml/2006/main" strictFirstAndLastChars="0" saveSubsetFonts="1" autoCompressPictures="0">
   <p:sldMasterIdLst>
-    <p:sldMasterId id="2147483661" r:id="rId4"/>
+    <p:sldMasterId id="2147483661" r:id="rId1"/>
   </p:sldMasterIdLst>
   <p:notesMasterIdLst>
     <p:notesMasterId r:id="rId5"/>
   </p:notesMasterIdLst>
   <p:sldIdLst>
-    <p:sldId id="256" r:id="rId6"/>
-    <p:sldId id="257" r:id="rId7"/>
-    <p:sldId id="258" r:id="rId8"/>
+    <p:sldId id="256" r:id="rId2"/>
+    <p:sldId id="257" r:id="rId3"/>
+    <p:sldId id="258" r:id="rId4"/>
   </p:sldIdLst>
-  <p:sldSz cy="6858000" cx="9144000"/>
+  <p:sldSz cx="9144000" cy="6858000" type="screen4x3"/>
   <p:notesSz cx="6858000" cy="9144000"/>
   <p:defaultTextStyle>
-    <a:defPPr lvl="0" marR="0" rtl="0" algn="l">
+    <a:defPPr marR="0" lvl="0" algn="l" rtl="0">
       <a:lnSpc>
         <a:spcPct val="100000"/>
       </a:lnSpc>
@@ -26,7 +26,7 @@
         <a:spcPts val="0"/>
       </a:spcAft>
     </a:defPPr>
-    <a:lvl1pPr lvl="0" marR="0" rtl="0" algn="l">
+    <a:lvl1pPr marR="0" lvl="0" algn="l" rtl="0">
       <a:lnSpc>
         <a:spcPct val="100000"/>
       </a:lnSpc>
@@ -40,7 +40,7 @@
         <a:srgbClr val="000000"/>
       </a:buClr>
       <a:buFont typeface="Arial"/>
-      <a:defRPr b="0" i="0" sz="1400" u="none" cap="none" strike="noStrike">
+      <a:defRPr sz="1400" b="0" i="0" u="none" strike="noStrike" cap="none">
         <a:solidFill>
           <a:srgbClr val="000000"/>
         </a:solidFill>
@@ -50,7 +50,7 @@
         <a:sym typeface="Arial"/>
       </a:defRPr>
     </a:lvl1pPr>
-    <a:lvl2pPr lvl="1" marR="0" rtl="0" algn="l">
+    <a:lvl2pPr marR="0" lvl="1" algn="l" rtl="0">
       <a:lnSpc>
         <a:spcPct val="100000"/>
       </a:lnSpc>
@@ -64,7 +64,7 @@
         <a:srgbClr val="000000"/>
       </a:buClr>
       <a:buFont typeface="Arial"/>
-      <a:defRPr b="0" i="0" sz="1400" u="none" cap="none" strike="noStrike">
+      <a:defRPr sz="1400" b="0" i="0" u="none" strike="noStrike" cap="none">
         <a:solidFill>
           <a:srgbClr val="000000"/>
         </a:solidFill>
@@ -74,7 +74,7 @@
         <a:sym typeface="Arial"/>
       </a:defRPr>
     </a:lvl2pPr>
-    <a:lvl3pPr lvl="2" marR="0" rtl="0" algn="l">
+    <a:lvl3pPr marR="0" lvl="2" algn="l" rtl="0">
       <a:lnSpc>
         <a:spcPct val="100000"/>
       </a:lnSpc>
@@ -88,7 +88,7 @@
         <a:srgbClr val="000000"/>
       </a:buClr>
       <a:buFont typeface="Arial"/>
-      <a:defRPr b="0" i="0" sz="1400" u="none" cap="none" strike="noStrike">
+      <a:defRPr sz="1400" b="0" i="0" u="none" strike="noStrike" cap="none">
         <a:solidFill>
           <a:srgbClr val="000000"/>
         </a:solidFill>
@@ -98,7 +98,7 @@
         <a:sym typeface="Arial"/>
       </a:defRPr>
     </a:lvl3pPr>
-    <a:lvl4pPr lvl="3" marR="0" rtl="0" algn="l">
+    <a:lvl4pPr marR="0" lvl="3" algn="l" rtl="0">
       <a:lnSpc>
         <a:spcPct val="100000"/>
       </a:lnSpc>
@@ -112,7 +112,7 @@
         <a:srgbClr val="000000"/>
       </a:buClr>
       <a:buFont typeface="Arial"/>
-      <a:defRPr b="0" i="0" sz="1400" u="none" cap="none" strike="noStrike">
+      <a:defRPr sz="1400" b="0" i="0" u="none" strike="noStrike" cap="none">
         <a:solidFill>
           <a:srgbClr val="000000"/>
         </a:solidFill>
@@ -122,7 +122,7 @@
         <a:sym typeface="Arial"/>
       </a:defRPr>
     </a:lvl4pPr>
-    <a:lvl5pPr lvl="4" marR="0" rtl="0" algn="l">
+    <a:lvl5pPr marR="0" lvl="4" algn="l" rtl="0">
       <a:lnSpc>
         <a:spcPct val="100000"/>
       </a:lnSpc>
@@ -136,7 +136,7 @@
         <a:srgbClr val="000000"/>
       </a:buClr>
       <a:buFont typeface="Arial"/>
-      <a:defRPr b="0" i="0" sz="1400" u="none" cap="none" strike="noStrike">
+      <a:defRPr sz="1400" b="0" i="0" u="none" strike="noStrike" cap="none">
         <a:solidFill>
           <a:srgbClr val="000000"/>
         </a:solidFill>
@@ -146,7 +146,7 @@
         <a:sym typeface="Arial"/>
       </a:defRPr>
     </a:lvl5pPr>
-    <a:lvl6pPr lvl="5" marR="0" rtl="0" algn="l">
+    <a:lvl6pPr marR="0" lvl="5" algn="l" rtl="0">
       <a:lnSpc>
         <a:spcPct val="100000"/>
       </a:lnSpc>
@@ -160,7 +160,7 @@
         <a:srgbClr val="000000"/>
       </a:buClr>
       <a:buFont typeface="Arial"/>
-      <a:defRPr b="0" i="0" sz="1400" u="none" cap="none" strike="noStrike">
+      <a:defRPr sz="1400" b="0" i="0" u="none" strike="noStrike" cap="none">
         <a:solidFill>
           <a:srgbClr val="000000"/>
         </a:solidFill>
@@ -170,7 +170,7 @@
         <a:sym typeface="Arial"/>
       </a:defRPr>
     </a:lvl6pPr>
-    <a:lvl7pPr lvl="6" marR="0" rtl="0" algn="l">
+    <a:lvl7pPr marR="0" lvl="6" algn="l" rtl="0">
       <a:lnSpc>
         <a:spcPct val="100000"/>
       </a:lnSpc>
@@ -184,7 +184,7 @@
         <a:srgbClr val="000000"/>
       </a:buClr>
       <a:buFont typeface="Arial"/>
-      <a:defRPr b="0" i="0" sz="1400" u="none" cap="none" strike="noStrike">
+      <a:defRPr sz="1400" b="0" i="0" u="none" strike="noStrike" cap="none">
         <a:solidFill>
           <a:srgbClr val="000000"/>
         </a:solidFill>
@@ -194,7 +194,7 @@
         <a:sym typeface="Arial"/>
       </a:defRPr>
     </a:lvl7pPr>
-    <a:lvl8pPr lvl="7" marR="0" rtl="0" algn="l">
+    <a:lvl8pPr marR="0" lvl="7" algn="l" rtl="0">
       <a:lnSpc>
         <a:spcPct val="100000"/>
       </a:lnSpc>
@@ -208,7 +208,7 @@
         <a:srgbClr val="000000"/>
       </a:buClr>
       <a:buFont typeface="Arial"/>
-      <a:defRPr b="0" i="0" sz="1400" u="none" cap="none" strike="noStrike">
+      <a:defRPr sz="1400" b="0" i="0" u="none" strike="noStrike" cap="none">
         <a:solidFill>
           <a:srgbClr val="000000"/>
         </a:solidFill>
@@ -218,7 +218,7 @@
         <a:sym typeface="Arial"/>
       </a:defRPr>
     </a:lvl8pPr>
-    <a:lvl9pPr lvl="8" marR="0" rtl="0" algn="l">
+    <a:lvl9pPr marR="0" lvl="8" algn="l" rtl="0">
       <a:lnSpc>
         <a:spcPct val="100000"/>
       </a:lnSpc>
@@ -232,7 +232,7 @@
         <a:srgbClr val="000000"/>
       </a:buClr>
       <a:buFont typeface="Arial"/>
-      <a:defRPr b="0" i="0" sz="1400" u="none" cap="none" strike="noStrike">
+      <a:defRPr sz="1400" b="0" i="0" u="none" strike="noStrike" cap="none">
         <a:solidFill>
           <a:srgbClr val="000000"/>
         </a:solidFill>
@@ -245,7 +245,7 @@
   </p:defaultTextStyle>
   <p:extLst>
     <p:ext uri="{EFAFB233-063F-42B5-8137-9DF3F51BA10A}">
-      <p15:sldGuideLst>
+      <p15:sldGuideLst xmlns:p15="http://schemas.microsoft.com/office/powerpoint/2012/main">
         <p15:guide id="1" orient="horz" pos="2160">
           <p15:clr>
             <a:srgbClr val="A4A3A4"/>
@@ -263,18 +263,19 @@
 </file>
 
 <file path=ppt/notesMasters/notesMaster1.xml><?xml version="1.0" encoding="utf-8"?>
-<p:notesMaster xmlns:a="http://schemas.openxmlformats.org/drawingml/2006/main" xmlns:r="http://schemas.openxmlformats.org/officeDocument/2006/relationships" xmlns:mc="http://schemas.openxmlformats.org/markup-compatibility/2006" xmlns:mv="urn:schemas-microsoft-com:mac:vml" xmlns:p="http://schemas.openxmlformats.org/presentationml/2006/main" xmlns:c="http://schemas.openxmlformats.org/drawingml/2006/chart" xmlns:dgm="http://schemas.openxmlformats.org/drawingml/2006/diagram" xmlns:o="urn:schemas-microsoft-com:office:office" xmlns:v="urn:schemas-microsoft-com:vml" xmlns:pvml="urn:schemas-microsoft-com:office:powerpoint" xmlns:com="http://schemas.openxmlformats.org/drawingml/2006/compatibility" xmlns:p14="http://schemas.microsoft.com/office/powerpoint/2010/main" xmlns:p15="http://schemas.microsoft.com/office/powerpoint/2012/main">
+<p:notesMaster xmlns:a="http://schemas.openxmlformats.org/drawingml/2006/main" xmlns:r="http://schemas.openxmlformats.org/officeDocument/2006/relationships" xmlns:p="http://schemas.openxmlformats.org/presentationml/2006/main">
   <p:cSld>
     <p:bg>
       <p:bgPr>
         <a:solidFill>
           <a:schemeClr val="lt1"/>
         </a:solidFill>
+        <a:effectLst/>
       </p:bgPr>
     </p:bg>
     <p:spTree>
       <p:nvGrpSpPr>
-        <p:cNvPr id="2" name="Shape 2"/>
+        <p:cNvPr id="1" name="Shape 2"/>
         <p:cNvGrpSpPr/>
         <p:nvPr/>
       </p:nvGrpSpPr>
@@ -289,9 +290,11 @@
       <p:sp>
         <p:nvSpPr>
           <p:cNvPr id="3" name="Google Shape;3;n"/>
-          <p:cNvSpPr txBox="1"/>
+          <p:cNvSpPr txBox="1">
+            <a:spLocks noGrp="1"/>
+          </p:cNvSpPr>
           <p:nvPr>
-            <p:ph idx="2" type="hdr"/>
+            <p:ph type="hdr" idx="2"/>
           </p:nvPr>
         </p:nvSpPr>
         <p:spPr>
@@ -308,9 +311,9 @@
           </a:ln>
         </p:spPr>
         <p:txBody>
-          <a:bodyPr anchorCtr="0" anchor="t" bIns="45700" lIns="91425" spcFirstLastPara="1" rIns="91425" wrap="square" tIns="45700"/>
+          <a:bodyPr spcFirstLastPara="1" wrap="square" lIns="91425" tIns="45700" rIns="91425" bIns="45700" anchor="t" anchorCtr="0"/>
           <a:lstStyle>
-            <a:lvl1pPr lvl="0" marR="0" rtl="0" algn="l">
+            <a:lvl1pPr marR="0" lvl="0" algn="l" rtl="0">
               <a:lnSpc>
                 <a:spcPct val="100000"/>
               </a:lnSpc>
@@ -326,7 +329,7 @@
               <a:buSzPts val="1400"/>
               <a:buFont typeface="Arial"/>
               <a:buNone/>
-              <a:defRPr b="0" i="0" sz="1200" u="none" cap="none" strike="noStrike">
+              <a:defRPr sz="1200" b="0" i="0" u="none" strike="noStrike" cap="none">
                 <a:solidFill>
                   <a:schemeClr val="dk1"/>
                 </a:solidFill>
@@ -336,7 +339,7 @@
                 <a:sym typeface="Arial"/>
               </a:defRPr>
             </a:lvl1pPr>
-            <a:lvl2pPr lvl="1" marR="0" rtl="0" algn="l">
+            <a:lvl2pPr marR="0" lvl="1" algn="l" rtl="0">
               <a:lnSpc>
                 <a:spcPct val="100000"/>
               </a:lnSpc>
@@ -352,7 +355,7 @@
               <a:buSzPts val="1400"/>
               <a:buFont typeface="Arial"/>
               <a:buNone/>
-              <a:defRPr b="0" i="0" sz="1800" u="none" cap="none" strike="noStrike">
+              <a:defRPr sz="1800" b="0" i="0" u="none" strike="noStrike" cap="none">
                 <a:solidFill>
                   <a:schemeClr val="dk1"/>
                 </a:solidFill>
@@ -362,7 +365,7 @@
                 <a:sym typeface="Arial"/>
               </a:defRPr>
             </a:lvl2pPr>
-            <a:lvl3pPr lvl="2" marR="0" rtl="0" algn="l">
+            <a:lvl3pPr marR="0" lvl="2" algn="l" rtl="0">
               <a:lnSpc>
                 <a:spcPct val="100000"/>
               </a:lnSpc>
@@ -378,7 +381,7 @@
               <a:buSzPts val="1400"/>
               <a:buFont typeface="Arial"/>
               <a:buNone/>
-              <a:defRPr b="0" i="0" sz="1800" u="none" cap="none" strike="noStrike">
+              <a:defRPr sz="1800" b="0" i="0" u="none" strike="noStrike" cap="none">
                 <a:solidFill>
                   <a:schemeClr val="dk1"/>
                 </a:solidFill>
@@ -388,7 +391,7 @@
                 <a:sym typeface="Arial"/>
               </a:defRPr>
             </a:lvl3pPr>
-            <a:lvl4pPr lvl="3" marR="0" rtl="0" algn="l">
+            <a:lvl4pPr marR="0" lvl="3" algn="l" rtl="0">
               <a:lnSpc>
                 <a:spcPct val="100000"/>
               </a:lnSpc>
@@ -404,7 +407,7 @@
               <a:buSzPts val="1400"/>
               <a:buFont typeface="Arial"/>
               <a:buNone/>
-              <a:defRPr b="0" i="0" sz="1800" u="none" cap="none" strike="noStrike">
+              <a:defRPr sz="1800" b="0" i="0" u="none" strike="noStrike" cap="none">
                 <a:solidFill>
                   <a:schemeClr val="dk1"/>
                 </a:solidFill>
@@ -414,7 +417,7 @@
                 <a:sym typeface="Arial"/>
               </a:defRPr>
             </a:lvl4pPr>
-            <a:lvl5pPr lvl="4" marR="0" rtl="0" algn="l">
+            <a:lvl5pPr marR="0" lvl="4" algn="l" rtl="0">
               <a:lnSpc>
                 <a:spcPct val="100000"/>
               </a:lnSpc>
@@ -430,7 +433,7 @@
               <a:buSzPts val="1400"/>
               <a:buFont typeface="Arial"/>
               <a:buNone/>
-              <a:defRPr b="0" i="0" sz="1800" u="none" cap="none" strike="noStrike">
+              <a:defRPr sz="1800" b="0" i="0" u="none" strike="noStrike" cap="none">
                 <a:solidFill>
                   <a:schemeClr val="dk1"/>
                 </a:solidFill>
@@ -440,7 +443,7 @@
                 <a:sym typeface="Arial"/>
               </a:defRPr>
             </a:lvl5pPr>
-            <a:lvl6pPr lvl="5" marR="0" rtl="0" algn="l">
+            <a:lvl6pPr marR="0" lvl="5" algn="l" rtl="0">
               <a:lnSpc>
                 <a:spcPct val="100000"/>
               </a:lnSpc>
@@ -456,7 +459,7 @@
               <a:buSzPts val="1400"/>
               <a:buFont typeface="Arial"/>
               <a:buNone/>
-              <a:defRPr b="0" i="0" sz="1800" u="none" cap="none" strike="noStrike">
+              <a:defRPr sz="1800" b="0" i="0" u="none" strike="noStrike" cap="none">
                 <a:solidFill>
                   <a:schemeClr val="dk1"/>
                 </a:solidFill>
@@ -466,7 +469,7 @@
                 <a:sym typeface="Arial"/>
               </a:defRPr>
             </a:lvl6pPr>
-            <a:lvl7pPr lvl="6" marR="0" rtl="0" algn="l">
+            <a:lvl7pPr marR="0" lvl="6" algn="l" rtl="0">
               <a:lnSpc>
                 <a:spcPct val="100000"/>
               </a:lnSpc>
@@ -482,7 +485,7 @@
               <a:buSzPts val="1400"/>
               <a:buFont typeface="Arial"/>
               <a:buNone/>
-              <a:defRPr b="0" i="0" sz="1800" u="none" cap="none" strike="noStrike">
+              <a:defRPr sz="1800" b="0" i="0" u="none" strike="noStrike" cap="none">
                 <a:solidFill>
                   <a:schemeClr val="dk1"/>
                 </a:solidFill>
@@ -492,7 +495,7 @@
                 <a:sym typeface="Arial"/>
               </a:defRPr>
             </a:lvl7pPr>
-            <a:lvl8pPr lvl="7" marR="0" rtl="0" algn="l">
+            <a:lvl8pPr marR="0" lvl="7" algn="l" rtl="0">
               <a:lnSpc>
                 <a:spcPct val="100000"/>
               </a:lnSpc>
@@ -508,7 +511,7 @@
               <a:buSzPts val="1400"/>
               <a:buFont typeface="Arial"/>
               <a:buNone/>
-              <a:defRPr b="0" i="0" sz="1800" u="none" cap="none" strike="noStrike">
+              <a:defRPr sz="1800" b="0" i="0" u="none" strike="noStrike" cap="none">
                 <a:solidFill>
                   <a:schemeClr val="dk1"/>
                 </a:solidFill>
@@ -518,7 +521,7 @@
                 <a:sym typeface="Arial"/>
               </a:defRPr>
             </a:lvl8pPr>
-            <a:lvl9pPr lvl="8" marR="0" rtl="0" algn="l">
+            <a:lvl9pPr marR="0" lvl="8" algn="l" rtl="0">
               <a:lnSpc>
                 <a:spcPct val="100000"/>
               </a:lnSpc>
@@ -534,7 +537,7 @@
               <a:buSzPts val="1400"/>
               <a:buFont typeface="Arial"/>
               <a:buNone/>
-              <a:defRPr b="0" i="0" sz="1800" u="none" cap="none" strike="noStrike">
+              <a:defRPr sz="1800" b="0" i="0" u="none" strike="noStrike" cap="none">
                 <a:solidFill>
                   <a:schemeClr val="dk1"/>
                 </a:solidFill>
@@ -545,15 +548,19 @@
               </a:defRPr>
             </a:lvl9pPr>
           </a:lstStyle>
-          <a:p/>
+          <a:p>
+            <a:endParaRPr/>
+          </a:p>
         </p:txBody>
       </p:sp>
       <p:sp>
         <p:nvSpPr>
           <p:cNvPr id="4" name="Google Shape;4;n"/>
-          <p:cNvSpPr txBox="1"/>
+          <p:cNvSpPr txBox="1">
+            <a:spLocks noGrp="1"/>
+          </p:cNvSpPr>
           <p:nvPr>
-            <p:ph idx="10" type="dt"/>
+            <p:ph type="dt" idx="10"/>
           </p:nvPr>
         </p:nvSpPr>
         <p:spPr>
@@ -570,9 +577,9 @@
           </a:ln>
         </p:spPr>
         <p:txBody>
-          <a:bodyPr anchorCtr="0" anchor="t" bIns="45700" lIns="91425" spcFirstLastPara="1" rIns="91425" wrap="square" tIns="45700"/>
+          <a:bodyPr spcFirstLastPara="1" wrap="square" lIns="91425" tIns="45700" rIns="91425" bIns="45700" anchor="t" anchorCtr="0"/>
           <a:lstStyle>
-            <a:lvl1pPr lvl="0" marR="0" rtl="0" algn="r">
+            <a:lvl1pPr marR="0" lvl="0" algn="r" rtl="0">
               <a:lnSpc>
                 <a:spcPct val="100000"/>
               </a:lnSpc>
@@ -588,7 +595,7 @@
               <a:buSzPts val="1400"/>
               <a:buFont typeface="Arial"/>
               <a:buNone/>
-              <a:defRPr b="0" i="0" sz="1200" u="none" cap="none" strike="noStrike">
+              <a:defRPr sz="1200" b="0" i="0" u="none" strike="noStrike" cap="none">
                 <a:solidFill>
                   <a:schemeClr val="dk1"/>
                 </a:solidFill>
@@ -598,7 +605,7 @@
                 <a:sym typeface="Arial"/>
               </a:defRPr>
             </a:lvl1pPr>
-            <a:lvl2pPr lvl="1" marR="0" rtl="0" algn="l">
+            <a:lvl2pPr marR="0" lvl="1" algn="l" rtl="0">
               <a:lnSpc>
                 <a:spcPct val="100000"/>
               </a:lnSpc>
@@ -614,7 +621,7 @@
               <a:buSzPts val="1400"/>
               <a:buFont typeface="Arial"/>
               <a:buNone/>
-              <a:defRPr b="0" i="0" sz="1800" u="none" cap="none" strike="noStrike">
+              <a:defRPr sz="1800" b="0" i="0" u="none" strike="noStrike" cap="none">
                 <a:solidFill>
                   <a:schemeClr val="dk1"/>
                 </a:solidFill>
@@ -624,7 +631,7 @@
                 <a:sym typeface="Arial"/>
               </a:defRPr>
             </a:lvl2pPr>
-            <a:lvl3pPr lvl="2" marR="0" rtl="0" algn="l">
+            <a:lvl3pPr marR="0" lvl="2" algn="l" rtl="0">
               <a:lnSpc>
                 <a:spcPct val="100000"/>
               </a:lnSpc>
@@ -640,7 +647,7 @@
               <a:buSzPts val="1400"/>
               <a:buFont typeface="Arial"/>
               <a:buNone/>
-              <a:defRPr b="0" i="0" sz="1800" u="none" cap="none" strike="noStrike">
+              <a:defRPr sz="1800" b="0" i="0" u="none" strike="noStrike" cap="none">
                 <a:solidFill>
                   <a:schemeClr val="dk1"/>
                 </a:solidFill>
@@ -650,7 +657,7 @@
                 <a:sym typeface="Arial"/>
               </a:defRPr>
             </a:lvl3pPr>
-            <a:lvl4pPr lvl="3" marR="0" rtl="0" algn="l">
+            <a:lvl4pPr marR="0" lvl="3" algn="l" rtl="0">
               <a:lnSpc>
                 <a:spcPct val="100000"/>
               </a:lnSpc>
@@ -666,7 +673,7 @@
               <a:buSzPts val="1400"/>
               <a:buFont typeface="Arial"/>
               <a:buNone/>
-              <a:defRPr b="0" i="0" sz="1800" u="none" cap="none" strike="noStrike">
+              <a:defRPr sz="1800" b="0" i="0" u="none" strike="noStrike" cap="none">
                 <a:solidFill>
                   <a:schemeClr val="dk1"/>
                 </a:solidFill>
@@ -676,7 +683,7 @@
                 <a:sym typeface="Arial"/>
               </a:defRPr>
             </a:lvl4pPr>
-            <a:lvl5pPr lvl="4" marR="0" rtl="0" algn="l">
+            <a:lvl5pPr marR="0" lvl="4" algn="l" rtl="0">
               <a:lnSpc>
                 <a:spcPct val="100000"/>
               </a:lnSpc>
@@ -692,7 +699,7 @@
               <a:buSzPts val="1400"/>
               <a:buFont typeface="Arial"/>
               <a:buNone/>
-              <a:defRPr b="0" i="0" sz="1800" u="none" cap="none" strike="noStrike">
+              <a:defRPr sz="1800" b="0" i="0" u="none" strike="noStrike" cap="none">
                 <a:solidFill>
                   <a:schemeClr val="dk1"/>
                 </a:solidFill>
@@ -702,7 +709,7 @@
                 <a:sym typeface="Arial"/>
               </a:defRPr>
             </a:lvl5pPr>
-            <a:lvl6pPr lvl="5" marR="0" rtl="0" algn="l">
+            <a:lvl6pPr marR="0" lvl="5" algn="l" rtl="0">
               <a:lnSpc>
                 <a:spcPct val="100000"/>
               </a:lnSpc>
@@ -718,7 +725,7 @@
               <a:buSzPts val="1400"/>
               <a:buFont typeface="Arial"/>
               <a:buNone/>
-              <a:defRPr b="0" i="0" sz="1800" u="none" cap="none" strike="noStrike">
+              <a:defRPr sz="1800" b="0" i="0" u="none" strike="noStrike" cap="none">
                 <a:solidFill>
                   <a:schemeClr val="dk1"/>
                 </a:solidFill>
@@ -728,7 +735,7 @@
                 <a:sym typeface="Arial"/>
               </a:defRPr>
             </a:lvl6pPr>
-            <a:lvl7pPr lvl="6" marR="0" rtl="0" algn="l">
+            <a:lvl7pPr marR="0" lvl="6" algn="l" rtl="0">
               <a:lnSpc>
                 <a:spcPct val="100000"/>
               </a:lnSpc>
@@ -744,7 +751,7 @@
               <a:buSzPts val="1400"/>
               <a:buFont typeface="Arial"/>
               <a:buNone/>
-              <a:defRPr b="0" i="0" sz="1800" u="none" cap="none" strike="noStrike">
+              <a:defRPr sz="1800" b="0" i="0" u="none" strike="noStrike" cap="none">
                 <a:solidFill>
                   <a:schemeClr val="dk1"/>
                 </a:solidFill>
@@ -754,7 +761,7 @@
                 <a:sym typeface="Arial"/>
               </a:defRPr>
             </a:lvl7pPr>
-            <a:lvl8pPr lvl="7" marR="0" rtl="0" algn="l">
+            <a:lvl8pPr marR="0" lvl="7" algn="l" rtl="0">
               <a:lnSpc>
                 <a:spcPct val="100000"/>
               </a:lnSpc>
@@ -770,7 +777,7 @@
               <a:buSzPts val="1400"/>
               <a:buFont typeface="Arial"/>
               <a:buNone/>
-              <a:defRPr b="0" i="0" sz="1800" u="none" cap="none" strike="noStrike">
+              <a:defRPr sz="1800" b="0" i="0" u="none" strike="noStrike" cap="none">
                 <a:solidFill>
                   <a:schemeClr val="dk1"/>
                 </a:solidFill>
@@ -780,7 +787,7 @@
                 <a:sym typeface="Arial"/>
               </a:defRPr>
             </a:lvl8pPr>
-            <a:lvl9pPr lvl="8" marR="0" rtl="0" algn="l">
+            <a:lvl9pPr marR="0" lvl="8" algn="l" rtl="0">
               <a:lnSpc>
                 <a:spcPct val="100000"/>
               </a:lnSpc>
@@ -796,7 +803,7 @@
               <a:buSzPts val="1400"/>
               <a:buFont typeface="Arial"/>
               <a:buNone/>
-              <a:defRPr b="0" i="0" sz="1800" u="none" cap="none" strike="noStrike">
+              <a:defRPr sz="1800" b="0" i="0" u="none" strike="noStrike" cap="none">
                 <a:solidFill>
                   <a:schemeClr val="dk1"/>
                 </a:solidFill>
@@ -807,15 +814,19 @@
               </a:defRPr>
             </a:lvl9pPr>
           </a:lstStyle>
-          <a:p/>
+          <a:p>
+            <a:endParaRPr/>
+          </a:p>
         </p:txBody>
       </p:sp>
       <p:sp>
         <p:nvSpPr>
           <p:cNvPr id="5" name="Google Shape;5;n"/>
-          <p:cNvSpPr/>
+          <p:cNvSpPr>
+            <a:spLocks noGrp="1" noRot="1" noChangeAspect="1"/>
+          </p:cNvSpPr>
           <p:nvPr>
-            <p:ph idx="3" type="sldImg"/>
+            <p:ph type="sldImg" idx="3"/>
           </p:nvPr>
         </p:nvSpPr>
         <p:spPr>
@@ -824,9 +835,13 @@
             <a:ext cx="4572000" cy="3429000"/>
           </a:xfrm>
           <a:custGeom>
-            <a:rect b="b" l="l" r="r" t="t"/>
+            <a:avLst/>
+            <a:gdLst/>
+            <a:ahLst/>
+            <a:cxnLst/>
+            <a:rect l="l" t="t" r="r" b="b"/>
             <a:pathLst>
-              <a:path extrusionOk="0" h="120000" w="120000">
+              <a:path w="120000" h="120000" extrusionOk="0">
                 <a:moveTo>
                   <a:pt x="0" y="0"/>
                 </a:moveTo>
@@ -844,23 +859,25 @@
             </a:pathLst>
           </a:custGeom>
           <a:noFill/>
-          <a:ln cap="flat" cmpd="sng" w="12700">
+          <a:ln w="12700" cap="flat" cmpd="sng">
             <a:solidFill>
               <a:srgbClr val="000000"/>
             </a:solidFill>
             <a:prstDash val="solid"/>
             <a:round/>
-            <a:headEnd len="sm" w="sm" type="none"/>
-            <a:tailEnd len="sm" w="sm" type="none"/>
+            <a:headEnd type="none" w="sm" len="sm"/>
+            <a:tailEnd type="none" w="sm" len="sm"/>
           </a:ln>
         </p:spPr>
       </p:sp>
       <p:sp>
         <p:nvSpPr>
           <p:cNvPr id="6" name="Google Shape;6;n"/>
-          <p:cNvSpPr txBox="1"/>
+          <p:cNvSpPr txBox="1">
+            <a:spLocks noGrp="1"/>
+          </p:cNvSpPr>
           <p:nvPr>
-            <p:ph idx="1" type="body"/>
+            <p:ph type="body" idx="1"/>
           </p:nvPr>
         </p:nvSpPr>
         <p:spPr>
@@ -877,9 +894,9 @@
           </a:ln>
         </p:spPr>
         <p:txBody>
-          <a:bodyPr anchorCtr="0" anchor="t" bIns="45700" lIns="91425" spcFirstLastPara="1" rIns="91425" wrap="square" tIns="45700"/>
+          <a:bodyPr spcFirstLastPara="1" wrap="square" lIns="91425" tIns="45700" rIns="91425" bIns="45700" anchor="t" anchorCtr="0"/>
           <a:lstStyle>
-            <a:lvl1pPr indent="-228600" lvl="0" marL="457200" marR="0" rtl="0" algn="l">
+            <a:lvl1pPr marL="457200" marR="0" lvl="0" indent="-228600" algn="l" rtl="0">
               <a:lnSpc>
                 <a:spcPct val="100000"/>
               </a:lnSpc>
@@ -895,7 +912,7 @@
               <a:buSzPts val="1400"/>
               <a:buFont typeface="Arial"/>
               <a:buNone/>
-              <a:defRPr b="0" i="0" sz="1200" u="none" cap="none" strike="noStrike">
+              <a:defRPr sz="1200" b="0" i="0" u="none" strike="noStrike" cap="none">
                 <a:solidFill>
                   <a:schemeClr val="dk1"/>
                 </a:solidFill>
@@ -905,7 +922,7 @@
                 <a:sym typeface="Calibri"/>
               </a:defRPr>
             </a:lvl1pPr>
-            <a:lvl2pPr indent="-228600" lvl="1" marL="914400" marR="0" rtl="0" algn="l">
+            <a:lvl2pPr marL="914400" marR="0" lvl="1" indent="-228600" algn="l" rtl="0">
               <a:lnSpc>
                 <a:spcPct val="100000"/>
               </a:lnSpc>
@@ -921,7 +938,7 @@
               <a:buSzPts val="1400"/>
               <a:buFont typeface="Arial"/>
               <a:buNone/>
-              <a:defRPr b="0" i="0" sz="1200" u="none" cap="none" strike="noStrike">
+              <a:defRPr sz="1200" b="0" i="0" u="none" strike="noStrike" cap="none">
                 <a:solidFill>
                   <a:schemeClr val="dk1"/>
                 </a:solidFill>
@@ -931,7 +948,7 @@
                 <a:sym typeface="Calibri"/>
               </a:defRPr>
             </a:lvl2pPr>
-            <a:lvl3pPr indent="-228600" lvl="2" marL="1371600" marR="0" rtl="0" algn="l">
+            <a:lvl3pPr marL="1371600" marR="0" lvl="2" indent="-228600" algn="l" rtl="0">
               <a:lnSpc>
                 <a:spcPct val="100000"/>
               </a:lnSpc>
@@ -947,7 +964,7 @@
               <a:buSzPts val="1400"/>
               <a:buFont typeface="Arial"/>
               <a:buNone/>
-              <a:defRPr b="0" i="0" sz="1200" u="none" cap="none" strike="noStrike">
+              <a:defRPr sz="1200" b="0" i="0" u="none" strike="noStrike" cap="none">
                 <a:solidFill>
                   <a:schemeClr val="dk1"/>
                 </a:solidFill>
@@ -957,7 +974,7 @@
                 <a:sym typeface="Calibri"/>
               </a:defRPr>
             </a:lvl3pPr>
-            <a:lvl4pPr indent="-228600" lvl="3" marL="1828800" marR="0" rtl="0" algn="l">
+            <a:lvl4pPr marL="1828800" marR="0" lvl="3" indent="-228600" algn="l" rtl="0">
               <a:lnSpc>
                 <a:spcPct val="100000"/>
               </a:lnSpc>
@@ -973,7 +990,7 @@
               <a:buSzPts val="1400"/>
               <a:buFont typeface="Arial"/>
               <a:buNone/>
-              <a:defRPr b="0" i="0" sz="1200" u="none" cap="none" strike="noStrike">
+              <a:defRPr sz="1200" b="0" i="0" u="none" strike="noStrike" cap="none">
                 <a:solidFill>
                   <a:schemeClr val="dk1"/>
                 </a:solidFill>
@@ -983,7 +1000,7 @@
                 <a:sym typeface="Calibri"/>
               </a:defRPr>
             </a:lvl4pPr>
-            <a:lvl5pPr indent="-228600" lvl="4" marL="2286000" marR="0" rtl="0" algn="l">
+            <a:lvl5pPr marL="2286000" marR="0" lvl="4" indent="-228600" algn="l" rtl="0">
               <a:lnSpc>
                 <a:spcPct val="100000"/>
               </a:lnSpc>
@@ -999,7 +1016,7 @@
               <a:buSzPts val="1400"/>
               <a:buFont typeface="Arial"/>
               <a:buNone/>
-              <a:defRPr b="0" i="0" sz="1200" u="none" cap="none" strike="noStrike">
+              <a:defRPr sz="1200" b="0" i="0" u="none" strike="noStrike" cap="none">
                 <a:solidFill>
                   <a:schemeClr val="dk1"/>
                 </a:solidFill>
@@ -1009,7 +1026,7 @@
                 <a:sym typeface="Calibri"/>
               </a:defRPr>
             </a:lvl5pPr>
-            <a:lvl6pPr indent="-228600" lvl="5" marL="2743200" marR="0" rtl="0" algn="l">
+            <a:lvl6pPr marL="2743200" marR="0" lvl="5" indent="-228600" algn="l" rtl="0">
               <a:lnSpc>
                 <a:spcPct val="100000"/>
               </a:lnSpc>
@@ -1025,7 +1042,7 @@
               <a:buSzPts val="1400"/>
               <a:buFont typeface="Arial"/>
               <a:buNone/>
-              <a:defRPr b="0" i="0" sz="1200" u="none" cap="none" strike="noStrike">
+              <a:defRPr sz="1200" b="0" i="0" u="none" strike="noStrike" cap="none">
                 <a:solidFill>
                   <a:schemeClr val="dk1"/>
                 </a:solidFill>
@@ -1035,7 +1052,7 @@
                 <a:sym typeface="Calibri"/>
               </a:defRPr>
             </a:lvl6pPr>
-            <a:lvl7pPr indent="-228600" lvl="6" marL="3200400" marR="0" rtl="0" algn="l">
+            <a:lvl7pPr marL="3200400" marR="0" lvl="6" indent="-228600" algn="l" rtl="0">
               <a:lnSpc>
                 <a:spcPct val="100000"/>
               </a:lnSpc>
@@ -1051,7 +1068,7 @@
               <a:buSzPts val="1400"/>
               <a:buFont typeface="Arial"/>
               <a:buNone/>
-              <a:defRPr b="0" i="0" sz="1200" u="none" cap="none" strike="noStrike">
+              <a:defRPr sz="1200" b="0" i="0" u="none" strike="noStrike" cap="none">
                 <a:solidFill>
                   <a:schemeClr val="dk1"/>
                 </a:solidFill>
@@ -1061,7 +1078,7 @@
                 <a:sym typeface="Calibri"/>
               </a:defRPr>
             </a:lvl7pPr>
-            <a:lvl8pPr indent="-228600" lvl="7" marL="3657600" marR="0" rtl="0" algn="l">
+            <a:lvl8pPr marL="3657600" marR="0" lvl="7" indent="-228600" algn="l" rtl="0">
               <a:lnSpc>
                 <a:spcPct val="100000"/>
               </a:lnSpc>
@@ -1077,7 +1094,7 @@
               <a:buSzPts val="1400"/>
               <a:buFont typeface="Arial"/>
               <a:buNone/>
-              <a:defRPr b="0" i="0" sz="1200" u="none" cap="none" strike="noStrike">
+              <a:defRPr sz="1200" b="0" i="0" u="none" strike="noStrike" cap="none">
                 <a:solidFill>
                   <a:schemeClr val="dk1"/>
                 </a:solidFill>
@@ -1087,7 +1104,7 @@
                 <a:sym typeface="Calibri"/>
               </a:defRPr>
             </a:lvl8pPr>
-            <a:lvl9pPr indent="-228600" lvl="8" marL="4114800" marR="0" rtl="0" algn="l">
+            <a:lvl9pPr marL="4114800" marR="0" lvl="8" indent="-228600" algn="l" rtl="0">
               <a:lnSpc>
                 <a:spcPct val="100000"/>
               </a:lnSpc>
@@ -1103,7 +1120,7 @@
               <a:buSzPts val="1400"/>
               <a:buFont typeface="Arial"/>
               <a:buNone/>
-              <a:defRPr b="0" i="0" sz="1200" u="none" cap="none" strike="noStrike">
+              <a:defRPr sz="1200" b="0" i="0" u="none" strike="noStrike" cap="none">
                 <a:solidFill>
                   <a:schemeClr val="dk1"/>
                 </a:solidFill>
@@ -1114,15 +1131,19 @@
               </a:defRPr>
             </a:lvl9pPr>
           </a:lstStyle>
-          <a:p/>
+          <a:p>
+            <a:endParaRPr/>
+          </a:p>
         </p:txBody>
       </p:sp>
       <p:sp>
         <p:nvSpPr>
           <p:cNvPr id="7" name="Google Shape;7;n"/>
-          <p:cNvSpPr txBox="1"/>
+          <p:cNvSpPr txBox="1">
+            <a:spLocks noGrp="1"/>
+          </p:cNvSpPr>
           <p:nvPr>
-            <p:ph idx="11" type="ftr"/>
+            <p:ph type="ftr" idx="11"/>
           </p:nvPr>
         </p:nvSpPr>
         <p:spPr>
@@ -1139,9 +1160,9 @@
           </a:ln>
         </p:spPr>
         <p:txBody>
-          <a:bodyPr anchorCtr="0" anchor="b" bIns="45700" lIns="91425" spcFirstLastPara="1" rIns="91425" wrap="square" tIns="45700"/>
+          <a:bodyPr spcFirstLastPara="1" wrap="square" lIns="91425" tIns="45700" rIns="91425" bIns="45700" anchor="b" anchorCtr="0"/>
           <a:lstStyle>
-            <a:lvl1pPr lvl="0" marR="0" rtl="0" algn="l">
+            <a:lvl1pPr marR="0" lvl="0" algn="l" rtl="0">
               <a:lnSpc>
                 <a:spcPct val="100000"/>
               </a:lnSpc>
@@ -1157,7 +1178,7 @@
               <a:buSzPts val="1400"/>
               <a:buFont typeface="Arial"/>
               <a:buNone/>
-              <a:defRPr b="0" i="0" sz="1200" u="none" cap="none" strike="noStrike">
+              <a:defRPr sz="1200" b="0" i="0" u="none" strike="noStrike" cap="none">
                 <a:solidFill>
                   <a:schemeClr val="dk1"/>
                 </a:solidFill>
@@ -1167,7 +1188,7 @@
                 <a:sym typeface="Arial"/>
               </a:defRPr>
             </a:lvl1pPr>
-            <a:lvl2pPr lvl="1" marR="0" rtl="0" algn="l">
+            <a:lvl2pPr marR="0" lvl="1" algn="l" rtl="0">
               <a:lnSpc>
                 <a:spcPct val="100000"/>
               </a:lnSpc>
@@ -1183,7 +1204,7 @@
               <a:buSzPts val="1400"/>
               <a:buFont typeface="Arial"/>
               <a:buNone/>
-              <a:defRPr b="0" i="0" sz="1800" u="none" cap="none" strike="noStrike">
+              <a:defRPr sz="1800" b="0" i="0" u="none" strike="noStrike" cap="none">
                 <a:solidFill>
                   <a:schemeClr val="dk1"/>
                 </a:solidFill>
@@ -1193,7 +1214,7 @@
                 <a:sym typeface="Arial"/>
               </a:defRPr>
             </a:lvl2pPr>
-            <a:lvl3pPr lvl="2" marR="0" rtl="0" algn="l">
+            <a:lvl3pPr marR="0" lvl="2" algn="l" rtl="0">
               <a:lnSpc>
                 <a:spcPct val="100000"/>
               </a:lnSpc>
@@ -1209,7 +1230,7 @@
               <a:buSzPts val="1400"/>
               <a:buFont typeface="Arial"/>
               <a:buNone/>
-              <a:defRPr b="0" i="0" sz="1800" u="none" cap="none" strike="noStrike">
+              <a:defRPr sz="1800" b="0" i="0" u="none" strike="noStrike" cap="none">
                 <a:solidFill>
                   <a:schemeClr val="dk1"/>
                 </a:solidFill>
@@ -1219,7 +1240,7 @@
                 <a:sym typeface="Arial"/>
               </a:defRPr>
             </a:lvl3pPr>
-            <a:lvl4pPr lvl="3" marR="0" rtl="0" algn="l">
+            <a:lvl4pPr marR="0" lvl="3" algn="l" rtl="0">
               <a:lnSpc>
                 <a:spcPct val="100000"/>
               </a:lnSpc>
@@ -1235,7 +1256,7 @@
               <a:buSzPts val="1400"/>
               <a:buFont typeface="Arial"/>
               <a:buNone/>
-              <a:defRPr b="0" i="0" sz="1800" u="none" cap="none" strike="noStrike">
+              <a:defRPr sz="1800" b="0" i="0" u="none" strike="noStrike" cap="none">
                 <a:solidFill>
                   <a:schemeClr val="dk1"/>
                 </a:solidFill>
@@ -1245,7 +1266,7 @@
                 <a:sym typeface="Arial"/>
               </a:defRPr>
             </a:lvl4pPr>
-            <a:lvl5pPr lvl="4" marR="0" rtl="0" algn="l">
+            <a:lvl5pPr marR="0" lvl="4" algn="l" rtl="0">
               <a:lnSpc>
                 <a:spcPct val="100000"/>
               </a:lnSpc>
@@ -1261,7 +1282,7 @@
               <a:buSzPts val="1400"/>
               <a:buFont typeface="Arial"/>
               <a:buNone/>
-              <a:defRPr b="0" i="0" sz="1800" u="none" cap="none" strike="noStrike">
+              <a:defRPr sz="1800" b="0" i="0" u="none" strike="noStrike" cap="none">
                 <a:solidFill>
                   <a:schemeClr val="dk1"/>
                 </a:solidFill>
@@ -1271,7 +1292,7 @@
                 <a:sym typeface="Arial"/>
               </a:defRPr>
             </a:lvl5pPr>
-            <a:lvl6pPr lvl="5" marR="0" rtl="0" algn="l">
+            <a:lvl6pPr marR="0" lvl="5" algn="l" rtl="0">
               <a:lnSpc>
                 <a:spcPct val="100000"/>
               </a:lnSpc>
@@ -1287,7 +1308,7 @@
               <a:buSzPts val="1400"/>
               <a:buFont typeface="Arial"/>
               <a:buNone/>
-              <a:defRPr b="0" i="0" sz="1800" u="none" cap="none" strike="noStrike">
+              <a:defRPr sz="1800" b="0" i="0" u="none" strike="noStrike" cap="none">
                 <a:solidFill>
                   <a:schemeClr val="dk1"/>
                 </a:solidFill>
@@ -1297,7 +1318,7 @@
                 <a:sym typeface="Arial"/>
               </a:defRPr>
             </a:lvl6pPr>
-            <a:lvl7pPr lvl="6" marR="0" rtl="0" algn="l">
+            <a:lvl7pPr marR="0" lvl="6" algn="l" rtl="0">
               <a:lnSpc>
                 <a:spcPct val="100000"/>
               </a:lnSpc>
@@ -1313,7 +1334,7 @@
               <a:buSzPts val="1400"/>
               <a:buFont typeface="Arial"/>
               <a:buNone/>
-              <a:defRPr b="0" i="0" sz="1800" u="none" cap="none" strike="noStrike">
+              <a:defRPr sz="1800" b="0" i="0" u="none" strike="noStrike" cap="none">
                 <a:solidFill>
                   <a:schemeClr val="dk1"/>
                 </a:solidFill>
@@ -1323,7 +1344,7 @@
                 <a:sym typeface="Arial"/>
               </a:defRPr>
             </a:lvl7pPr>
-            <a:lvl8pPr lvl="7" marR="0" rtl="0" algn="l">
+            <a:lvl8pPr marR="0" lvl="7" algn="l" rtl="0">
               <a:lnSpc>
                 <a:spcPct val="100000"/>
               </a:lnSpc>
@@ -1339,7 +1360,7 @@
               <a:buSzPts val="1400"/>
               <a:buFont typeface="Arial"/>
               <a:buNone/>
-              <a:defRPr b="0" i="0" sz="1800" u="none" cap="none" strike="noStrike">
+              <a:defRPr sz="1800" b="0" i="0" u="none" strike="noStrike" cap="none">
                 <a:solidFill>
                   <a:schemeClr val="dk1"/>
                 </a:solidFill>
@@ -1349,7 +1370,7 @@
                 <a:sym typeface="Arial"/>
               </a:defRPr>
             </a:lvl8pPr>
-            <a:lvl9pPr lvl="8" marR="0" rtl="0" algn="l">
+            <a:lvl9pPr marR="0" lvl="8" algn="l" rtl="0">
               <a:lnSpc>
                 <a:spcPct val="100000"/>
               </a:lnSpc>
@@ -1365,7 +1386,7 @@
               <a:buSzPts val="1400"/>
               <a:buFont typeface="Arial"/>
               <a:buNone/>
-              <a:defRPr b="0" i="0" sz="1800" u="none" cap="none" strike="noStrike">
+              <a:defRPr sz="1800" b="0" i="0" u="none" strike="noStrike" cap="none">
                 <a:solidFill>
                   <a:schemeClr val="dk1"/>
                 </a:solidFill>
@@ -1376,15 +1397,19 @@
               </a:defRPr>
             </a:lvl9pPr>
           </a:lstStyle>
-          <a:p/>
+          <a:p>
+            <a:endParaRPr/>
+          </a:p>
         </p:txBody>
       </p:sp>
       <p:sp>
         <p:nvSpPr>
           <p:cNvPr id="8" name="Google Shape;8;n"/>
-          <p:cNvSpPr txBox="1"/>
+          <p:cNvSpPr txBox="1">
+            <a:spLocks noGrp="1"/>
+          </p:cNvSpPr>
           <p:nvPr>
-            <p:ph idx="12" type="sldNum"/>
+            <p:ph type="sldNum" idx="12"/>
           </p:nvPr>
         </p:nvSpPr>
         <p:spPr>
@@ -1401,12 +1426,12 @@
           </a:ln>
         </p:spPr>
         <p:txBody>
-          <a:bodyPr anchorCtr="0" anchor="b" bIns="45700" lIns="91425" spcFirstLastPara="1" rIns="91425" wrap="square" tIns="45700">
+          <a:bodyPr spcFirstLastPara="1" wrap="square" lIns="91425" tIns="45700" rIns="91425" bIns="45700" anchor="b" anchorCtr="0">
             <a:noAutofit/>
           </a:bodyPr>
           <a:lstStyle/>
           <a:p>
-            <a:pPr indent="0" lvl="0" marL="0" marR="0" rtl="0" algn="r">
+            <a:pPr marL="0" marR="0" lvl="0" indent="0" algn="r" rtl="0">
               <a:lnSpc>
                 <a:spcPct val="100000"/>
               </a:lnSpc>
@@ -1424,7 +1449,7 @@
               <a:buNone/>
             </a:pPr>
             <a:fld id="{00000000-1234-1234-1234-123412341234}" type="slidenum">
-              <a:rPr b="0" i="0" lang="en-US" sz="1200" u="none" cap="none" strike="noStrike">
+              <a:rPr lang="en-US" sz="1200" b="0" i="0" u="none" strike="noStrike" cap="none">
                 <a:solidFill>
                   <a:schemeClr val="dk1"/>
                 </a:solidFill>
@@ -1435,7 +1460,7 @@
               </a:rPr>
               <a:t>‹#›</a:t>
             </a:fld>
-            <a:endParaRPr b="0" i="0" sz="1200" u="none" cap="none" strike="noStrike">
+            <a:endParaRPr sz="1200" b="0" i="0" u="none" strike="noStrike" cap="none">
               <a:solidFill>
                 <a:schemeClr val="dk1"/>
               </a:solidFill>
@@ -1449,9 +1474,9 @@
       </p:sp>
     </p:spTree>
   </p:cSld>
-  <p:clrMap accent1="accent1" accent2="accent2" accent3="accent3" accent4="accent4" accent5="accent5" accent6="accent6" bg1="lt1" bg2="dk2" tx1="dk1" tx2="lt2" folHlink="folHlink" hlink="hlink"/>
+  <p:clrMap bg1="lt1" tx1="dk1" bg2="dk2" tx2="lt2" accent1="accent1" accent2="accent2" accent3="accent3" accent4="accent4" accent5="accent5" accent6="accent6" hlink="hlink" folHlink="folHlink"/>
   <p:notesStyle>
-    <a:defPPr lvl="0" marR="0" rtl="0" algn="l">
+    <a:defPPr marR="0" lvl="0" algn="l" rtl="0">
       <a:lnSpc>
         <a:spcPct val="100000"/>
       </a:lnSpc>
@@ -1462,7 +1487,7 @@
         <a:spcPts val="0"/>
       </a:spcAft>
     </a:defPPr>
-    <a:lvl1pPr lvl="0" marR="0" rtl="0" algn="l">
+    <a:lvl1pPr marR="0" lvl="0" algn="l" rtl="0">
       <a:lnSpc>
         <a:spcPct val="100000"/>
       </a:lnSpc>
@@ -1476,7 +1501,7 @@
         <a:srgbClr val="000000"/>
       </a:buClr>
       <a:buFont typeface="Arial"/>
-      <a:defRPr b="0" i="0" sz="1400" u="none" cap="none" strike="noStrike">
+      <a:defRPr sz="1400" b="0" i="0" u="none" strike="noStrike" cap="none">
         <a:solidFill>
           <a:srgbClr val="000000"/>
         </a:solidFill>
@@ -1486,7 +1511,7 @@
         <a:sym typeface="Arial"/>
       </a:defRPr>
     </a:lvl1pPr>
-    <a:lvl2pPr lvl="1" marR="0" rtl="0" algn="l">
+    <a:lvl2pPr marR="0" lvl="1" algn="l" rtl="0">
       <a:lnSpc>
         <a:spcPct val="100000"/>
       </a:lnSpc>
@@ -1500,7 +1525,7 @@
         <a:srgbClr val="000000"/>
       </a:buClr>
       <a:buFont typeface="Arial"/>
-      <a:defRPr b="0" i="0" sz="1400" u="none" cap="none" strike="noStrike">
+      <a:defRPr sz="1400" b="0" i="0" u="none" strike="noStrike" cap="none">
         <a:solidFill>
           <a:srgbClr val="000000"/>
         </a:solidFill>
@@ -1510,7 +1535,7 @@
         <a:sym typeface="Arial"/>
       </a:defRPr>
     </a:lvl2pPr>
-    <a:lvl3pPr lvl="2" marR="0" rtl="0" algn="l">
+    <a:lvl3pPr marR="0" lvl="2" algn="l" rtl="0">
       <a:lnSpc>
         <a:spcPct val="100000"/>
       </a:lnSpc>
@@ -1524,7 +1549,7 @@
         <a:srgbClr val="000000"/>
       </a:buClr>
       <a:buFont typeface="Arial"/>
-      <a:defRPr b="0" i="0" sz="1400" u="none" cap="none" strike="noStrike">
+      <a:defRPr sz="1400" b="0" i="0" u="none" strike="noStrike" cap="none">
         <a:solidFill>
           <a:srgbClr val="000000"/>
         </a:solidFill>
@@ -1534,7 +1559,7 @@
         <a:sym typeface="Arial"/>
       </a:defRPr>
     </a:lvl3pPr>
-    <a:lvl4pPr lvl="3" marR="0" rtl="0" algn="l">
+    <a:lvl4pPr marR="0" lvl="3" algn="l" rtl="0">
       <a:lnSpc>
         <a:spcPct val="100000"/>
       </a:lnSpc>
@@ -1548,7 +1573,7 @@
         <a:srgbClr val="000000"/>
       </a:buClr>
       <a:buFont typeface="Arial"/>
-      <a:defRPr b="0" i="0" sz="1400" u="none" cap="none" strike="noStrike">
+      <a:defRPr sz="1400" b="0" i="0" u="none" strike="noStrike" cap="none">
         <a:solidFill>
           <a:srgbClr val="000000"/>
         </a:solidFill>
@@ -1558,7 +1583,7 @@
         <a:sym typeface="Arial"/>
       </a:defRPr>
     </a:lvl4pPr>
-    <a:lvl5pPr lvl="4" marR="0" rtl="0" algn="l">
+    <a:lvl5pPr marR="0" lvl="4" algn="l" rtl="0">
       <a:lnSpc>
         <a:spcPct val="100000"/>
       </a:lnSpc>
@@ -1572,7 +1597,7 @@
         <a:srgbClr val="000000"/>
       </a:buClr>
       <a:buFont typeface="Arial"/>
-      <a:defRPr b="0" i="0" sz="1400" u="none" cap="none" strike="noStrike">
+      <a:defRPr sz="1400" b="0" i="0" u="none" strike="noStrike" cap="none">
         <a:solidFill>
           <a:srgbClr val="000000"/>
         </a:solidFill>
@@ -1582,7 +1607,7 @@
         <a:sym typeface="Arial"/>
       </a:defRPr>
     </a:lvl5pPr>
-    <a:lvl6pPr lvl="5" marR="0" rtl="0" algn="l">
+    <a:lvl6pPr marR="0" lvl="5" algn="l" rtl="0">
       <a:lnSpc>
         <a:spcPct val="100000"/>
       </a:lnSpc>
@@ -1596,7 +1621,7 @@
         <a:srgbClr val="000000"/>
       </a:buClr>
       <a:buFont typeface="Arial"/>
-      <a:defRPr b="0" i="0" sz="1400" u="none" cap="none" strike="noStrike">
+      <a:defRPr sz="1400" b="0" i="0" u="none" strike="noStrike" cap="none">
         <a:solidFill>
           <a:srgbClr val="000000"/>
         </a:solidFill>
@@ -1606,7 +1631,7 @@
         <a:sym typeface="Arial"/>
       </a:defRPr>
     </a:lvl6pPr>
-    <a:lvl7pPr lvl="6" marR="0" rtl="0" algn="l">
+    <a:lvl7pPr marR="0" lvl="6" algn="l" rtl="0">
       <a:lnSpc>
         <a:spcPct val="100000"/>
       </a:lnSpc>
@@ -1620,7 +1645,7 @@
         <a:srgbClr val="000000"/>
       </a:buClr>
       <a:buFont typeface="Arial"/>
-      <a:defRPr b="0" i="0" sz="1400" u="none" cap="none" strike="noStrike">
+      <a:defRPr sz="1400" b="0" i="0" u="none" strike="noStrike" cap="none">
         <a:solidFill>
           <a:srgbClr val="000000"/>
         </a:solidFill>
@@ -1630,7 +1655,7 @@
         <a:sym typeface="Arial"/>
       </a:defRPr>
     </a:lvl7pPr>
-    <a:lvl8pPr lvl="7" marR="0" rtl="0" algn="l">
+    <a:lvl8pPr marR="0" lvl="7" algn="l" rtl="0">
       <a:lnSpc>
         <a:spcPct val="100000"/>
       </a:lnSpc>
@@ -1644,7 +1669,7 @@
         <a:srgbClr val="000000"/>
       </a:buClr>
       <a:buFont typeface="Arial"/>
-      <a:defRPr b="0" i="0" sz="1400" u="none" cap="none" strike="noStrike">
+      <a:defRPr sz="1400" b="0" i="0" u="none" strike="noStrike" cap="none">
         <a:solidFill>
           <a:srgbClr val="000000"/>
         </a:solidFill>
@@ -1654,7 +1679,7 @@
         <a:sym typeface="Arial"/>
       </a:defRPr>
     </a:lvl8pPr>
-    <a:lvl9pPr lvl="8" marR="0" rtl="0" algn="l">
+    <a:lvl9pPr marR="0" lvl="8" algn="l" rtl="0">
       <a:lnSpc>
         <a:spcPct val="100000"/>
       </a:lnSpc>
@@ -1668,7 +1693,7 @@
         <a:srgbClr val="000000"/>
       </a:buClr>
       <a:buFont typeface="Arial"/>
-      <a:defRPr b="0" i="0" sz="1400" u="none" cap="none" strike="noStrike">
+      <a:defRPr sz="1400" b="0" i="0" u="none" strike="noStrike" cap="none">
         <a:solidFill>
           <a:srgbClr val="000000"/>
         </a:solidFill>
@@ -1683,11 +1708,11 @@
 </file>
 
 <file path=ppt/notesSlides/notesSlide1.xml><?xml version="1.0" encoding="utf-8"?>
-<p:notes xmlns:a="http://schemas.openxmlformats.org/drawingml/2006/main" xmlns:r="http://schemas.openxmlformats.org/officeDocument/2006/relationships" xmlns:mc="http://schemas.openxmlformats.org/markup-compatibility/2006" xmlns:mv="urn:schemas-microsoft-com:mac:vml" xmlns:p="http://schemas.openxmlformats.org/presentationml/2006/main" xmlns:c="http://schemas.openxmlformats.org/drawingml/2006/chart" xmlns:dgm="http://schemas.openxmlformats.org/drawingml/2006/diagram" xmlns:o="urn:schemas-microsoft-com:office:office" xmlns:v="urn:schemas-microsoft-com:vml" xmlns:pvml="urn:schemas-microsoft-com:office:powerpoint" xmlns:com="http://schemas.openxmlformats.org/drawingml/2006/compatibility" xmlns:p14="http://schemas.microsoft.com/office/powerpoint/2010/main" xmlns:p15="http://schemas.microsoft.com/office/powerpoint/2012/main" showMasterPhAnim="0" showMasterSp="0">
+<p:notes xmlns:a="http://schemas.openxmlformats.org/drawingml/2006/main" xmlns:r="http://schemas.openxmlformats.org/officeDocument/2006/relationships" xmlns:p="http://schemas.openxmlformats.org/presentationml/2006/main" showMasterSp="0" showMasterPhAnim="0">
   <p:cSld>
     <p:spTree>
       <p:nvGrpSpPr>
-        <p:cNvPr id="55" name="Shape 55"/>
+        <p:cNvPr id="1" name="Shape 55"/>
         <p:cNvGrpSpPr/>
         <p:nvPr/>
       </p:nvGrpSpPr>
@@ -1702,9 +1727,11 @@
       <p:sp>
         <p:nvSpPr>
           <p:cNvPr id="56" name="Google Shape;56;p1:notes"/>
-          <p:cNvSpPr txBox="1"/>
+          <p:cNvSpPr txBox="1">
+            <a:spLocks noGrp="1"/>
+          </p:cNvSpPr>
           <p:nvPr>
-            <p:ph idx="1" type="body"/>
+            <p:ph type="body" idx="1"/>
           </p:nvPr>
         </p:nvSpPr>
         <p:spPr>
@@ -1721,12 +1748,12 @@
           </a:ln>
         </p:spPr>
         <p:txBody>
-          <a:bodyPr anchorCtr="0" anchor="t" bIns="45700" lIns="91425" spcFirstLastPara="1" rIns="91425" wrap="square" tIns="45700">
+          <a:bodyPr spcFirstLastPara="1" wrap="square" lIns="91425" tIns="45700" rIns="91425" bIns="45700" anchor="t" anchorCtr="0">
             <a:noAutofit/>
           </a:bodyPr>
           <a:lstStyle/>
           <a:p>
-            <a:pPr indent="0" lvl="0" marL="0" rtl="0" algn="l">
+            <a:pPr marL="0" lvl="0" indent="0" algn="l" rtl="0">
               <a:lnSpc>
                 <a:spcPct val="100000"/>
               </a:lnSpc>
@@ -1739,9 +1766,6 @@
               <a:buSzPts val="1400"/>
               <a:buNone/>
             </a:pPr>
-            <a:r>
-              <a:t/>
-            </a:r>
             <a:endParaRPr/>
           </a:p>
         </p:txBody>
@@ -1749,9 +1773,11 @@
       <p:sp>
         <p:nvSpPr>
           <p:cNvPr id="57" name="Google Shape;57;p1:notes"/>
-          <p:cNvSpPr/>
+          <p:cNvSpPr>
+            <a:spLocks noGrp="1" noRot="1" noChangeAspect="1"/>
+          </p:cNvSpPr>
           <p:nvPr>
-            <p:ph idx="2" type="sldImg"/>
+            <p:ph type="sldImg" idx="2"/>
           </p:nvPr>
         </p:nvSpPr>
         <p:spPr>
@@ -1760,9 +1786,13 @@
             <a:ext cx="4572000" cy="3429000"/>
           </a:xfrm>
           <a:custGeom>
-            <a:rect b="b" l="l" r="r" t="t"/>
+            <a:avLst/>
+            <a:gdLst/>
+            <a:ahLst/>
+            <a:cxnLst/>
+            <a:rect l="l" t="t" r="r" b="b"/>
             <a:pathLst>
-              <a:path extrusionOk="0" h="120000" w="120000">
+              <a:path w="120000" h="120000" extrusionOk="0">
                 <a:moveTo>
                   <a:pt x="0" y="0"/>
                 </a:moveTo>
@@ -1780,14 +1810,14 @@
             </a:pathLst>
           </a:custGeom>
           <a:noFill/>
-          <a:ln cap="flat" cmpd="sng" w="12700">
+          <a:ln w="12700" cap="flat" cmpd="sng">
             <a:solidFill>
               <a:srgbClr val="000000"/>
             </a:solidFill>
             <a:prstDash val="solid"/>
             <a:round/>
-            <a:headEnd len="sm" w="sm" type="none"/>
-            <a:tailEnd len="sm" w="sm" type="none"/>
+            <a:headEnd type="none" w="sm" len="sm"/>
+            <a:tailEnd type="none" w="sm" len="sm"/>
           </a:ln>
         </p:spPr>
       </p:sp>
@@ -1800,11 +1830,11 @@
 </file>
 
 <file path=ppt/notesSlides/notesSlide2.xml><?xml version="1.0" encoding="utf-8"?>
-<p:notes xmlns:a="http://schemas.openxmlformats.org/drawingml/2006/main" xmlns:r="http://schemas.openxmlformats.org/officeDocument/2006/relationships" xmlns:mc="http://schemas.openxmlformats.org/markup-compatibility/2006" xmlns:mv="urn:schemas-microsoft-com:mac:vml" xmlns:p="http://schemas.openxmlformats.org/presentationml/2006/main" xmlns:c="http://schemas.openxmlformats.org/drawingml/2006/chart" xmlns:dgm="http://schemas.openxmlformats.org/drawingml/2006/diagram" xmlns:o="urn:schemas-microsoft-com:office:office" xmlns:v="urn:schemas-microsoft-com:vml" xmlns:pvml="urn:schemas-microsoft-com:office:powerpoint" xmlns:com="http://schemas.openxmlformats.org/drawingml/2006/compatibility" xmlns:p14="http://schemas.microsoft.com/office/powerpoint/2010/main" xmlns:p15="http://schemas.microsoft.com/office/powerpoint/2012/main" showMasterPhAnim="0" showMasterSp="0">
+<p:notes xmlns:a="http://schemas.openxmlformats.org/drawingml/2006/main" xmlns:r="http://schemas.openxmlformats.org/officeDocument/2006/relationships" xmlns:p="http://schemas.openxmlformats.org/presentationml/2006/main" showMasterSp="0" showMasterPhAnim="0">
   <p:cSld>
     <p:spTree>
       <p:nvGrpSpPr>
-        <p:cNvPr id="73" name="Shape 73"/>
+        <p:cNvPr id="1" name="Shape 73"/>
         <p:cNvGrpSpPr/>
         <p:nvPr/>
       </p:nvGrpSpPr>
@@ -1819,9 +1849,11 @@
       <p:sp>
         <p:nvSpPr>
           <p:cNvPr id="74" name="Google Shape;74;p2:notes"/>
-          <p:cNvSpPr txBox="1"/>
+          <p:cNvSpPr txBox="1">
+            <a:spLocks noGrp="1"/>
+          </p:cNvSpPr>
           <p:nvPr>
-            <p:ph idx="1" type="body"/>
+            <p:ph type="body" idx="1"/>
           </p:nvPr>
         </p:nvSpPr>
         <p:spPr>
@@ -1838,12 +1870,12 @@
           </a:ln>
         </p:spPr>
         <p:txBody>
-          <a:bodyPr anchorCtr="0" anchor="t" bIns="45700" lIns="91425" spcFirstLastPara="1" rIns="91425" wrap="square" tIns="45700">
+          <a:bodyPr spcFirstLastPara="1" wrap="square" lIns="91425" tIns="45700" rIns="91425" bIns="45700" anchor="t" anchorCtr="0">
             <a:noAutofit/>
           </a:bodyPr>
           <a:lstStyle/>
           <a:p>
-            <a:pPr indent="0" lvl="0" marL="0" rtl="0" algn="l">
+            <a:pPr marL="0" lvl="0" indent="0" algn="l" rtl="0">
               <a:lnSpc>
                 <a:spcPct val="100000"/>
               </a:lnSpc>
@@ -1856,9 +1888,6 @@
               <a:buSzPts val="1400"/>
               <a:buNone/>
             </a:pPr>
-            <a:r>
-              <a:t/>
-            </a:r>
             <a:endParaRPr/>
           </a:p>
         </p:txBody>
@@ -1866,9 +1895,11 @@
       <p:sp>
         <p:nvSpPr>
           <p:cNvPr id="75" name="Google Shape;75;p2:notes"/>
-          <p:cNvSpPr/>
+          <p:cNvSpPr>
+            <a:spLocks noGrp="1" noRot="1" noChangeAspect="1"/>
+          </p:cNvSpPr>
           <p:nvPr>
-            <p:ph idx="2" type="sldImg"/>
+            <p:ph type="sldImg" idx="2"/>
           </p:nvPr>
         </p:nvSpPr>
         <p:spPr>
@@ -1877,9 +1908,13 @@
             <a:ext cx="4572000" cy="3429000"/>
           </a:xfrm>
           <a:custGeom>
-            <a:rect b="b" l="l" r="r" t="t"/>
+            <a:avLst/>
+            <a:gdLst/>
+            <a:ahLst/>
+            <a:cxnLst/>
+            <a:rect l="l" t="t" r="r" b="b"/>
             <a:pathLst>
-              <a:path extrusionOk="0" h="120000" w="120000">
+              <a:path w="120000" h="120000" extrusionOk="0">
                 <a:moveTo>
                   <a:pt x="0" y="0"/>
                 </a:moveTo>
@@ -1897,14 +1932,14 @@
             </a:pathLst>
           </a:custGeom>
           <a:noFill/>
-          <a:ln cap="flat" cmpd="sng" w="12700">
+          <a:ln w="12700" cap="flat" cmpd="sng">
             <a:solidFill>
               <a:srgbClr val="000000"/>
             </a:solidFill>
             <a:prstDash val="solid"/>
             <a:round/>
-            <a:headEnd len="sm" w="sm" type="none"/>
-            <a:tailEnd len="sm" w="sm" type="none"/>
+            <a:headEnd type="none" w="sm" len="sm"/>
+            <a:tailEnd type="none" w="sm" len="sm"/>
           </a:ln>
         </p:spPr>
       </p:sp>
@@ -1917,11 +1952,11 @@
 </file>
 
 <file path=ppt/notesSlides/notesSlide3.xml><?xml version="1.0" encoding="utf-8"?>
-<p:notes xmlns:a="http://schemas.openxmlformats.org/drawingml/2006/main" xmlns:r="http://schemas.openxmlformats.org/officeDocument/2006/relationships" xmlns:mc="http://schemas.openxmlformats.org/markup-compatibility/2006" xmlns:mv="urn:schemas-microsoft-com:mac:vml" xmlns:p="http://schemas.openxmlformats.org/presentationml/2006/main" xmlns:c="http://schemas.openxmlformats.org/drawingml/2006/chart" xmlns:dgm="http://schemas.openxmlformats.org/drawingml/2006/diagram" xmlns:o="urn:schemas-microsoft-com:office:office" xmlns:v="urn:schemas-microsoft-com:vml" xmlns:pvml="urn:schemas-microsoft-com:office:powerpoint" xmlns:com="http://schemas.openxmlformats.org/drawingml/2006/compatibility" xmlns:p14="http://schemas.microsoft.com/office/powerpoint/2010/main" xmlns:p15="http://schemas.microsoft.com/office/powerpoint/2012/main" showMasterPhAnim="0" showMasterSp="0">
+<p:notes xmlns:a="http://schemas.openxmlformats.org/drawingml/2006/main" xmlns:r="http://schemas.openxmlformats.org/officeDocument/2006/relationships" xmlns:p="http://schemas.openxmlformats.org/presentationml/2006/main" showMasterSp="0" showMasterPhAnim="0">
   <p:cSld>
     <p:spTree>
       <p:nvGrpSpPr>
-        <p:cNvPr id="91" name="Shape 91"/>
+        <p:cNvPr id="1" name="Shape 91"/>
         <p:cNvGrpSpPr/>
         <p:nvPr/>
       </p:nvGrpSpPr>
@@ -1936,9 +1971,11 @@
       <p:sp>
         <p:nvSpPr>
           <p:cNvPr id="92" name="Google Shape;92;p3:notes"/>
-          <p:cNvSpPr txBox="1"/>
+          <p:cNvSpPr txBox="1">
+            <a:spLocks noGrp="1"/>
+          </p:cNvSpPr>
           <p:nvPr>
-            <p:ph idx="1" type="body"/>
+            <p:ph type="body" idx="1"/>
           </p:nvPr>
         </p:nvSpPr>
         <p:spPr>
@@ -1955,12 +1992,12 @@
           </a:ln>
         </p:spPr>
         <p:txBody>
-          <a:bodyPr anchorCtr="0" anchor="t" bIns="45700" lIns="91425" spcFirstLastPara="1" rIns="91425" wrap="square" tIns="45700">
+          <a:bodyPr spcFirstLastPara="1" wrap="square" lIns="91425" tIns="45700" rIns="91425" bIns="45700" anchor="t" anchorCtr="0">
             <a:noAutofit/>
           </a:bodyPr>
           <a:lstStyle/>
           <a:p>
-            <a:pPr indent="0" lvl="0" marL="0" rtl="0" algn="l">
+            <a:pPr marL="0" lvl="0" indent="0" algn="l" rtl="0">
               <a:lnSpc>
                 <a:spcPct val="100000"/>
               </a:lnSpc>
@@ -1973,9 +2010,6 @@
               <a:buSzPts val="1400"/>
               <a:buNone/>
             </a:pPr>
-            <a:r>
-              <a:t/>
-            </a:r>
             <a:endParaRPr/>
           </a:p>
         </p:txBody>
@@ -1983,9 +2017,11 @@
       <p:sp>
         <p:nvSpPr>
           <p:cNvPr id="93" name="Google Shape;93;p3:notes"/>
-          <p:cNvSpPr/>
+          <p:cNvSpPr>
+            <a:spLocks noGrp="1" noRot="1" noChangeAspect="1"/>
+          </p:cNvSpPr>
           <p:nvPr>
-            <p:ph idx="2" type="sldImg"/>
+            <p:ph type="sldImg" idx="2"/>
           </p:nvPr>
         </p:nvSpPr>
         <p:spPr>
@@ -1994,9 +2030,13 @@
             <a:ext cx="4572000" cy="3429000"/>
           </a:xfrm>
           <a:custGeom>
-            <a:rect b="b" l="l" r="r" t="t"/>
+            <a:avLst/>
+            <a:gdLst/>
+            <a:ahLst/>
+            <a:cxnLst/>
+            <a:rect l="l" t="t" r="r" b="b"/>
             <a:pathLst>
-              <a:path extrusionOk="0" h="120000" w="120000">
+              <a:path w="120000" h="120000" extrusionOk="0">
                 <a:moveTo>
                   <a:pt x="0" y="0"/>
                 </a:moveTo>
@@ -2014,14 +2054,14 @@
             </a:pathLst>
           </a:custGeom>
           <a:noFill/>
-          <a:ln cap="flat" cmpd="sng" w="12700">
+          <a:ln w="12700" cap="flat" cmpd="sng">
             <a:solidFill>
               <a:srgbClr val="000000"/>
             </a:solidFill>
             <a:prstDash val="solid"/>
             <a:round/>
-            <a:headEnd len="sm" w="sm" type="none"/>
-            <a:tailEnd len="sm" w="sm" type="none"/>
+            <a:headEnd type="none" w="sm" len="sm"/>
+            <a:tailEnd type="none" w="sm" len="sm"/>
           </a:ln>
         </p:spPr>
       </p:sp>
@@ -2034,11 +2074,11 @@
 </file>
 
 <file path=ppt/slideLayouts/slideLayout1.xml><?xml version="1.0" encoding="utf-8"?>
-<p:sldLayout xmlns:a="http://schemas.openxmlformats.org/drawingml/2006/main" xmlns:r="http://schemas.openxmlformats.org/officeDocument/2006/relationships" xmlns:mc="http://schemas.openxmlformats.org/markup-compatibility/2006" xmlns:mv="urn:schemas-microsoft-com:mac:vml" xmlns:p="http://schemas.openxmlformats.org/presentationml/2006/main" xmlns:c="http://schemas.openxmlformats.org/drawingml/2006/chart" xmlns:dgm="http://schemas.openxmlformats.org/drawingml/2006/diagram" xmlns:o="urn:schemas-microsoft-com:office:office" xmlns:v="urn:schemas-microsoft-com:vml" xmlns:pvml="urn:schemas-microsoft-com:office:powerpoint" xmlns:com="http://schemas.openxmlformats.org/drawingml/2006/compatibility" xmlns:p14="http://schemas.microsoft.com/office/powerpoint/2010/main" xmlns:p15="http://schemas.microsoft.com/office/powerpoint/2012/main" matchingName="Title and Content" type="obj">
+<p:sldLayout xmlns:a="http://schemas.openxmlformats.org/drawingml/2006/main" xmlns:r="http://schemas.openxmlformats.org/officeDocument/2006/relationships" xmlns:p="http://schemas.openxmlformats.org/presentationml/2006/main" matchingName="Title and Content" type="obj">
   <p:cSld name="OBJECT">
     <p:spTree>
       <p:nvGrpSpPr>
-        <p:cNvPr id="12" name="Shape 12"/>
+        <p:cNvPr id="1" name="Shape 12"/>
         <p:cNvGrpSpPr/>
         <p:nvPr/>
       </p:nvGrpSpPr>
@@ -2053,7 +2093,9 @@
       <p:sp>
         <p:nvSpPr>
           <p:cNvPr id="13" name="Google Shape;13;p2"/>
-          <p:cNvSpPr txBox="1"/>
+          <p:cNvSpPr txBox="1">
+            <a:spLocks noGrp="1"/>
+          </p:cNvSpPr>
           <p:nvPr>
             <p:ph type="title"/>
           </p:nvPr>
@@ -2072,7 +2114,7 @@
           </a:ln>
         </p:spPr>
         <p:txBody>
-          <a:bodyPr anchorCtr="0" anchor="b" bIns="45700" lIns="91425" spcFirstLastPara="1" rIns="91425" wrap="square" tIns="45700"/>
+          <a:bodyPr spcFirstLastPara="1" wrap="square" lIns="91425" tIns="45700" rIns="91425" bIns="45700" anchor="b" anchorCtr="0"/>
           <a:lstStyle>
             <a:lvl1pPr lvl="0" algn="ctr">
               <a:lnSpc>
@@ -2201,15 +2243,19 @@
               <a:defRPr/>
             </a:lvl9pPr>
           </a:lstStyle>
-          <a:p/>
+          <a:p>
+            <a:endParaRPr/>
+          </a:p>
         </p:txBody>
       </p:sp>
       <p:sp>
         <p:nvSpPr>
           <p:cNvPr id="14" name="Google Shape;14;p2"/>
-          <p:cNvSpPr txBox="1"/>
+          <p:cNvSpPr txBox="1">
+            <a:spLocks noGrp="1"/>
+          </p:cNvSpPr>
           <p:nvPr>
-            <p:ph idx="1" type="body"/>
+            <p:ph type="body" idx="1"/>
           </p:nvPr>
         </p:nvSpPr>
         <p:spPr>
@@ -2226,9 +2272,9 @@
           </a:ln>
         </p:spPr>
         <p:txBody>
-          <a:bodyPr anchorCtr="0" anchor="t" bIns="45700" lIns="91425" spcFirstLastPara="1" rIns="91425" wrap="square" tIns="45700"/>
+          <a:bodyPr spcFirstLastPara="1" wrap="square" lIns="91425" tIns="45700" rIns="91425" bIns="45700" anchor="t" anchorCtr="0"/>
           <a:lstStyle>
-            <a:lvl1pPr indent="-354330" lvl="0" marL="457200" algn="l">
+            <a:lvl1pPr marL="457200" lvl="0" indent="-354330" algn="l">
               <a:lnSpc>
                 <a:spcPct val="100000"/>
               </a:lnSpc>
@@ -2242,7 +2288,7 @@
               <a:buChar char="⚫"/>
               <a:defRPr/>
             </a:lvl1pPr>
-            <a:lvl2pPr indent="-354330" lvl="1" marL="914400" algn="l">
+            <a:lvl2pPr marL="914400" lvl="1" indent="-354330" algn="l">
               <a:lnSpc>
                 <a:spcPct val="100000"/>
               </a:lnSpc>
@@ -2256,7 +2302,7 @@
               <a:buChar char="⚫"/>
               <a:defRPr/>
             </a:lvl2pPr>
-            <a:lvl3pPr indent="-354330" lvl="2" marL="1371600" algn="l">
+            <a:lvl3pPr marL="1371600" lvl="2" indent="-354330" algn="l">
               <a:lnSpc>
                 <a:spcPct val="100000"/>
               </a:lnSpc>
@@ -2270,7 +2316,7 @@
               <a:buChar char="⚫"/>
               <a:defRPr/>
             </a:lvl3pPr>
-            <a:lvl4pPr indent="-354330" lvl="3" marL="1828800" algn="l">
+            <a:lvl4pPr marL="1828800" lvl="3" indent="-354330" algn="l">
               <a:lnSpc>
                 <a:spcPct val="100000"/>
               </a:lnSpc>
@@ -2284,7 +2330,7 @@
               <a:buChar char="⚫"/>
               <a:defRPr/>
             </a:lvl4pPr>
-            <a:lvl5pPr indent="-354329" lvl="4" marL="2286000" algn="l">
+            <a:lvl5pPr marL="2286000" lvl="4" indent="-354329" algn="l">
               <a:lnSpc>
                 <a:spcPct val="100000"/>
               </a:lnSpc>
@@ -2298,7 +2344,7 @@
               <a:buChar char="⚫"/>
               <a:defRPr/>
             </a:lvl5pPr>
-            <a:lvl6pPr indent="-354329" lvl="5" marL="2743200" algn="l">
+            <a:lvl6pPr marL="2743200" lvl="5" indent="-354329" algn="l">
               <a:lnSpc>
                 <a:spcPct val="100000"/>
               </a:lnSpc>
@@ -2312,7 +2358,7 @@
               <a:buChar char="⚫"/>
               <a:defRPr/>
             </a:lvl6pPr>
-            <a:lvl7pPr indent="-354329" lvl="6" marL="3200400" algn="l">
+            <a:lvl7pPr marL="3200400" lvl="6" indent="-354329" algn="l">
               <a:lnSpc>
                 <a:spcPct val="100000"/>
               </a:lnSpc>
@@ -2326,7 +2372,7 @@
               <a:buChar char="⚫"/>
               <a:defRPr/>
             </a:lvl7pPr>
-            <a:lvl8pPr indent="-354329" lvl="7" marL="3657600" algn="l">
+            <a:lvl8pPr marL="3657600" lvl="7" indent="-354329" algn="l">
               <a:lnSpc>
                 <a:spcPct val="100000"/>
               </a:lnSpc>
@@ -2340,7 +2386,7 @@
               <a:buChar char="⚫"/>
               <a:defRPr/>
             </a:lvl8pPr>
-            <a:lvl9pPr indent="-354329" lvl="8" marL="4114800" algn="l">
+            <a:lvl9pPr marL="4114800" lvl="8" indent="-354329" algn="l">
               <a:lnSpc>
                 <a:spcPct val="100000"/>
               </a:lnSpc>
@@ -2355,7 +2401,9 @@
               <a:defRPr/>
             </a:lvl9pPr>
           </a:lstStyle>
-          <a:p/>
+          <a:p>
+            <a:endParaRPr/>
+          </a:p>
         </p:txBody>
       </p:sp>
     </p:spTree>
@@ -2367,11 +2415,11 @@
 </file>
 
 <file path=ppt/slideLayouts/slideLayout10.xml><?xml version="1.0" encoding="utf-8"?>
-<p:sldLayout xmlns:a="http://schemas.openxmlformats.org/drawingml/2006/main" xmlns:r="http://schemas.openxmlformats.org/officeDocument/2006/relationships" xmlns:mc="http://schemas.openxmlformats.org/markup-compatibility/2006" xmlns:mv="urn:schemas-microsoft-com:mac:vml" xmlns:p="http://schemas.openxmlformats.org/presentationml/2006/main" xmlns:c="http://schemas.openxmlformats.org/drawingml/2006/chart" xmlns:dgm="http://schemas.openxmlformats.org/drawingml/2006/diagram" xmlns:o="urn:schemas-microsoft-com:office:office" xmlns:v="urn:schemas-microsoft-com:vml" xmlns:pvml="urn:schemas-microsoft-com:office:powerpoint" xmlns:com="http://schemas.openxmlformats.org/drawingml/2006/compatibility" xmlns:p14="http://schemas.microsoft.com/office/powerpoint/2010/main" xmlns:p15="http://schemas.microsoft.com/office/powerpoint/2012/main" matchingName="Picture with Caption">
+<p:sldLayout xmlns:a="http://schemas.openxmlformats.org/drawingml/2006/main" xmlns:r="http://schemas.openxmlformats.org/officeDocument/2006/relationships" xmlns:p="http://schemas.openxmlformats.org/presentationml/2006/main" matchingName="Picture with Caption">
   <p:cSld name="Picture with Caption">
     <p:spTree>
       <p:nvGrpSpPr>
-        <p:cNvPr id="43" name="Shape 43"/>
+        <p:cNvPr id="1" name="Shape 43"/>
         <p:cNvGrpSpPr/>
         <p:nvPr/>
       </p:nvGrpSpPr>
@@ -2386,7 +2434,9 @@
       <p:sp>
         <p:nvSpPr>
           <p:cNvPr id="44" name="Google Shape;44;p11"/>
-          <p:cNvSpPr txBox="1"/>
+          <p:cNvSpPr txBox="1">
+            <a:spLocks noGrp="1"/>
+          </p:cNvSpPr>
           <p:nvPr>
             <p:ph type="title"/>
           </p:nvPr>
@@ -2405,7 +2455,7 @@
           </a:ln>
         </p:spPr>
         <p:txBody>
-          <a:bodyPr anchorCtr="0" anchor="b" bIns="45700" lIns="91425" spcFirstLastPara="1" rIns="91425" wrap="square" tIns="45700"/>
+          <a:bodyPr spcFirstLastPara="1" wrap="square" lIns="91425" tIns="45700" rIns="91425" bIns="45700" anchor="b" anchorCtr="0"/>
           <a:lstStyle>
             <a:lvl1pPr lvl="0" algn="ctr">
               <a:lnSpc>
@@ -2419,7 +2469,7 @@
               </a:spcAft>
               <a:buSzPts val="1400"/>
               <a:buNone/>
-              <a:defRPr b="0" sz="3600"/>
+              <a:defRPr sz="3600" b="0"/>
             </a:lvl1pPr>
             <a:lvl2pPr lvl="1" algn="ctr">
               <a:lnSpc>
@@ -2534,15 +2584,19 @@
               <a:defRPr/>
             </a:lvl9pPr>
           </a:lstStyle>
-          <a:p/>
+          <a:p>
+            <a:endParaRPr/>
+          </a:p>
         </p:txBody>
       </p:sp>
       <p:sp>
         <p:nvSpPr>
           <p:cNvPr id="45" name="Google Shape;45;p11"/>
-          <p:cNvSpPr txBox="1"/>
+          <p:cNvSpPr txBox="1">
+            <a:spLocks noGrp="1"/>
+          </p:cNvSpPr>
           <p:nvPr>
-            <p:ph idx="1" type="body"/>
+            <p:ph type="body" idx="1"/>
           </p:nvPr>
         </p:nvSpPr>
         <p:spPr>
@@ -2559,9 +2613,9 @@
           </a:ln>
         </p:spPr>
         <p:txBody>
-          <a:bodyPr anchorCtr="0" anchor="t" bIns="45700" lIns="91425" spcFirstLastPara="1" rIns="91425" wrap="square" tIns="45700"/>
+          <a:bodyPr spcFirstLastPara="1" wrap="square" lIns="91425" tIns="45700" rIns="91425" bIns="45700" anchor="t" anchorCtr="0"/>
           <a:lstStyle>
-            <a:lvl1pPr indent="-228600" lvl="0" marL="457200" algn="ctr">
+            <a:lvl1pPr marL="457200" lvl="0" indent="-228600" algn="ctr">
               <a:lnSpc>
                 <a:spcPct val="100000"/>
               </a:lnSpc>
@@ -2575,7 +2629,7 @@
               <a:buNone/>
               <a:defRPr sz="1800"/>
             </a:lvl1pPr>
-            <a:lvl2pPr indent="-228600" lvl="1" marL="914400" algn="l">
+            <a:lvl2pPr marL="914400" lvl="1" indent="-228600" algn="l">
               <a:lnSpc>
                 <a:spcPct val="100000"/>
               </a:lnSpc>
@@ -2589,7 +2643,7 @@
               <a:buNone/>
               <a:defRPr sz="1200"/>
             </a:lvl2pPr>
-            <a:lvl3pPr indent="-228600" lvl="2" marL="1371600" algn="l">
+            <a:lvl3pPr marL="1371600" lvl="2" indent="-228600" algn="l">
               <a:lnSpc>
                 <a:spcPct val="100000"/>
               </a:lnSpc>
@@ -2603,7 +2657,7 @@
               <a:buNone/>
               <a:defRPr sz="1000"/>
             </a:lvl3pPr>
-            <a:lvl4pPr indent="-228600" lvl="3" marL="1828800" algn="l">
+            <a:lvl4pPr marL="1828800" lvl="3" indent="-228600" algn="l">
               <a:lnSpc>
                 <a:spcPct val="100000"/>
               </a:lnSpc>
@@ -2617,7 +2671,7 @@
               <a:buNone/>
               <a:defRPr sz="900"/>
             </a:lvl4pPr>
-            <a:lvl5pPr indent="-228600" lvl="4" marL="2286000" algn="l">
+            <a:lvl5pPr marL="2286000" lvl="4" indent="-228600" algn="l">
               <a:lnSpc>
                 <a:spcPct val="100000"/>
               </a:lnSpc>
@@ -2631,7 +2685,7 @@
               <a:buNone/>
               <a:defRPr sz="900"/>
             </a:lvl5pPr>
-            <a:lvl6pPr indent="-228600" lvl="5" marL="2743200" algn="l">
+            <a:lvl6pPr marL="2743200" lvl="5" indent="-228600" algn="l">
               <a:lnSpc>
                 <a:spcPct val="100000"/>
               </a:lnSpc>
@@ -2645,7 +2699,7 @@
               <a:buNone/>
               <a:defRPr sz="900"/>
             </a:lvl6pPr>
-            <a:lvl7pPr indent="-228600" lvl="6" marL="3200400" algn="l">
+            <a:lvl7pPr marL="3200400" lvl="6" indent="-228600" algn="l">
               <a:lnSpc>
                 <a:spcPct val="100000"/>
               </a:lnSpc>
@@ -2659,7 +2713,7 @@
               <a:buNone/>
               <a:defRPr sz="900"/>
             </a:lvl7pPr>
-            <a:lvl8pPr indent="-228600" lvl="7" marL="3657600" algn="l">
+            <a:lvl8pPr marL="3657600" lvl="7" indent="-228600" algn="l">
               <a:lnSpc>
                 <a:spcPct val="100000"/>
               </a:lnSpc>
@@ -2673,7 +2727,7 @@
               <a:buNone/>
               <a:defRPr sz="900"/>
             </a:lvl8pPr>
-            <a:lvl9pPr indent="-228600" lvl="8" marL="4114800" algn="l">
+            <a:lvl9pPr marL="4114800" lvl="8" indent="-228600" algn="l">
               <a:lnSpc>
                 <a:spcPct val="100000"/>
               </a:lnSpc>
@@ -2688,15 +2742,19 @@
               <a:defRPr sz="900"/>
             </a:lvl9pPr>
           </a:lstStyle>
-          <a:p/>
+          <a:p>
+            <a:endParaRPr/>
+          </a:p>
         </p:txBody>
       </p:sp>
       <p:sp>
         <p:nvSpPr>
           <p:cNvPr id="46" name="Google Shape;46;p11"/>
-          <p:cNvSpPr/>
+          <p:cNvSpPr>
+            <a:spLocks noGrp="1"/>
+          </p:cNvSpPr>
           <p:nvPr>
-            <p:ph idx="2" type="pic"/>
+            <p:ph type="pic" idx="2"/>
           </p:nvPr>
         </p:nvSpPr>
         <p:spPr>
@@ -2708,17 +2766,17 @@
             <a:avLst/>
           </a:prstGeom>
           <a:noFill/>
-          <a:ln cap="flat" cmpd="sng" w="9525">
+          <a:ln w="9525" cap="flat" cmpd="sng">
             <a:solidFill>
               <a:schemeClr val="lt1"/>
             </a:solidFill>
             <a:prstDash val="solid"/>
             <a:round/>
-            <a:headEnd len="sm" w="sm" type="none"/>
-            <a:tailEnd len="sm" w="sm" type="none"/>
+            <a:headEnd type="none" w="sm" len="sm"/>
+            <a:tailEnd type="none" w="sm" len="sm"/>
           </a:ln>
           <a:effectLst>
-            <a:outerShdw blurRad="63500" sx="100500" rotWithShape="0" algn="ctr" sy="100500">
+            <a:outerShdw blurRad="63500" sx="100500" sy="100500" algn="ctr" rotWithShape="0">
               <a:srgbClr val="000000">
                 <a:alpha val="49411"/>
               </a:srgbClr>
@@ -2726,9 +2784,9 @@
           </a:effectLst>
         </p:spPr>
         <p:txBody>
-          <a:bodyPr anchorCtr="0" anchor="t" bIns="45700" lIns="91425" spcFirstLastPara="1" rIns="91425" wrap="square" tIns="45700"/>
+          <a:bodyPr spcFirstLastPara="1" wrap="square" lIns="91425" tIns="45700" rIns="91425" bIns="45700" anchor="t" anchorCtr="0"/>
           <a:lstStyle>
-            <a:lvl1pPr lvl="0" marR="0" rtl="0" algn="l">
+            <a:lvl1pPr marR="0" lvl="0" algn="l" rtl="0">
               <a:lnSpc>
                 <a:spcPct val="100000"/>
               </a:lnSpc>
@@ -2744,7 +2802,7 @@
               <a:buSzPts val="3520"/>
               <a:buFont typeface="Noto Sans Symbols"/>
               <a:buNone/>
-              <a:defRPr b="0" i="0" sz="3200" u="none" cap="none" strike="noStrike">
+              <a:defRPr sz="3200" b="0" i="0" u="none" strike="noStrike" cap="none">
                 <a:solidFill>
                   <a:srgbClr val="595959"/>
                 </a:solidFill>
@@ -2754,7 +2812,7 @@
                 <a:sym typeface="Calibri"/>
               </a:defRPr>
             </a:lvl1pPr>
-            <a:lvl2pPr lvl="1" marR="0" rtl="0" algn="l">
+            <a:lvl2pPr marR="0" lvl="1" algn="l" rtl="0">
               <a:lnSpc>
                 <a:spcPct val="100000"/>
               </a:lnSpc>
@@ -2770,7 +2828,7 @@
               <a:buSzPts val="3080"/>
               <a:buFont typeface="Noto Sans Symbols"/>
               <a:buNone/>
-              <a:defRPr b="0" i="0" sz="2800" u="none" cap="none" strike="noStrike">
+              <a:defRPr sz="2800" b="0" i="0" u="none" strike="noStrike" cap="none">
                 <a:solidFill>
                   <a:srgbClr val="595959"/>
                 </a:solidFill>
@@ -2780,7 +2838,7 @@
                 <a:sym typeface="Calibri"/>
               </a:defRPr>
             </a:lvl2pPr>
-            <a:lvl3pPr lvl="2" marR="0" rtl="0" algn="l">
+            <a:lvl3pPr marR="0" lvl="2" algn="l" rtl="0">
               <a:lnSpc>
                 <a:spcPct val="100000"/>
               </a:lnSpc>
@@ -2796,7 +2854,7 @@
               <a:buSzPts val="2640"/>
               <a:buFont typeface="Noto Sans Symbols"/>
               <a:buNone/>
-              <a:defRPr b="0" i="0" sz="2400" u="none" cap="none" strike="noStrike">
+              <a:defRPr sz="2400" b="0" i="0" u="none" strike="noStrike" cap="none">
                 <a:solidFill>
                   <a:srgbClr val="595959"/>
                 </a:solidFill>
@@ -2806,7 +2864,7 @@
                 <a:sym typeface="Calibri"/>
               </a:defRPr>
             </a:lvl3pPr>
-            <a:lvl4pPr lvl="3" marR="0" rtl="0" algn="l">
+            <a:lvl4pPr marR="0" lvl="3" algn="l" rtl="0">
               <a:lnSpc>
                 <a:spcPct val="100000"/>
               </a:lnSpc>
@@ -2822,7 +2880,7 @@
               <a:buSzPts val="2200"/>
               <a:buFont typeface="Noto Sans Symbols"/>
               <a:buNone/>
-              <a:defRPr b="0" i="0" sz="2000" u="none" cap="none" strike="noStrike">
+              <a:defRPr sz="2000" b="0" i="0" u="none" strike="noStrike" cap="none">
                 <a:solidFill>
                   <a:srgbClr val="595959"/>
                 </a:solidFill>
@@ -2832,7 +2890,7 @@
                 <a:sym typeface="Calibri"/>
               </a:defRPr>
             </a:lvl4pPr>
-            <a:lvl5pPr lvl="4" marR="0" rtl="0" algn="l">
+            <a:lvl5pPr marR="0" lvl="4" algn="l" rtl="0">
               <a:lnSpc>
                 <a:spcPct val="100000"/>
               </a:lnSpc>
@@ -2848,7 +2906,7 @@
               <a:buSzPts val="2200"/>
               <a:buFont typeface="Noto Sans Symbols"/>
               <a:buNone/>
-              <a:defRPr b="0" i="0" sz="2000" u="none" cap="none" strike="noStrike">
+              <a:defRPr sz="2000" b="0" i="0" u="none" strike="noStrike" cap="none">
                 <a:solidFill>
                   <a:srgbClr val="595959"/>
                 </a:solidFill>
@@ -2858,7 +2916,7 @@
                 <a:sym typeface="Calibri"/>
               </a:defRPr>
             </a:lvl5pPr>
-            <a:lvl6pPr lvl="5" marR="0" rtl="0" algn="l">
+            <a:lvl6pPr marR="0" lvl="5" algn="l" rtl="0">
               <a:lnSpc>
                 <a:spcPct val="100000"/>
               </a:lnSpc>
@@ -2874,7 +2932,7 @@
               <a:buSzPts val="2200"/>
               <a:buFont typeface="Noto Sans Symbols"/>
               <a:buNone/>
-              <a:defRPr b="0" i="0" sz="2000" u="none" cap="none" strike="noStrike">
+              <a:defRPr sz="2000" b="0" i="0" u="none" strike="noStrike" cap="none">
                 <a:solidFill>
                   <a:srgbClr val="595959"/>
                 </a:solidFill>
@@ -2884,7 +2942,7 @@
                 <a:sym typeface="Calibri"/>
               </a:defRPr>
             </a:lvl6pPr>
-            <a:lvl7pPr lvl="6" marR="0" rtl="0" algn="l">
+            <a:lvl7pPr marR="0" lvl="6" algn="l" rtl="0">
               <a:lnSpc>
                 <a:spcPct val="100000"/>
               </a:lnSpc>
@@ -2900,7 +2958,7 @@
               <a:buSzPts val="2200"/>
               <a:buFont typeface="Noto Sans Symbols"/>
               <a:buNone/>
-              <a:defRPr b="0" i="0" sz="2000" u="none" cap="none" strike="noStrike">
+              <a:defRPr sz="2000" b="0" i="0" u="none" strike="noStrike" cap="none">
                 <a:solidFill>
                   <a:srgbClr val="595959"/>
                 </a:solidFill>
@@ -2910,7 +2968,7 @@
                 <a:sym typeface="Calibri"/>
               </a:defRPr>
             </a:lvl7pPr>
-            <a:lvl8pPr lvl="7" marR="0" rtl="0" algn="l">
+            <a:lvl8pPr marR="0" lvl="7" algn="l" rtl="0">
               <a:lnSpc>
                 <a:spcPct val="100000"/>
               </a:lnSpc>
@@ -2926,7 +2984,7 @@
               <a:buSzPts val="2200"/>
               <a:buFont typeface="Noto Sans Symbols"/>
               <a:buNone/>
-              <a:defRPr b="0" i="0" sz="2000" u="none" cap="none" strike="noStrike">
+              <a:defRPr sz="2000" b="0" i="0" u="none" strike="noStrike" cap="none">
                 <a:solidFill>
                   <a:srgbClr val="595959"/>
                 </a:solidFill>
@@ -2936,7 +2994,7 @@
                 <a:sym typeface="Calibri"/>
               </a:defRPr>
             </a:lvl8pPr>
-            <a:lvl9pPr lvl="8" marR="0" rtl="0" algn="l">
+            <a:lvl9pPr marR="0" lvl="8" algn="l" rtl="0">
               <a:lnSpc>
                 <a:spcPct val="100000"/>
               </a:lnSpc>
@@ -2952,7 +3010,7 @@
               <a:buSzPts val="2200"/>
               <a:buFont typeface="Noto Sans Symbols"/>
               <a:buNone/>
-              <a:defRPr b="0" i="0" sz="2000" u="none" cap="none" strike="noStrike">
+              <a:defRPr sz="2000" b="0" i="0" u="none" strike="noStrike" cap="none">
                 <a:solidFill>
                   <a:srgbClr val="595959"/>
                 </a:solidFill>
@@ -2963,7 +3021,9 @@
               </a:defRPr>
             </a:lvl9pPr>
           </a:lstStyle>
-          <a:p/>
+          <a:p>
+            <a:endParaRPr/>
+          </a:p>
         </p:txBody>
       </p:sp>
     </p:spTree>
@@ -2975,11 +3035,11 @@
 </file>
 
 <file path=ppt/slideLayouts/slideLayout11.xml><?xml version="1.0" encoding="utf-8"?>
-<p:sldLayout xmlns:a="http://schemas.openxmlformats.org/drawingml/2006/main" xmlns:r="http://schemas.openxmlformats.org/officeDocument/2006/relationships" xmlns:mc="http://schemas.openxmlformats.org/markup-compatibility/2006" xmlns:mv="urn:schemas-microsoft-com:mac:vml" xmlns:p="http://schemas.openxmlformats.org/presentationml/2006/main" xmlns:c="http://schemas.openxmlformats.org/drawingml/2006/chart" xmlns:dgm="http://schemas.openxmlformats.org/drawingml/2006/diagram" xmlns:o="urn:schemas-microsoft-com:office:office" xmlns:v="urn:schemas-microsoft-com:vml" xmlns:pvml="urn:schemas-microsoft-com:office:powerpoint" xmlns:com="http://schemas.openxmlformats.org/drawingml/2006/compatibility" xmlns:p14="http://schemas.microsoft.com/office/powerpoint/2010/main" xmlns:p15="http://schemas.microsoft.com/office/powerpoint/2012/main" matchingName="Title and Vertical Text" type="vertTx">
+<p:sldLayout xmlns:a="http://schemas.openxmlformats.org/drawingml/2006/main" xmlns:r="http://schemas.openxmlformats.org/officeDocument/2006/relationships" xmlns:p="http://schemas.openxmlformats.org/presentationml/2006/main" matchingName="Title and Vertical Text" type="vertTx">
   <p:cSld name="VERTICAL_TEXT">
     <p:spTree>
       <p:nvGrpSpPr>
-        <p:cNvPr id="47" name="Shape 47"/>
+        <p:cNvPr id="1" name="Shape 47"/>
         <p:cNvGrpSpPr/>
         <p:nvPr/>
       </p:nvGrpSpPr>
@@ -2994,7 +3054,9 @@
       <p:sp>
         <p:nvSpPr>
           <p:cNvPr id="48" name="Google Shape;48;p12"/>
-          <p:cNvSpPr txBox="1"/>
+          <p:cNvSpPr txBox="1">
+            <a:spLocks noGrp="1"/>
+          </p:cNvSpPr>
           <p:nvPr>
             <p:ph type="title"/>
           </p:nvPr>
@@ -3013,7 +3075,7 @@
           </a:ln>
         </p:spPr>
         <p:txBody>
-          <a:bodyPr anchorCtr="0" anchor="b" bIns="45700" lIns="91425" spcFirstLastPara="1" rIns="91425" wrap="square" tIns="45700"/>
+          <a:bodyPr spcFirstLastPara="1" wrap="square" lIns="91425" tIns="45700" rIns="91425" bIns="45700" anchor="b" anchorCtr="0"/>
           <a:lstStyle>
             <a:lvl1pPr lvl="0" algn="ctr">
               <a:lnSpc>
@@ -3142,15 +3204,19 @@
               <a:defRPr/>
             </a:lvl9pPr>
           </a:lstStyle>
-          <a:p/>
+          <a:p>
+            <a:endParaRPr/>
+          </a:p>
         </p:txBody>
       </p:sp>
       <p:sp>
         <p:nvSpPr>
           <p:cNvPr id="49" name="Google Shape;49;p12"/>
-          <p:cNvSpPr txBox="1"/>
+          <p:cNvSpPr txBox="1">
+            <a:spLocks noGrp="1"/>
+          </p:cNvSpPr>
           <p:nvPr>
-            <p:ph idx="1" type="body"/>
+            <p:ph type="body" idx="1"/>
           </p:nvPr>
         </p:nvSpPr>
         <p:spPr>
@@ -3167,9 +3233,9 @@
           </a:ln>
         </p:spPr>
         <p:txBody>
-          <a:bodyPr anchorCtr="0" anchor="t" bIns="45700" lIns="91425" spcFirstLastPara="1" rIns="91425" wrap="square" tIns="45700"/>
+          <a:bodyPr spcFirstLastPara="1" wrap="square" lIns="91425" tIns="45700" rIns="91425" bIns="45700" anchor="t" anchorCtr="0"/>
           <a:lstStyle>
-            <a:lvl1pPr indent="-354330" lvl="0" marL="457200" algn="l">
+            <a:lvl1pPr marL="457200" lvl="0" indent="-354330" algn="l">
               <a:lnSpc>
                 <a:spcPct val="100000"/>
               </a:lnSpc>
@@ -3183,7 +3249,7 @@
               <a:buChar char="⚫"/>
               <a:defRPr/>
             </a:lvl1pPr>
-            <a:lvl2pPr indent="-354330" lvl="1" marL="914400" algn="l">
+            <a:lvl2pPr marL="914400" lvl="1" indent="-354330" algn="l">
               <a:lnSpc>
                 <a:spcPct val="100000"/>
               </a:lnSpc>
@@ -3197,7 +3263,7 @@
               <a:buChar char="⚫"/>
               <a:defRPr/>
             </a:lvl2pPr>
-            <a:lvl3pPr indent="-354330" lvl="2" marL="1371600" algn="l">
+            <a:lvl3pPr marL="1371600" lvl="2" indent="-354330" algn="l">
               <a:lnSpc>
                 <a:spcPct val="100000"/>
               </a:lnSpc>
@@ -3211,7 +3277,7 @@
               <a:buChar char="⚫"/>
               <a:defRPr/>
             </a:lvl3pPr>
-            <a:lvl4pPr indent="-354330" lvl="3" marL="1828800" algn="l">
+            <a:lvl4pPr marL="1828800" lvl="3" indent="-354330" algn="l">
               <a:lnSpc>
                 <a:spcPct val="100000"/>
               </a:lnSpc>
@@ -3225,7 +3291,7 @@
               <a:buChar char="⚫"/>
               <a:defRPr/>
             </a:lvl4pPr>
-            <a:lvl5pPr indent="-354329" lvl="4" marL="2286000" algn="l">
+            <a:lvl5pPr marL="2286000" lvl="4" indent="-354329" algn="l">
               <a:lnSpc>
                 <a:spcPct val="100000"/>
               </a:lnSpc>
@@ -3239,7 +3305,7 @@
               <a:buChar char="⚫"/>
               <a:defRPr/>
             </a:lvl5pPr>
-            <a:lvl6pPr indent="-354329" lvl="5" marL="2743200" algn="l">
+            <a:lvl6pPr marL="2743200" lvl="5" indent="-354329" algn="l">
               <a:lnSpc>
                 <a:spcPct val="100000"/>
               </a:lnSpc>
@@ -3253,7 +3319,7 @@
               <a:buChar char="⚫"/>
               <a:defRPr/>
             </a:lvl6pPr>
-            <a:lvl7pPr indent="-354329" lvl="6" marL="3200400" algn="l">
+            <a:lvl7pPr marL="3200400" lvl="6" indent="-354329" algn="l">
               <a:lnSpc>
                 <a:spcPct val="100000"/>
               </a:lnSpc>
@@ -3267,7 +3333,7 @@
               <a:buChar char="⚫"/>
               <a:defRPr/>
             </a:lvl7pPr>
-            <a:lvl8pPr indent="-354329" lvl="7" marL="3657600" algn="l">
+            <a:lvl8pPr marL="3657600" lvl="7" indent="-354329" algn="l">
               <a:lnSpc>
                 <a:spcPct val="100000"/>
               </a:lnSpc>
@@ -3281,7 +3347,7 @@
               <a:buChar char="⚫"/>
               <a:defRPr/>
             </a:lvl8pPr>
-            <a:lvl9pPr indent="-354329" lvl="8" marL="4114800" algn="l">
+            <a:lvl9pPr marL="4114800" lvl="8" indent="-354329" algn="l">
               <a:lnSpc>
                 <a:spcPct val="100000"/>
               </a:lnSpc>
@@ -3296,7 +3362,9 @@
               <a:defRPr/>
             </a:lvl9pPr>
           </a:lstStyle>
-          <a:p/>
+          <a:p>
+            <a:endParaRPr/>
+          </a:p>
         </p:txBody>
       </p:sp>
     </p:spTree>
@@ -3308,11 +3376,11 @@
 </file>
 
 <file path=ppt/slideLayouts/slideLayout12.xml><?xml version="1.0" encoding="utf-8"?>
-<p:sldLayout xmlns:a="http://schemas.openxmlformats.org/drawingml/2006/main" xmlns:r="http://schemas.openxmlformats.org/officeDocument/2006/relationships" xmlns:mc="http://schemas.openxmlformats.org/markup-compatibility/2006" xmlns:mv="urn:schemas-microsoft-com:mac:vml" xmlns:p="http://schemas.openxmlformats.org/presentationml/2006/main" xmlns:c="http://schemas.openxmlformats.org/drawingml/2006/chart" xmlns:dgm="http://schemas.openxmlformats.org/drawingml/2006/diagram" xmlns:o="urn:schemas-microsoft-com:office:office" xmlns:v="urn:schemas-microsoft-com:vml" xmlns:pvml="urn:schemas-microsoft-com:office:powerpoint" xmlns:com="http://schemas.openxmlformats.org/drawingml/2006/compatibility" xmlns:p14="http://schemas.microsoft.com/office/powerpoint/2010/main" xmlns:p15="http://schemas.microsoft.com/office/powerpoint/2012/main" matchingName="Vertical Title and Text" type="vertTitleAndTx">
+<p:sldLayout xmlns:a="http://schemas.openxmlformats.org/drawingml/2006/main" xmlns:r="http://schemas.openxmlformats.org/officeDocument/2006/relationships" xmlns:p="http://schemas.openxmlformats.org/presentationml/2006/main" matchingName="Vertical Title and Text" type="vertTitleAndTx">
   <p:cSld name="VERTICAL_TITLE_AND_VERTICAL_TEXT">
     <p:spTree>
       <p:nvGrpSpPr>
-        <p:cNvPr id="50" name="Shape 50"/>
+        <p:cNvPr id="1" name="Shape 50"/>
         <p:cNvGrpSpPr/>
         <p:nvPr/>
       </p:nvGrpSpPr>
@@ -3327,7 +3395,9 @@
       <p:sp>
         <p:nvSpPr>
           <p:cNvPr id="51" name="Google Shape;51;p13"/>
-          <p:cNvSpPr txBox="1"/>
+          <p:cNvSpPr txBox="1">
+            <a:spLocks noGrp="1"/>
+          </p:cNvSpPr>
           <p:nvPr>
             <p:ph type="title"/>
           </p:nvPr>
@@ -3346,7 +3416,7 @@
           </a:ln>
         </p:spPr>
         <p:txBody>
-          <a:bodyPr anchorCtr="0" anchor="b" bIns="45700" lIns="91425" spcFirstLastPara="1" rIns="91425" wrap="square" tIns="45700"/>
+          <a:bodyPr spcFirstLastPara="1" wrap="square" lIns="91425" tIns="45700" rIns="91425" bIns="45700" anchor="b" anchorCtr="0"/>
           <a:lstStyle>
             <a:lvl1pPr lvl="0" algn="ctr">
               <a:lnSpc>
@@ -3475,15 +3545,19 @@
               <a:defRPr/>
             </a:lvl9pPr>
           </a:lstStyle>
-          <a:p/>
+          <a:p>
+            <a:endParaRPr/>
+          </a:p>
         </p:txBody>
       </p:sp>
       <p:sp>
         <p:nvSpPr>
           <p:cNvPr id="52" name="Google Shape;52;p13"/>
-          <p:cNvSpPr txBox="1"/>
+          <p:cNvSpPr txBox="1">
+            <a:spLocks noGrp="1"/>
+          </p:cNvSpPr>
           <p:nvPr>
-            <p:ph idx="1" type="body"/>
+            <p:ph type="body" idx="1"/>
           </p:nvPr>
         </p:nvSpPr>
         <p:spPr>
@@ -3500,9 +3574,9 @@
           </a:ln>
         </p:spPr>
         <p:txBody>
-          <a:bodyPr anchorCtr="0" anchor="t" bIns="45700" lIns="91425" spcFirstLastPara="1" rIns="91425" wrap="square" tIns="45700"/>
+          <a:bodyPr spcFirstLastPara="1" wrap="square" lIns="91425" tIns="45700" rIns="91425" bIns="45700" anchor="t" anchorCtr="0"/>
           <a:lstStyle>
-            <a:lvl1pPr indent="-354330" lvl="0" marL="457200" algn="l">
+            <a:lvl1pPr marL="457200" lvl="0" indent="-354330" algn="l">
               <a:lnSpc>
                 <a:spcPct val="100000"/>
               </a:lnSpc>
@@ -3516,7 +3590,7 @@
               <a:buChar char="⚫"/>
               <a:defRPr/>
             </a:lvl1pPr>
-            <a:lvl2pPr indent="-354330" lvl="1" marL="914400" algn="l">
+            <a:lvl2pPr marL="914400" lvl="1" indent="-354330" algn="l">
               <a:lnSpc>
                 <a:spcPct val="100000"/>
               </a:lnSpc>
@@ -3530,7 +3604,7 @@
               <a:buChar char="⚫"/>
               <a:defRPr/>
             </a:lvl2pPr>
-            <a:lvl3pPr indent="-354330" lvl="2" marL="1371600" algn="l">
+            <a:lvl3pPr marL="1371600" lvl="2" indent="-354330" algn="l">
               <a:lnSpc>
                 <a:spcPct val="100000"/>
               </a:lnSpc>
@@ -3544,7 +3618,7 @@
               <a:buChar char="⚫"/>
               <a:defRPr/>
             </a:lvl3pPr>
-            <a:lvl4pPr indent="-354330" lvl="3" marL="1828800" algn="l">
+            <a:lvl4pPr marL="1828800" lvl="3" indent="-354330" algn="l">
               <a:lnSpc>
                 <a:spcPct val="100000"/>
               </a:lnSpc>
@@ -3558,7 +3632,7 @@
               <a:buChar char="⚫"/>
               <a:defRPr/>
             </a:lvl4pPr>
-            <a:lvl5pPr indent="-354329" lvl="4" marL="2286000" algn="l">
+            <a:lvl5pPr marL="2286000" lvl="4" indent="-354329" algn="l">
               <a:lnSpc>
                 <a:spcPct val="100000"/>
               </a:lnSpc>
@@ -3572,7 +3646,7 @@
               <a:buChar char="⚫"/>
               <a:defRPr/>
             </a:lvl5pPr>
-            <a:lvl6pPr indent="-354329" lvl="5" marL="2743200" algn="l">
+            <a:lvl6pPr marL="2743200" lvl="5" indent="-354329" algn="l">
               <a:lnSpc>
                 <a:spcPct val="100000"/>
               </a:lnSpc>
@@ -3586,7 +3660,7 @@
               <a:buChar char="⚫"/>
               <a:defRPr/>
             </a:lvl6pPr>
-            <a:lvl7pPr indent="-354329" lvl="6" marL="3200400" algn="l">
+            <a:lvl7pPr marL="3200400" lvl="6" indent="-354329" algn="l">
               <a:lnSpc>
                 <a:spcPct val="100000"/>
               </a:lnSpc>
@@ -3600,7 +3674,7 @@
               <a:buChar char="⚫"/>
               <a:defRPr/>
             </a:lvl7pPr>
-            <a:lvl8pPr indent="-354329" lvl="7" marL="3657600" algn="l">
+            <a:lvl8pPr marL="3657600" lvl="7" indent="-354329" algn="l">
               <a:lnSpc>
                 <a:spcPct val="100000"/>
               </a:lnSpc>
@@ -3614,7 +3688,7 @@
               <a:buChar char="⚫"/>
               <a:defRPr/>
             </a:lvl8pPr>
-            <a:lvl9pPr indent="-354329" lvl="8" marL="4114800" algn="l">
+            <a:lvl9pPr marL="4114800" lvl="8" indent="-354329" algn="l">
               <a:lnSpc>
                 <a:spcPct val="100000"/>
               </a:lnSpc>
@@ -3629,7 +3703,9 @@
               <a:defRPr/>
             </a:lvl9pPr>
           </a:lstStyle>
-          <a:p/>
+          <a:p>
+            <a:endParaRPr/>
+          </a:p>
         </p:txBody>
       </p:sp>
     </p:spTree>
@@ -3641,11 +3717,11 @@
 </file>
 
 <file path=ppt/slideLayouts/slideLayout13.xml><?xml version="1.0" encoding="utf-8"?>
-<p:sldLayout xmlns:a="http://schemas.openxmlformats.org/drawingml/2006/main" xmlns:r="http://schemas.openxmlformats.org/officeDocument/2006/relationships" xmlns:mc="http://schemas.openxmlformats.org/markup-compatibility/2006" xmlns:mv="urn:schemas-microsoft-com:mac:vml" xmlns:p="http://schemas.openxmlformats.org/presentationml/2006/main" xmlns:c="http://schemas.openxmlformats.org/drawingml/2006/chart" xmlns:dgm="http://schemas.openxmlformats.org/drawingml/2006/diagram" xmlns:o="urn:schemas-microsoft-com:office:office" xmlns:v="urn:schemas-microsoft-com:vml" xmlns:pvml="urn:schemas-microsoft-com:office:powerpoint" xmlns:com="http://schemas.openxmlformats.org/drawingml/2006/compatibility" xmlns:p14="http://schemas.microsoft.com/office/powerpoint/2010/main" xmlns:p15="http://schemas.microsoft.com/office/powerpoint/2012/main" matchingName="Custom Layout">
+<p:sldLayout xmlns:a="http://schemas.openxmlformats.org/drawingml/2006/main" xmlns:r="http://schemas.openxmlformats.org/officeDocument/2006/relationships" xmlns:p="http://schemas.openxmlformats.org/presentationml/2006/main" matchingName="Custom Layout">
   <p:cSld name="Custom Layout">
     <p:spTree>
       <p:nvGrpSpPr>
-        <p:cNvPr id="53" name="Shape 53"/>
+        <p:cNvPr id="1" name="Shape 53"/>
         <p:cNvGrpSpPr/>
         <p:nvPr/>
       </p:nvGrpSpPr>
@@ -3660,7 +3736,9 @@
       <p:sp>
         <p:nvSpPr>
           <p:cNvPr id="54" name="Google Shape;54;p14"/>
-          <p:cNvSpPr txBox="1"/>
+          <p:cNvSpPr txBox="1">
+            <a:spLocks noGrp="1"/>
+          </p:cNvSpPr>
           <p:nvPr>
             <p:ph type="title"/>
           </p:nvPr>
@@ -3679,7 +3757,7 @@
           </a:ln>
         </p:spPr>
         <p:txBody>
-          <a:bodyPr anchorCtr="0" anchor="b" bIns="45700" lIns="91425" spcFirstLastPara="1" rIns="91425" wrap="square" tIns="45700"/>
+          <a:bodyPr spcFirstLastPara="1" wrap="square" lIns="91425" tIns="45700" rIns="91425" bIns="45700" anchor="b" anchorCtr="0"/>
           <a:lstStyle>
             <a:lvl1pPr lvl="0" algn="ctr">
               <a:lnSpc>
@@ -3808,7 +3886,9 @@
               <a:defRPr/>
             </a:lvl9pPr>
           </a:lstStyle>
-          <a:p/>
+          <a:p>
+            <a:endParaRPr/>
+          </a:p>
         </p:txBody>
       </p:sp>
     </p:spTree>
@@ -3820,11 +3900,11 @@
 </file>
 
 <file path=ppt/slideLayouts/slideLayout2.xml><?xml version="1.0" encoding="utf-8"?>
-<p:sldLayout xmlns:a="http://schemas.openxmlformats.org/drawingml/2006/main" xmlns:r="http://schemas.openxmlformats.org/officeDocument/2006/relationships" xmlns:mc="http://schemas.openxmlformats.org/markup-compatibility/2006" xmlns:mv="urn:schemas-microsoft-com:mac:vml" xmlns:p="http://schemas.openxmlformats.org/presentationml/2006/main" xmlns:c="http://schemas.openxmlformats.org/drawingml/2006/chart" xmlns:dgm="http://schemas.openxmlformats.org/drawingml/2006/diagram" xmlns:o="urn:schemas-microsoft-com:office:office" xmlns:v="urn:schemas-microsoft-com:vml" xmlns:pvml="urn:schemas-microsoft-com:office:powerpoint" xmlns:com="http://schemas.openxmlformats.org/drawingml/2006/compatibility" xmlns:p14="http://schemas.microsoft.com/office/powerpoint/2010/main" xmlns:p15="http://schemas.microsoft.com/office/powerpoint/2012/main" matchingName="Title Slide" type="title">
+<p:sldLayout xmlns:a="http://schemas.openxmlformats.org/drawingml/2006/main" xmlns:r="http://schemas.openxmlformats.org/officeDocument/2006/relationships" xmlns:p="http://schemas.openxmlformats.org/presentationml/2006/main" matchingName="Title Slide" type="title">
   <p:cSld name="TITLE">
     <p:spTree>
       <p:nvGrpSpPr>
-        <p:cNvPr id="15" name="Shape 15"/>
+        <p:cNvPr id="1" name="Shape 15"/>
         <p:cNvGrpSpPr/>
         <p:nvPr/>
       </p:nvGrpSpPr>
@@ -3851,17 +3931,17 @@
             <a:avLst/>
           </a:prstGeom>
           <a:noFill/>
-          <a:ln cap="flat" cmpd="sng" w="9525">
+          <a:ln w="9525" cap="flat" cmpd="sng">
             <a:solidFill>
               <a:schemeClr val="lt1"/>
             </a:solidFill>
             <a:prstDash val="solid"/>
             <a:round/>
-            <a:headEnd len="sm" w="sm" type="none"/>
-            <a:tailEnd len="sm" w="sm" type="none"/>
+            <a:headEnd type="none" w="sm" len="sm"/>
+            <a:tailEnd type="none" w="sm" len="sm"/>
           </a:ln>
           <a:effectLst>
-            <a:outerShdw blurRad="63500" sx="100500" rotWithShape="0" algn="ctr" sy="100500">
+            <a:outerShdw blurRad="63500" sx="100500" sy="100500" algn="ctr" rotWithShape="0">
               <a:srgbClr val="000000">
                 <a:alpha val="49411"/>
               </a:srgbClr>
@@ -3869,12 +3949,12 @@
           </a:effectLst>
         </p:spPr>
         <p:txBody>
-          <a:bodyPr anchorCtr="0" anchor="t" bIns="45700" lIns="91425" spcFirstLastPara="1" rIns="91425" wrap="square" tIns="45700">
+          <a:bodyPr spcFirstLastPara="1" wrap="square" lIns="91425" tIns="45700" rIns="91425" bIns="45700" anchor="t" anchorCtr="0">
             <a:noAutofit/>
           </a:bodyPr>
           <a:lstStyle/>
           <a:p>
-            <a:pPr indent="0" lvl="0" marL="0" marR="0" rtl="0" algn="l">
+            <a:pPr marL="0" marR="0" lvl="0" indent="0" algn="l" rtl="0">
               <a:lnSpc>
                 <a:spcPct val="100000"/>
               </a:lnSpc>
@@ -3891,10 +3971,7 @@
               <a:buFont typeface="Noto Sans Symbols"/>
               <a:buNone/>
             </a:pPr>
-            <a:r>
-              <a:t/>
-            </a:r>
-            <a:endParaRPr b="0" i="0" sz="3200" u="none" cap="none" strike="noStrike">
+            <a:endParaRPr sz="3200" b="0" i="0" u="none" strike="noStrike" cap="none">
               <a:solidFill>
                 <a:srgbClr val="595959"/>
               </a:solidFill>
@@ -3909,7 +3986,9 @@
       <p:sp>
         <p:nvSpPr>
           <p:cNvPr id="17" name="Google Shape;17;p3"/>
-          <p:cNvSpPr txBox="1"/>
+          <p:cNvSpPr txBox="1">
+            <a:spLocks noGrp="1"/>
+          </p:cNvSpPr>
           <p:nvPr>
             <p:ph type="ctrTitle"/>
           </p:nvPr>
@@ -3928,7 +4007,7 @@
           </a:ln>
         </p:spPr>
         <p:txBody>
-          <a:bodyPr anchorCtr="0" anchor="b" bIns="45700" lIns="91425" spcFirstLastPara="1" rIns="91425" wrap="square" tIns="45700"/>
+          <a:bodyPr spcFirstLastPara="1" wrap="square" lIns="91425" tIns="45700" rIns="91425" bIns="45700" anchor="b" anchorCtr="0"/>
           <a:lstStyle>
             <a:lvl1pPr lvl="0" algn="ctr">
               <a:lnSpc>
@@ -4069,15 +4148,19 @@
               <a:defRPr/>
             </a:lvl9pPr>
           </a:lstStyle>
-          <a:p/>
+          <a:p>
+            <a:endParaRPr/>
+          </a:p>
         </p:txBody>
       </p:sp>
       <p:sp>
         <p:nvSpPr>
           <p:cNvPr id="18" name="Google Shape;18;p3"/>
-          <p:cNvSpPr txBox="1"/>
+          <p:cNvSpPr txBox="1">
+            <a:spLocks noGrp="1"/>
+          </p:cNvSpPr>
           <p:nvPr>
-            <p:ph idx="1" type="subTitle"/>
+            <p:ph type="subTitle" idx="1"/>
           </p:nvPr>
         </p:nvSpPr>
         <p:spPr>
@@ -4094,7 +4177,7 @@
           </a:ln>
         </p:spPr>
         <p:txBody>
-          <a:bodyPr anchorCtr="0" anchor="t" bIns="45700" lIns="91425" spcFirstLastPara="1" rIns="91425" wrap="square" tIns="45700"/>
+          <a:bodyPr spcFirstLastPara="1" wrap="square" lIns="91425" tIns="45700" rIns="91425" bIns="45700" anchor="t" anchorCtr="0"/>
           <a:lstStyle>
             <a:lvl1pPr lvl="0" algn="ctr">
               <a:lnSpc>
@@ -4267,7 +4350,9 @@
               </a:defRPr>
             </a:lvl9pPr>
           </a:lstStyle>
-          <a:p/>
+          <a:p>
+            <a:endParaRPr/>
+          </a:p>
         </p:txBody>
       </p:sp>
     </p:spTree>
@@ -4279,11 +4364,11 @@
 </file>
 
 <file path=ppt/slideLayouts/slideLayout3.xml><?xml version="1.0" encoding="utf-8"?>
-<p:sldLayout xmlns:a="http://schemas.openxmlformats.org/drawingml/2006/main" xmlns:r="http://schemas.openxmlformats.org/officeDocument/2006/relationships" xmlns:mc="http://schemas.openxmlformats.org/markup-compatibility/2006" xmlns:mv="urn:schemas-microsoft-com:mac:vml" xmlns:p="http://schemas.openxmlformats.org/presentationml/2006/main" xmlns:c="http://schemas.openxmlformats.org/drawingml/2006/chart" xmlns:dgm="http://schemas.openxmlformats.org/drawingml/2006/diagram" xmlns:o="urn:schemas-microsoft-com:office:office" xmlns:v="urn:schemas-microsoft-com:vml" xmlns:pvml="urn:schemas-microsoft-com:office:powerpoint" xmlns:com="http://schemas.openxmlformats.org/drawingml/2006/compatibility" xmlns:p14="http://schemas.microsoft.com/office/powerpoint/2010/main" xmlns:p15="http://schemas.microsoft.com/office/powerpoint/2012/main" matchingName="Title Slide with Picture">
+<p:sldLayout xmlns:a="http://schemas.openxmlformats.org/drawingml/2006/main" xmlns:r="http://schemas.openxmlformats.org/officeDocument/2006/relationships" xmlns:p="http://schemas.openxmlformats.org/presentationml/2006/main" matchingName="Title Slide with Picture">
   <p:cSld name="Title Slide with Picture">
     <p:spTree>
       <p:nvGrpSpPr>
-        <p:cNvPr id="19" name="Shape 19"/>
+        <p:cNvPr id="1" name="Shape 19"/>
         <p:cNvGrpSpPr/>
         <p:nvPr/>
       </p:nvGrpSpPr>
@@ -4298,7 +4383,9 @@
       <p:sp>
         <p:nvSpPr>
           <p:cNvPr id="20" name="Google Shape;20;p4"/>
-          <p:cNvSpPr txBox="1"/>
+          <p:cNvSpPr txBox="1">
+            <a:spLocks noGrp="1"/>
+          </p:cNvSpPr>
           <p:nvPr>
             <p:ph type="ctrTitle"/>
           </p:nvPr>
@@ -4317,7 +4404,7 @@
           </a:ln>
         </p:spPr>
         <p:txBody>
-          <a:bodyPr anchorCtr="0" anchor="b" bIns="45700" lIns="91425" spcFirstLastPara="1" rIns="91425" wrap="square" tIns="45700"/>
+          <a:bodyPr spcFirstLastPara="1" wrap="square" lIns="91425" tIns="45700" rIns="91425" bIns="45700" anchor="b" anchorCtr="0"/>
           <a:lstStyle>
             <a:lvl1pPr lvl="0" algn="ctr">
               <a:lnSpc>
@@ -4446,15 +4533,19 @@
               <a:defRPr/>
             </a:lvl9pPr>
           </a:lstStyle>
-          <a:p/>
+          <a:p>
+            <a:endParaRPr/>
+          </a:p>
         </p:txBody>
       </p:sp>
       <p:sp>
         <p:nvSpPr>
           <p:cNvPr id="21" name="Google Shape;21;p4"/>
-          <p:cNvSpPr txBox="1"/>
+          <p:cNvSpPr txBox="1">
+            <a:spLocks noGrp="1"/>
+          </p:cNvSpPr>
           <p:nvPr>
-            <p:ph idx="1" type="subTitle"/>
+            <p:ph type="subTitle" idx="1"/>
           </p:nvPr>
         </p:nvSpPr>
         <p:spPr>
@@ -4471,7 +4562,7 @@
           </a:ln>
         </p:spPr>
         <p:txBody>
-          <a:bodyPr anchorCtr="0" anchor="t" bIns="45700" lIns="91425" spcFirstLastPara="1" rIns="91425" wrap="square" tIns="45700"/>
+          <a:bodyPr spcFirstLastPara="1" wrap="square" lIns="91425" tIns="45700" rIns="91425" bIns="45700" anchor="t" anchorCtr="0"/>
           <a:lstStyle>
             <a:lvl1pPr lvl="0" algn="ctr">
               <a:lnSpc>
@@ -4636,15 +4727,19 @@
               </a:defRPr>
             </a:lvl9pPr>
           </a:lstStyle>
-          <a:p/>
+          <a:p>
+            <a:endParaRPr/>
+          </a:p>
         </p:txBody>
       </p:sp>
       <p:sp>
         <p:nvSpPr>
           <p:cNvPr id="22" name="Google Shape;22;p4"/>
-          <p:cNvSpPr/>
+          <p:cNvSpPr>
+            <a:spLocks noGrp="1"/>
+          </p:cNvSpPr>
           <p:nvPr>
-            <p:ph idx="2" type="pic"/>
+            <p:ph type="pic" idx="2"/>
           </p:nvPr>
         </p:nvSpPr>
         <p:spPr>
@@ -4656,17 +4751,17 @@
             <a:avLst/>
           </a:prstGeom>
           <a:noFill/>
-          <a:ln cap="flat" cmpd="sng" w="9525">
+          <a:ln w="9525" cap="flat" cmpd="sng">
             <a:solidFill>
               <a:schemeClr val="lt1"/>
             </a:solidFill>
             <a:prstDash val="solid"/>
             <a:round/>
-            <a:headEnd len="sm" w="sm" type="none"/>
-            <a:tailEnd len="sm" w="sm" type="none"/>
+            <a:headEnd type="none" w="sm" len="sm"/>
+            <a:tailEnd type="none" w="sm" len="sm"/>
           </a:ln>
           <a:effectLst>
-            <a:outerShdw blurRad="63500" sx="100500" rotWithShape="0" algn="ctr" sy="100500">
+            <a:outerShdw blurRad="63500" sx="100500" sy="100500" algn="ctr" rotWithShape="0">
               <a:srgbClr val="000000">
                 <a:alpha val="49411"/>
               </a:srgbClr>
@@ -4674,9 +4769,9 @@
           </a:effectLst>
         </p:spPr>
         <p:txBody>
-          <a:bodyPr anchorCtr="0" anchor="t" bIns="45700" lIns="91425" spcFirstLastPara="1" rIns="91425" wrap="square" tIns="45700"/>
+          <a:bodyPr spcFirstLastPara="1" wrap="square" lIns="91425" tIns="45700" rIns="91425" bIns="45700" anchor="t" anchorCtr="0"/>
           <a:lstStyle>
-            <a:lvl1pPr lvl="0" marR="0" rtl="0" algn="l">
+            <a:lvl1pPr marR="0" lvl="0" algn="l" rtl="0">
               <a:lnSpc>
                 <a:spcPct val="100000"/>
               </a:lnSpc>
@@ -4692,7 +4787,7 @@
               <a:buSzPts val="3520"/>
               <a:buFont typeface="Noto Sans Symbols"/>
               <a:buNone/>
-              <a:defRPr b="0" i="0" sz="3200" u="none" cap="none" strike="noStrike">
+              <a:defRPr sz="3200" b="0" i="0" u="none" strike="noStrike" cap="none">
                 <a:solidFill>
                   <a:srgbClr val="595959"/>
                 </a:solidFill>
@@ -4702,7 +4797,7 @@
                 <a:sym typeface="Calibri"/>
               </a:defRPr>
             </a:lvl1pPr>
-            <a:lvl2pPr lvl="1" marR="0" rtl="0" algn="l">
+            <a:lvl2pPr marR="0" lvl="1" algn="l" rtl="0">
               <a:lnSpc>
                 <a:spcPct val="100000"/>
               </a:lnSpc>
@@ -4718,7 +4813,7 @@
               <a:buSzPts val="3080"/>
               <a:buFont typeface="Noto Sans Symbols"/>
               <a:buNone/>
-              <a:defRPr b="0" i="0" sz="2800" u="none" cap="none" strike="noStrike">
+              <a:defRPr sz="2800" b="0" i="0" u="none" strike="noStrike" cap="none">
                 <a:solidFill>
                   <a:srgbClr val="595959"/>
                 </a:solidFill>
@@ -4728,7 +4823,7 @@
                 <a:sym typeface="Calibri"/>
               </a:defRPr>
             </a:lvl2pPr>
-            <a:lvl3pPr lvl="2" marR="0" rtl="0" algn="l">
+            <a:lvl3pPr marR="0" lvl="2" algn="l" rtl="0">
               <a:lnSpc>
                 <a:spcPct val="100000"/>
               </a:lnSpc>
@@ -4744,7 +4839,7 @@
               <a:buSzPts val="2640"/>
               <a:buFont typeface="Noto Sans Symbols"/>
               <a:buNone/>
-              <a:defRPr b="0" i="0" sz="2400" u="none" cap="none" strike="noStrike">
+              <a:defRPr sz="2400" b="0" i="0" u="none" strike="noStrike" cap="none">
                 <a:solidFill>
                   <a:srgbClr val="595959"/>
                 </a:solidFill>
@@ -4754,7 +4849,7 @@
                 <a:sym typeface="Calibri"/>
               </a:defRPr>
             </a:lvl3pPr>
-            <a:lvl4pPr lvl="3" marR="0" rtl="0" algn="l">
+            <a:lvl4pPr marR="0" lvl="3" algn="l" rtl="0">
               <a:lnSpc>
                 <a:spcPct val="100000"/>
               </a:lnSpc>
@@ -4770,7 +4865,7 @@
               <a:buSzPts val="2200"/>
               <a:buFont typeface="Noto Sans Symbols"/>
               <a:buNone/>
-              <a:defRPr b="0" i="0" sz="2000" u="none" cap="none" strike="noStrike">
+              <a:defRPr sz="2000" b="0" i="0" u="none" strike="noStrike" cap="none">
                 <a:solidFill>
                   <a:srgbClr val="595959"/>
                 </a:solidFill>
@@ -4780,7 +4875,7 @@
                 <a:sym typeface="Calibri"/>
               </a:defRPr>
             </a:lvl4pPr>
-            <a:lvl5pPr lvl="4" marR="0" rtl="0" algn="l">
+            <a:lvl5pPr marR="0" lvl="4" algn="l" rtl="0">
               <a:lnSpc>
                 <a:spcPct val="100000"/>
               </a:lnSpc>
@@ -4796,7 +4891,7 @@
               <a:buSzPts val="2200"/>
               <a:buFont typeface="Noto Sans Symbols"/>
               <a:buNone/>
-              <a:defRPr b="0" i="0" sz="2000" u="none" cap="none" strike="noStrike">
+              <a:defRPr sz="2000" b="0" i="0" u="none" strike="noStrike" cap="none">
                 <a:solidFill>
                   <a:srgbClr val="595959"/>
                 </a:solidFill>
@@ -4806,7 +4901,7 @@
                 <a:sym typeface="Calibri"/>
               </a:defRPr>
             </a:lvl5pPr>
-            <a:lvl6pPr lvl="5" marR="0" rtl="0" algn="l">
+            <a:lvl6pPr marR="0" lvl="5" algn="l" rtl="0">
               <a:lnSpc>
                 <a:spcPct val="100000"/>
               </a:lnSpc>
@@ -4822,7 +4917,7 @@
               <a:buSzPts val="2200"/>
               <a:buFont typeface="Noto Sans Symbols"/>
               <a:buNone/>
-              <a:defRPr b="0" i="0" sz="2000" u="none" cap="none" strike="noStrike">
+              <a:defRPr sz="2000" b="0" i="0" u="none" strike="noStrike" cap="none">
                 <a:solidFill>
                   <a:srgbClr val="595959"/>
                 </a:solidFill>
@@ -4832,7 +4927,7 @@
                 <a:sym typeface="Calibri"/>
               </a:defRPr>
             </a:lvl6pPr>
-            <a:lvl7pPr lvl="6" marR="0" rtl="0" algn="l">
+            <a:lvl7pPr marR="0" lvl="6" algn="l" rtl="0">
               <a:lnSpc>
                 <a:spcPct val="100000"/>
               </a:lnSpc>
@@ -4848,7 +4943,7 @@
               <a:buSzPts val="2200"/>
               <a:buFont typeface="Noto Sans Symbols"/>
               <a:buNone/>
-              <a:defRPr b="0" i="0" sz="2000" u="none" cap="none" strike="noStrike">
+              <a:defRPr sz="2000" b="0" i="0" u="none" strike="noStrike" cap="none">
                 <a:solidFill>
                   <a:srgbClr val="595959"/>
                 </a:solidFill>
@@ -4858,7 +4953,7 @@
                 <a:sym typeface="Calibri"/>
               </a:defRPr>
             </a:lvl7pPr>
-            <a:lvl8pPr lvl="7" marR="0" rtl="0" algn="l">
+            <a:lvl8pPr marR="0" lvl="7" algn="l" rtl="0">
               <a:lnSpc>
                 <a:spcPct val="100000"/>
               </a:lnSpc>
@@ -4874,7 +4969,7 @@
               <a:buSzPts val="2200"/>
               <a:buFont typeface="Noto Sans Symbols"/>
               <a:buNone/>
-              <a:defRPr b="0" i="0" sz="2000" u="none" cap="none" strike="noStrike">
+              <a:defRPr sz="2000" b="0" i="0" u="none" strike="noStrike" cap="none">
                 <a:solidFill>
                   <a:srgbClr val="595959"/>
                 </a:solidFill>
@@ -4884,7 +4979,7 @@
                 <a:sym typeface="Calibri"/>
               </a:defRPr>
             </a:lvl8pPr>
-            <a:lvl9pPr lvl="8" marR="0" rtl="0" algn="l">
+            <a:lvl9pPr marR="0" lvl="8" algn="l" rtl="0">
               <a:lnSpc>
                 <a:spcPct val="100000"/>
               </a:lnSpc>
@@ -4900,7 +4995,7 @@
               <a:buSzPts val="2200"/>
               <a:buFont typeface="Noto Sans Symbols"/>
               <a:buNone/>
-              <a:defRPr b="0" i="0" sz="2000" u="none" cap="none" strike="noStrike">
+              <a:defRPr sz="2000" b="0" i="0" u="none" strike="noStrike" cap="none">
                 <a:solidFill>
                   <a:srgbClr val="595959"/>
                 </a:solidFill>
@@ -4911,7 +5006,9 @@
               </a:defRPr>
             </a:lvl9pPr>
           </a:lstStyle>
-          <a:p/>
+          <a:p>
+            <a:endParaRPr/>
+          </a:p>
         </p:txBody>
       </p:sp>
     </p:spTree>
@@ -4923,11 +5020,11 @@
 </file>
 
 <file path=ppt/slideLayouts/slideLayout4.xml><?xml version="1.0" encoding="utf-8"?>
-<p:sldLayout xmlns:a="http://schemas.openxmlformats.org/drawingml/2006/main" xmlns:r="http://schemas.openxmlformats.org/officeDocument/2006/relationships" xmlns:mc="http://schemas.openxmlformats.org/markup-compatibility/2006" xmlns:mv="urn:schemas-microsoft-com:mac:vml" xmlns:p="http://schemas.openxmlformats.org/presentationml/2006/main" xmlns:c="http://schemas.openxmlformats.org/drawingml/2006/chart" xmlns:dgm="http://schemas.openxmlformats.org/drawingml/2006/diagram" xmlns:o="urn:schemas-microsoft-com:office:office" xmlns:v="urn:schemas-microsoft-com:vml" xmlns:pvml="urn:schemas-microsoft-com:office:powerpoint" xmlns:com="http://schemas.openxmlformats.org/drawingml/2006/compatibility" xmlns:p14="http://schemas.microsoft.com/office/powerpoint/2010/main" xmlns:p15="http://schemas.microsoft.com/office/powerpoint/2012/main" matchingName="Section Header" type="secHead">
+<p:sldLayout xmlns:a="http://schemas.openxmlformats.org/drawingml/2006/main" xmlns:r="http://schemas.openxmlformats.org/officeDocument/2006/relationships" xmlns:p="http://schemas.openxmlformats.org/presentationml/2006/main" matchingName="Section Header" type="secHead">
   <p:cSld name="SECTION_HEADER">
     <p:spTree>
       <p:nvGrpSpPr>
-        <p:cNvPr id="23" name="Shape 23"/>
+        <p:cNvPr id="1" name="Shape 23"/>
         <p:cNvGrpSpPr/>
         <p:nvPr/>
       </p:nvGrpSpPr>
@@ -4942,7 +5039,9 @@
       <p:sp>
         <p:nvSpPr>
           <p:cNvPr id="24" name="Google Shape;24;p5"/>
-          <p:cNvSpPr txBox="1"/>
+          <p:cNvSpPr txBox="1">
+            <a:spLocks noGrp="1"/>
+          </p:cNvSpPr>
           <p:nvPr>
             <p:ph type="title"/>
           </p:nvPr>
@@ -4961,7 +5060,7 @@
           </a:ln>
         </p:spPr>
         <p:txBody>
-          <a:bodyPr anchorCtr="0" anchor="b" bIns="45700" lIns="91425" spcFirstLastPara="1" rIns="91425" wrap="square" tIns="45700"/>
+          <a:bodyPr spcFirstLastPara="1" wrap="square" lIns="91425" tIns="45700" rIns="91425" bIns="45700" anchor="b" anchorCtr="0"/>
           <a:lstStyle>
             <a:lvl1pPr lvl="0" algn="ctr">
               <a:lnSpc>
@@ -4975,7 +5074,7 @@
               </a:spcAft>
               <a:buSzPts val="1400"/>
               <a:buNone/>
-              <a:defRPr b="0" sz="4600" cap="none"/>
+              <a:defRPr sz="4600" b="0" cap="none"/>
             </a:lvl1pPr>
             <a:lvl2pPr lvl="1" algn="ctr">
               <a:lnSpc>
@@ -5090,15 +5189,19 @@
               <a:defRPr/>
             </a:lvl9pPr>
           </a:lstStyle>
-          <a:p/>
+          <a:p>
+            <a:endParaRPr/>
+          </a:p>
         </p:txBody>
       </p:sp>
       <p:sp>
         <p:nvSpPr>
           <p:cNvPr id="25" name="Google Shape;25;p5"/>
-          <p:cNvSpPr txBox="1"/>
+          <p:cNvSpPr txBox="1">
+            <a:spLocks noGrp="1"/>
+          </p:cNvSpPr>
           <p:nvPr>
-            <p:ph idx="1" type="body"/>
+            <p:ph type="body" idx="1"/>
           </p:nvPr>
         </p:nvSpPr>
         <p:spPr>
@@ -5115,9 +5218,9 @@
           </a:ln>
         </p:spPr>
         <p:txBody>
-          <a:bodyPr anchorCtr="0" anchor="t" bIns="45700" lIns="91425" spcFirstLastPara="1" rIns="91425" wrap="square" tIns="45700"/>
+          <a:bodyPr spcFirstLastPara="1" wrap="square" lIns="91425" tIns="45700" rIns="91425" bIns="45700" anchor="t" anchorCtr="0"/>
           <a:lstStyle>
-            <a:lvl1pPr indent="-228600" lvl="0" marL="457200" algn="ctr">
+            <a:lvl1pPr marL="457200" lvl="0" indent="-228600" algn="ctr">
               <a:lnSpc>
                 <a:spcPct val="100000"/>
               </a:lnSpc>
@@ -5135,7 +5238,7 @@
                 </a:solidFill>
               </a:defRPr>
             </a:lvl1pPr>
-            <a:lvl2pPr indent="-228600" lvl="1" marL="914400" algn="l">
+            <a:lvl2pPr marL="914400" lvl="1" indent="-228600" algn="l">
               <a:lnSpc>
                 <a:spcPct val="100000"/>
               </a:lnSpc>
@@ -5153,7 +5256,7 @@
                 </a:solidFill>
               </a:defRPr>
             </a:lvl2pPr>
-            <a:lvl3pPr indent="-228600" lvl="2" marL="1371600" algn="l">
+            <a:lvl3pPr marL="1371600" lvl="2" indent="-228600" algn="l">
               <a:lnSpc>
                 <a:spcPct val="100000"/>
               </a:lnSpc>
@@ -5171,7 +5274,7 @@
                 </a:solidFill>
               </a:defRPr>
             </a:lvl3pPr>
-            <a:lvl4pPr indent="-228600" lvl="3" marL="1828800" algn="l">
+            <a:lvl4pPr marL="1828800" lvl="3" indent="-228600" algn="l">
               <a:lnSpc>
                 <a:spcPct val="100000"/>
               </a:lnSpc>
@@ -5189,7 +5292,7 @@
                 </a:solidFill>
               </a:defRPr>
             </a:lvl4pPr>
-            <a:lvl5pPr indent="-228600" lvl="4" marL="2286000" algn="l">
+            <a:lvl5pPr marL="2286000" lvl="4" indent="-228600" algn="l">
               <a:lnSpc>
                 <a:spcPct val="100000"/>
               </a:lnSpc>
@@ -5207,7 +5310,7 @@
                 </a:solidFill>
               </a:defRPr>
             </a:lvl5pPr>
-            <a:lvl6pPr indent="-228600" lvl="5" marL="2743200" algn="l">
+            <a:lvl6pPr marL="2743200" lvl="5" indent="-228600" algn="l">
               <a:lnSpc>
                 <a:spcPct val="100000"/>
               </a:lnSpc>
@@ -5225,7 +5328,7 @@
                 </a:solidFill>
               </a:defRPr>
             </a:lvl6pPr>
-            <a:lvl7pPr indent="-228600" lvl="6" marL="3200400" algn="l">
+            <a:lvl7pPr marL="3200400" lvl="6" indent="-228600" algn="l">
               <a:lnSpc>
                 <a:spcPct val="100000"/>
               </a:lnSpc>
@@ -5243,7 +5346,7 @@
                 </a:solidFill>
               </a:defRPr>
             </a:lvl7pPr>
-            <a:lvl8pPr indent="-228600" lvl="7" marL="3657600" algn="l">
+            <a:lvl8pPr marL="3657600" lvl="7" indent="-228600" algn="l">
               <a:lnSpc>
                 <a:spcPct val="100000"/>
               </a:lnSpc>
@@ -5261,7 +5364,7 @@
                 </a:solidFill>
               </a:defRPr>
             </a:lvl8pPr>
-            <a:lvl9pPr indent="-228600" lvl="8" marL="4114800" algn="l">
+            <a:lvl9pPr marL="4114800" lvl="8" indent="-228600" algn="l">
               <a:lnSpc>
                 <a:spcPct val="100000"/>
               </a:lnSpc>
@@ -5280,7 +5383,9 @@
               </a:defRPr>
             </a:lvl9pPr>
           </a:lstStyle>
-          <a:p/>
+          <a:p>
+            <a:endParaRPr/>
+          </a:p>
         </p:txBody>
       </p:sp>
     </p:spTree>
@@ -5292,11 +5397,11 @@
 </file>
 
 <file path=ppt/slideLayouts/slideLayout5.xml><?xml version="1.0" encoding="utf-8"?>
-<p:sldLayout xmlns:a="http://schemas.openxmlformats.org/drawingml/2006/main" xmlns:r="http://schemas.openxmlformats.org/officeDocument/2006/relationships" xmlns:mc="http://schemas.openxmlformats.org/markup-compatibility/2006" xmlns:mv="urn:schemas-microsoft-com:mac:vml" xmlns:p="http://schemas.openxmlformats.org/presentationml/2006/main" xmlns:c="http://schemas.openxmlformats.org/drawingml/2006/chart" xmlns:dgm="http://schemas.openxmlformats.org/drawingml/2006/diagram" xmlns:o="urn:schemas-microsoft-com:office:office" xmlns:v="urn:schemas-microsoft-com:vml" xmlns:pvml="urn:schemas-microsoft-com:office:powerpoint" xmlns:com="http://schemas.openxmlformats.org/drawingml/2006/compatibility" xmlns:p14="http://schemas.microsoft.com/office/powerpoint/2010/main" xmlns:p15="http://schemas.microsoft.com/office/powerpoint/2012/main" matchingName="Two Content" type="twoObj">
+<p:sldLayout xmlns:a="http://schemas.openxmlformats.org/drawingml/2006/main" xmlns:r="http://schemas.openxmlformats.org/officeDocument/2006/relationships" xmlns:p="http://schemas.openxmlformats.org/presentationml/2006/main" matchingName="Two Content" type="twoObj">
   <p:cSld name="TWO_OBJECTS">
     <p:spTree>
       <p:nvGrpSpPr>
-        <p:cNvPr id="26" name="Shape 26"/>
+        <p:cNvPr id="1" name="Shape 26"/>
         <p:cNvGrpSpPr/>
         <p:nvPr/>
       </p:nvGrpSpPr>
@@ -5311,7 +5416,9 @@
       <p:sp>
         <p:nvSpPr>
           <p:cNvPr id="27" name="Google Shape;27;p6"/>
-          <p:cNvSpPr txBox="1"/>
+          <p:cNvSpPr txBox="1">
+            <a:spLocks noGrp="1"/>
+          </p:cNvSpPr>
           <p:nvPr>
             <p:ph type="title"/>
           </p:nvPr>
@@ -5330,7 +5437,7 @@
           </a:ln>
         </p:spPr>
         <p:txBody>
-          <a:bodyPr anchorCtr="0" anchor="b" bIns="45700" lIns="91425" spcFirstLastPara="1" rIns="91425" wrap="square" tIns="45700"/>
+          <a:bodyPr spcFirstLastPara="1" wrap="square" lIns="91425" tIns="45700" rIns="91425" bIns="45700" anchor="b" anchorCtr="0"/>
           <a:lstStyle>
             <a:lvl1pPr lvl="0" algn="ctr">
               <a:lnSpc>
@@ -5459,15 +5566,19 @@
               <a:defRPr/>
             </a:lvl9pPr>
           </a:lstStyle>
-          <a:p/>
+          <a:p>
+            <a:endParaRPr/>
+          </a:p>
         </p:txBody>
       </p:sp>
       <p:sp>
         <p:nvSpPr>
           <p:cNvPr id="28" name="Google Shape;28;p6"/>
-          <p:cNvSpPr txBox="1"/>
+          <p:cNvSpPr txBox="1">
+            <a:spLocks noGrp="1"/>
+          </p:cNvSpPr>
           <p:nvPr>
-            <p:ph idx="1" type="body"/>
+            <p:ph type="body" idx="1"/>
           </p:nvPr>
         </p:nvSpPr>
         <p:spPr>
@@ -5484,9 +5595,9 @@
           </a:ln>
         </p:spPr>
         <p:txBody>
-          <a:bodyPr anchorCtr="0" anchor="t" bIns="45700" lIns="91425" spcFirstLastPara="1" rIns="91425" wrap="square" tIns="45700"/>
+          <a:bodyPr spcFirstLastPara="1" wrap="square" lIns="91425" tIns="45700" rIns="91425" bIns="45700" anchor="t" anchorCtr="0"/>
           <a:lstStyle>
-            <a:lvl1pPr indent="-368300" lvl="0" marL="457200" algn="l">
+            <a:lvl1pPr marL="457200" lvl="0" indent="-368300" algn="l">
               <a:lnSpc>
                 <a:spcPct val="100000"/>
               </a:lnSpc>
@@ -5500,7 +5611,7 @@
               <a:buChar char="⚫"/>
               <a:defRPr sz="2000"/>
             </a:lvl1pPr>
-            <a:lvl2pPr indent="-354330" lvl="1" marL="914400" algn="l">
+            <a:lvl2pPr marL="914400" lvl="1" indent="-354330" algn="l">
               <a:lnSpc>
                 <a:spcPct val="100000"/>
               </a:lnSpc>
@@ -5514,7 +5625,7 @@
               <a:buChar char="⚫"/>
               <a:defRPr sz="1800"/>
             </a:lvl2pPr>
-            <a:lvl3pPr indent="-354330" lvl="2" marL="1371600" algn="l">
+            <a:lvl3pPr marL="1371600" lvl="2" indent="-354330" algn="l">
               <a:lnSpc>
                 <a:spcPct val="100000"/>
               </a:lnSpc>
@@ -5528,7 +5639,7 @@
               <a:buChar char="⚫"/>
               <a:defRPr sz="1800"/>
             </a:lvl3pPr>
-            <a:lvl4pPr indent="-354330" lvl="3" marL="1828800" algn="l">
+            <a:lvl4pPr marL="1828800" lvl="3" indent="-354330" algn="l">
               <a:lnSpc>
                 <a:spcPct val="100000"/>
               </a:lnSpc>
@@ -5542,7 +5653,7 @@
               <a:buChar char="⚫"/>
               <a:defRPr sz="1800"/>
             </a:lvl4pPr>
-            <a:lvl5pPr indent="-354329" lvl="4" marL="2286000" algn="l">
+            <a:lvl5pPr marL="2286000" lvl="4" indent="-354329" algn="l">
               <a:lnSpc>
                 <a:spcPct val="100000"/>
               </a:lnSpc>
@@ -5556,7 +5667,7 @@
               <a:buChar char="⚫"/>
               <a:defRPr sz="1800"/>
             </a:lvl5pPr>
-            <a:lvl6pPr indent="-354329" lvl="5" marL="2743200" algn="l">
+            <a:lvl6pPr marL="2743200" lvl="5" indent="-354329" algn="l">
               <a:lnSpc>
                 <a:spcPct val="100000"/>
               </a:lnSpc>
@@ -5570,7 +5681,7 @@
               <a:buChar char="⚫"/>
               <a:defRPr sz="1800"/>
             </a:lvl6pPr>
-            <a:lvl7pPr indent="-354329" lvl="6" marL="3200400" algn="l">
+            <a:lvl7pPr marL="3200400" lvl="6" indent="-354329" algn="l">
               <a:lnSpc>
                 <a:spcPct val="100000"/>
               </a:lnSpc>
@@ -5584,7 +5695,7 @@
               <a:buChar char="⚫"/>
               <a:defRPr sz="1800"/>
             </a:lvl7pPr>
-            <a:lvl8pPr indent="-354329" lvl="7" marL="3657600" algn="l">
+            <a:lvl8pPr marL="3657600" lvl="7" indent="-354329" algn="l">
               <a:lnSpc>
                 <a:spcPct val="100000"/>
               </a:lnSpc>
@@ -5598,7 +5709,7 @@
               <a:buChar char="⚫"/>
               <a:defRPr sz="1800"/>
             </a:lvl8pPr>
-            <a:lvl9pPr indent="-354329" lvl="8" marL="4114800" algn="l">
+            <a:lvl9pPr marL="4114800" lvl="8" indent="-354329" algn="l">
               <a:lnSpc>
                 <a:spcPct val="100000"/>
               </a:lnSpc>
@@ -5613,15 +5724,19 @@
               <a:defRPr sz="1800"/>
             </a:lvl9pPr>
           </a:lstStyle>
-          <a:p/>
+          <a:p>
+            <a:endParaRPr/>
+          </a:p>
         </p:txBody>
       </p:sp>
       <p:sp>
         <p:nvSpPr>
           <p:cNvPr id="29" name="Google Shape;29;p6"/>
-          <p:cNvSpPr txBox="1"/>
+          <p:cNvSpPr txBox="1">
+            <a:spLocks noGrp="1"/>
+          </p:cNvSpPr>
           <p:nvPr>
-            <p:ph idx="2" type="body"/>
+            <p:ph type="body" idx="2"/>
           </p:nvPr>
         </p:nvSpPr>
         <p:spPr>
@@ -5638,9 +5753,9 @@
           </a:ln>
         </p:spPr>
         <p:txBody>
-          <a:bodyPr anchorCtr="0" anchor="t" bIns="45700" lIns="91425" spcFirstLastPara="1" rIns="91425" wrap="square" tIns="45700"/>
+          <a:bodyPr spcFirstLastPara="1" wrap="square" lIns="91425" tIns="45700" rIns="91425" bIns="45700" anchor="t" anchorCtr="0"/>
           <a:lstStyle>
-            <a:lvl1pPr indent="-368300" lvl="0" marL="457200" algn="l">
+            <a:lvl1pPr marL="457200" lvl="0" indent="-368300" algn="l">
               <a:lnSpc>
                 <a:spcPct val="100000"/>
               </a:lnSpc>
@@ -5654,7 +5769,7 @@
               <a:buChar char="⚫"/>
               <a:defRPr sz="2000"/>
             </a:lvl1pPr>
-            <a:lvl2pPr indent="-354330" lvl="1" marL="914400" algn="l">
+            <a:lvl2pPr marL="914400" lvl="1" indent="-354330" algn="l">
               <a:lnSpc>
                 <a:spcPct val="100000"/>
               </a:lnSpc>
@@ -5668,7 +5783,7 @@
               <a:buChar char="⚫"/>
               <a:defRPr sz="1800"/>
             </a:lvl2pPr>
-            <a:lvl3pPr indent="-354330" lvl="2" marL="1371600" algn="l">
+            <a:lvl3pPr marL="1371600" lvl="2" indent="-354330" algn="l">
               <a:lnSpc>
                 <a:spcPct val="100000"/>
               </a:lnSpc>
@@ -5682,7 +5797,7 @@
               <a:buChar char="⚫"/>
               <a:defRPr sz="1800"/>
             </a:lvl3pPr>
-            <a:lvl4pPr indent="-354330" lvl="3" marL="1828800" algn="l">
+            <a:lvl4pPr marL="1828800" lvl="3" indent="-354330" algn="l">
               <a:lnSpc>
                 <a:spcPct val="100000"/>
               </a:lnSpc>
@@ -5696,7 +5811,7 @@
               <a:buChar char="⚫"/>
               <a:defRPr sz="1800"/>
             </a:lvl4pPr>
-            <a:lvl5pPr indent="-354329" lvl="4" marL="2286000" algn="l">
+            <a:lvl5pPr marL="2286000" lvl="4" indent="-354329" algn="l">
               <a:lnSpc>
                 <a:spcPct val="100000"/>
               </a:lnSpc>
@@ -5710,7 +5825,7 @@
               <a:buChar char="⚫"/>
               <a:defRPr sz="1800"/>
             </a:lvl5pPr>
-            <a:lvl6pPr indent="-354329" lvl="5" marL="2743200" algn="l">
+            <a:lvl6pPr marL="2743200" lvl="5" indent="-354329" algn="l">
               <a:lnSpc>
                 <a:spcPct val="100000"/>
               </a:lnSpc>
@@ -5724,7 +5839,7 @@
               <a:buChar char="⚫"/>
               <a:defRPr sz="1800"/>
             </a:lvl6pPr>
-            <a:lvl7pPr indent="-354329" lvl="6" marL="3200400" algn="l">
+            <a:lvl7pPr marL="3200400" lvl="6" indent="-354329" algn="l">
               <a:lnSpc>
                 <a:spcPct val="100000"/>
               </a:lnSpc>
@@ -5738,7 +5853,7 @@
               <a:buChar char="⚫"/>
               <a:defRPr sz="1800"/>
             </a:lvl7pPr>
-            <a:lvl8pPr indent="-354329" lvl="7" marL="3657600" algn="l">
+            <a:lvl8pPr marL="3657600" lvl="7" indent="-354329" algn="l">
               <a:lnSpc>
                 <a:spcPct val="100000"/>
               </a:lnSpc>
@@ -5752,7 +5867,7 @@
               <a:buChar char="⚫"/>
               <a:defRPr sz="1800"/>
             </a:lvl8pPr>
-            <a:lvl9pPr indent="-354329" lvl="8" marL="4114800" algn="l">
+            <a:lvl9pPr marL="4114800" lvl="8" indent="-354329" algn="l">
               <a:lnSpc>
                 <a:spcPct val="100000"/>
               </a:lnSpc>
@@ -5767,7 +5882,9 @@
               <a:defRPr sz="1800"/>
             </a:lvl9pPr>
           </a:lstStyle>
-          <a:p/>
+          <a:p>
+            <a:endParaRPr/>
+          </a:p>
         </p:txBody>
       </p:sp>
     </p:spTree>
@@ -5779,11 +5896,11 @@
 </file>
 
 <file path=ppt/slideLayouts/slideLayout6.xml><?xml version="1.0" encoding="utf-8"?>
-<p:sldLayout xmlns:a="http://schemas.openxmlformats.org/drawingml/2006/main" xmlns:r="http://schemas.openxmlformats.org/officeDocument/2006/relationships" xmlns:mc="http://schemas.openxmlformats.org/markup-compatibility/2006" xmlns:mv="urn:schemas-microsoft-com:mac:vml" xmlns:p="http://schemas.openxmlformats.org/presentationml/2006/main" xmlns:c="http://schemas.openxmlformats.org/drawingml/2006/chart" xmlns:dgm="http://schemas.openxmlformats.org/drawingml/2006/diagram" xmlns:o="urn:schemas-microsoft-com:office:office" xmlns:v="urn:schemas-microsoft-com:vml" xmlns:pvml="urn:schemas-microsoft-com:office:powerpoint" xmlns:com="http://schemas.openxmlformats.org/drawingml/2006/compatibility" xmlns:p14="http://schemas.microsoft.com/office/powerpoint/2010/main" xmlns:p15="http://schemas.microsoft.com/office/powerpoint/2012/main" matchingName="Comparison" type="twoTxTwoObj">
+<p:sldLayout xmlns:a="http://schemas.openxmlformats.org/drawingml/2006/main" xmlns:r="http://schemas.openxmlformats.org/officeDocument/2006/relationships" xmlns:p="http://schemas.openxmlformats.org/presentationml/2006/main" matchingName="Comparison" type="twoTxTwoObj">
   <p:cSld name="TWO_OBJECTS_WITH_TEXT">
     <p:spTree>
       <p:nvGrpSpPr>
-        <p:cNvPr id="30" name="Shape 30"/>
+        <p:cNvPr id="1" name="Shape 30"/>
         <p:cNvGrpSpPr/>
         <p:nvPr/>
       </p:nvGrpSpPr>
@@ -5798,7 +5915,9 @@
       <p:sp>
         <p:nvSpPr>
           <p:cNvPr id="31" name="Google Shape;31;p7"/>
-          <p:cNvSpPr txBox="1"/>
+          <p:cNvSpPr txBox="1">
+            <a:spLocks noGrp="1"/>
+          </p:cNvSpPr>
           <p:nvPr>
             <p:ph type="title"/>
           </p:nvPr>
@@ -5817,7 +5936,7 @@
           </a:ln>
         </p:spPr>
         <p:txBody>
-          <a:bodyPr anchorCtr="0" anchor="b" bIns="45700" lIns="91425" spcFirstLastPara="1" rIns="91425" wrap="square" tIns="45700"/>
+          <a:bodyPr spcFirstLastPara="1" wrap="square" lIns="91425" tIns="45700" rIns="91425" bIns="45700" anchor="b" anchorCtr="0"/>
           <a:lstStyle>
             <a:lvl1pPr lvl="0" algn="ctr">
               <a:lnSpc>
@@ -5946,15 +6065,19 @@
               <a:defRPr/>
             </a:lvl9pPr>
           </a:lstStyle>
-          <a:p/>
+          <a:p>
+            <a:endParaRPr/>
+          </a:p>
         </p:txBody>
       </p:sp>
       <p:sp>
         <p:nvSpPr>
           <p:cNvPr id="32" name="Google Shape;32;p7"/>
-          <p:cNvSpPr txBox="1"/>
+          <p:cNvSpPr txBox="1">
+            <a:spLocks noGrp="1"/>
+          </p:cNvSpPr>
           <p:nvPr>
-            <p:ph idx="1" type="body"/>
+            <p:ph type="body" idx="1"/>
           </p:nvPr>
         </p:nvSpPr>
         <p:spPr>
@@ -5971,9 +6094,9 @@
           </a:ln>
         </p:spPr>
         <p:txBody>
-          <a:bodyPr anchorCtr="0" anchor="b" bIns="45700" lIns="91425" spcFirstLastPara="1" rIns="91425" wrap="square" tIns="45700"/>
+          <a:bodyPr spcFirstLastPara="1" wrap="square" lIns="91425" tIns="45700" rIns="91425" bIns="45700" anchor="b" anchorCtr="0"/>
           <a:lstStyle>
-            <a:lvl1pPr indent="-228600" lvl="0" marL="457200" algn="ctr">
+            <a:lvl1pPr marL="457200" lvl="0" indent="-228600" algn="ctr">
               <a:lnSpc>
                 <a:spcPct val="100000"/>
               </a:lnSpc>
@@ -5985,13 +6108,13 @@
               </a:spcAft>
               <a:buSzPts val="2640"/>
               <a:buNone/>
-              <a:defRPr b="0" sz="2400">
+              <a:defRPr sz="2400" b="0">
                 <a:solidFill>
                   <a:srgbClr val="B86EB8"/>
                 </a:solidFill>
               </a:defRPr>
             </a:lvl1pPr>
-            <a:lvl2pPr indent="-228600" lvl="1" marL="914400" algn="l">
+            <a:lvl2pPr marL="914400" lvl="1" indent="-228600" algn="l">
               <a:lnSpc>
                 <a:spcPct val="100000"/>
               </a:lnSpc>
@@ -6003,9 +6126,9 @@
               </a:spcAft>
               <a:buSzPts val="2200"/>
               <a:buNone/>
-              <a:defRPr b="1" sz="2000"/>
+              <a:defRPr sz="2000" b="1"/>
             </a:lvl2pPr>
-            <a:lvl3pPr indent="-228600" lvl="2" marL="1371600" algn="l">
+            <a:lvl3pPr marL="1371600" lvl="2" indent="-228600" algn="l">
               <a:lnSpc>
                 <a:spcPct val="100000"/>
               </a:lnSpc>
@@ -6017,9 +6140,9 @@
               </a:spcAft>
               <a:buSzPts val="1980"/>
               <a:buNone/>
-              <a:defRPr b="1" sz="1800"/>
+              <a:defRPr sz="1800" b="1"/>
             </a:lvl3pPr>
-            <a:lvl4pPr indent="-228600" lvl="3" marL="1828800" algn="l">
+            <a:lvl4pPr marL="1828800" lvl="3" indent="-228600" algn="l">
               <a:lnSpc>
                 <a:spcPct val="100000"/>
               </a:lnSpc>
@@ -6031,9 +6154,9 @@
               </a:spcAft>
               <a:buSzPts val="1760"/>
               <a:buNone/>
-              <a:defRPr b="1" sz="1600"/>
+              <a:defRPr sz="1600" b="1"/>
             </a:lvl4pPr>
-            <a:lvl5pPr indent="-228600" lvl="4" marL="2286000" algn="l">
+            <a:lvl5pPr marL="2286000" lvl="4" indent="-228600" algn="l">
               <a:lnSpc>
                 <a:spcPct val="100000"/>
               </a:lnSpc>
@@ -6045,9 +6168,9 @@
               </a:spcAft>
               <a:buSzPts val="1760"/>
               <a:buNone/>
-              <a:defRPr b="1" sz="1600"/>
+              <a:defRPr sz="1600" b="1"/>
             </a:lvl5pPr>
-            <a:lvl6pPr indent="-228600" lvl="5" marL="2743200" algn="l">
+            <a:lvl6pPr marL="2743200" lvl="5" indent="-228600" algn="l">
               <a:lnSpc>
                 <a:spcPct val="100000"/>
               </a:lnSpc>
@@ -6059,9 +6182,9 @@
               </a:spcAft>
               <a:buSzPts val="1760"/>
               <a:buNone/>
-              <a:defRPr b="1" sz="1600"/>
+              <a:defRPr sz="1600" b="1"/>
             </a:lvl6pPr>
-            <a:lvl7pPr indent="-228600" lvl="6" marL="3200400" algn="l">
+            <a:lvl7pPr marL="3200400" lvl="6" indent="-228600" algn="l">
               <a:lnSpc>
                 <a:spcPct val="100000"/>
               </a:lnSpc>
@@ -6073,9 +6196,9 @@
               </a:spcAft>
               <a:buSzPts val="1760"/>
               <a:buNone/>
-              <a:defRPr b="1" sz="1600"/>
+              <a:defRPr sz="1600" b="1"/>
             </a:lvl7pPr>
-            <a:lvl8pPr indent="-228600" lvl="7" marL="3657600" algn="l">
+            <a:lvl8pPr marL="3657600" lvl="7" indent="-228600" algn="l">
               <a:lnSpc>
                 <a:spcPct val="100000"/>
               </a:lnSpc>
@@ -6087,9 +6210,9 @@
               </a:spcAft>
               <a:buSzPts val="1760"/>
               <a:buNone/>
-              <a:defRPr b="1" sz="1600"/>
+              <a:defRPr sz="1600" b="1"/>
             </a:lvl8pPr>
-            <a:lvl9pPr indent="-228600" lvl="8" marL="4114800" algn="l">
+            <a:lvl9pPr marL="4114800" lvl="8" indent="-228600" algn="l">
               <a:lnSpc>
                 <a:spcPct val="100000"/>
               </a:lnSpc>
@@ -6101,18 +6224,22 @@
               </a:spcAft>
               <a:buSzPts val="1760"/>
               <a:buNone/>
-              <a:defRPr b="1" sz="1600"/>
+              <a:defRPr sz="1600" b="1"/>
             </a:lvl9pPr>
           </a:lstStyle>
-          <a:p/>
+          <a:p>
+            <a:endParaRPr/>
+          </a:p>
         </p:txBody>
       </p:sp>
       <p:sp>
         <p:nvSpPr>
           <p:cNvPr id="33" name="Google Shape;33;p7"/>
-          <p:cNvSpPr txBox="1"/>
+          <p:cNvSpPr txBox="1">
+            <a:spLocks noGrp="1"/>
+          </p:cNvSpPr>
           <p:nvPr>
-            <p:ph idx="2" type="body"/>
+            <p:ph type="body" idx="2"/>
           </p:nvPr>
         </p:nvSpPr>
         <p:spPr>
@@ -6129,9 +6256,9 @@
           </a:ln>
         </p:spPr>
         <p:txBody>
-          <a:bodyPr anchorCtr="0" anchor="t" bIns="45700" lIns="91425" spcFirstLastPara="1" rIns="91425" wrap="square" tIns="45700"/>
+          <a:bodyPr spcFirstLastPara="1" wrap="square" lIns="91425" tIns="45700" rIns="91425" bIns="45700" anchor="t" anchorCtr="0"/>
           <a:lstStyle>
-            <a:lvl1pPr indent="-368300" lvl="0" marL="457200" algn="l">
+            <a:lvl1pPr marL="457200" lvl="0" indent="-368300" algn="l">
               <a:lnSpc>
                 <a:spcPct val="100000"/>
               </a:lnSpc>
@@ -6145,7 +6272,7 @@
               <a:buChar char="⚫"/>
               <a:defRPr sz="2000"/>
             </a:lvl1pPr>
-            <a:lvl2pPr indent="-354330" lvl="1" marL="914400" algn="l">
+            <a:lvl2pPr marL="914400" lvl="1" indent="-354330" algn="l">
               <a:lnSpc>
                 <a:spcPct val="100000"/>
               </a:lnSpc>
@@ -6159,7 +6286,7 @@
               <a:buChar char="⚫"/>
               <a:defRPr sz="1800"/>
             </a:lvl2pPr>
-            <a:lvl3pPr indent="-354330" lvl="2" marL="1371600" algn="l">
+            <a:lvl3pPr marL="1371600" lvl="2" indent="-354330" algn="l">
               <a:lnSpc>
                 <a:spcPct val="100000"/>
               </a:lnSpc>
@@ -6173,7 +6300,7 @@
               <a:buChar char="⚫"/>
               <a:defRPr sz="1800"/>
             </a:lvl3pPr>
-            <a:lvl4pPr indent="-354330" lvl="3" marL="1828800" algn="l">
+            <a:lvl4pPr marL="1828800" lvl="3" indent="-354330" algn="l">
               <a:lnSpc>
                 <a:spcPct val="100000"/>
               </a:lnSpc>
@@ -6187,7 +6314,7 @@
               <a:buChar char="⚫"/>
               <a:defRPr sz="1800"/>
             </a:lvl4pPr>
-            <a:lvl5pPr indent="-354329" lvl="4" marL="2286000" algn="l">
+            <a:lvl5pPr marL="2286000" lvl="4" indent="-354329" algn="l">
               <a:lnSpc>
                 <a:spcPct val="100000"/>
               </a:lnSpc>
@@ -6201,7 +6328,7 @@
               <a:buChar char="⚫"/>
               <a:defRPr sz="1800"/>
             </a:lvl5pPr>
-            <a:lvl6pPr indent="-340360" lvl="5" marL="2743200" algn="l">
+            <a:lvl6pPr marL="2743200" lvl="5" indent="-340360" algn="l">
               <a:lnSpc>
                 <a:spcPct val="100000"/>
               </a:lnSpc>
@@ -6215,7 +6342,7 @@
               <a:buChar char="⚫"/>
               <a:defRPr sz="1600"/>
             </a:lvl6pPr>
-            <a:lvl7pPr indent="-340360" lvl="6" marL="3200400" algn="l">
+            <a:lvl7pPr marL="3200400" lvl="6" indent="-340360" algn="l">
               <a:lnSpc>
                 <a:spcPct val="100000"/>
               </a:lnSpc>
@@ -6229,7 +6356,7 @@
               <a:buChar char="⚫"/>
               <a:defRPr sz="1600"/>
             </a:lvl7pPr>
-            <a:lvl8pPr indent="-340359" lvl="7" marL="3657600" algn="l">
+            <a:lvl8pPr marL="3657600" lvl="7" indent="-340359" algn="l">
               <a:lnSpc>
                 <a:spcPct val="100000"/>
               </a:lnSpc>
@@ -6243,7 +6370,7 @@
               <a:buChar char="⚫"/>
               <a:defRPr sz="1600"/>
             </a:lvl8pPr>
-            <a:lvl9pPr indent="-340359" lvl="8" marL="4114800" algn="l">
+            <a:lvl9pPr marL="4114800" lvl="8" indent="-340359" algn="l">
               <a:lnSpc>
                 <a:spcPct val="100000"/>
               </a:lnSpc>
@@ -6258,15 +6385,19 @@
               <a:defRPr sz="1600"/>
             </a:lvl9pPr>
           </a:lstStyle>
-          <a:p/>
+          <a:p>
+            <a:endParaRPr/>
+          </a:p>
         </p:txBody>
       </p:sp>
       <p:sp>
         <p:nvSpPr>
           <p:cNvPr id="34" name="Google Shape;34;p7"/>
-          <p:cNvSpPr txBox="1"/>
+          <p:cNvSpPr txBox="1">
+            <a:spLocks noGrp="1"/>
+          </p:cNvSpPr>
           <p:nvPr>
-            <p:ph idx="3" type="body"/>
+            <p:ph type="body" idx="3"/>
           </p:nvPr>
         </p:nvSpPr>
         <p:spPr>
@@ -6283,9 +6414,9 @@
           </a:ln>
         </p:spPr>
         <p:txBody>
-          <a:bodyPr anchorCtr="0" anchor="b" bIns="45700" lIns="91425" spcFirstLastPara="1" rIns="91425" wrap="square" tIns="45700"/>
+          <a:bodyPr spcFirstLastPara="1" wrap="square" lIns="91425" tIns="45700" rIns="91425" bIns="45700" anchor="b" anchorCtr="0"/>
           <a:lstStyle>
-            <a:lvl1pPr indent="-228600" lvl="0" marL="457200" algn="ctr">
+            <a:lvl1pPr marL="457200" lvl="0" indent="-228600" algn="ctr">
               <a:lnSpc>
                 <a:spcPct val="100000"/>
               </a:lnSpc>
@@ -6297,13 +6428,13 @@
               </a:spcAft>
               <a:buSzPts val="2640"/>
               <a:buNone/>
-              <a:defRPr b="0" sz="2400">
+              <a:defRPr sz="2400" b="0">
                 <a:solidFill>
                   <a:srgbClr val="B86EB8"/>
                 </a:solidFill>
               </a:defRPr>
             </a:lvl1pPr>
-            <a:lvl2pPr indent="-228600" lvl="1" marL="914400" algn="l">
+            <a:lvl2pPr marL="914400" lvl="1" indent="-228600" algn="l">
               <a:lnSpc>
                 <a:spcPct val="100000"/>
               </a:lnSpc>
@@ -6315,9 +6446,9 @@
               </a:spcAft>
               <a:buSzPts val="2200"/>
               <a:buNone/>
-              <a:defRPr b="1" sz="2000"/>
+              <a:defRPr sz="2000" b="1"/>
             </a:lvl2pPr>
-            <a:lvl3pPr indent="-228600" lvl="2" marL="1371600" algn="l">
+            <a:lvl3pPr marL="1371600" lvl="2" indent="-228600" algn="l">
               <a:lnSpc>
                 <a:spcPct val="100000"/>
               </a:lnSpc>
@@ -6329,9 +6460,9 @@
               </a:spcAft>
               <a:buSzPts val="1980"/>
               <a:buNone/>
-              <a:defRPr b="1" sz="1800"/>
+              <a:defRPr sz="1800" b="1"/>
             </a:lvl3pPr>
-            <a:lvl4pPr indent="-228600" lvl="3" marL="1828800" algn="l">
+            <a:lvl4pPr marL="1828800" lvl="3" indent="-228600" algn="l">
               <a:lnSpc>
                 <a:spcPct val="100000"/>
               </a:lnSpc>
@@ -6343,9 +6474,9 @@
               </a:spcAft>
               <a:buSzPts val="1760"/>
               <a:buNone/>
-              <a:defRPr b="1" sz="1600"/>
+              <a:defRPr sz="1600" b="1"/>
             </a:lvl4pPr>
-            <a:lvl5pPr indent="-228600" lvl="4" marL="2286000" algn="l">
+            <a:lvl5pPr marL="2286000" lvl="4" indent="-228600" algn="l">
               <a:lnSpc>
                 <a:spcPct val="100000"/>
               </a:lnSpc>
@@ -6357,9 +6488,9 @@
               </a:spcAft>
               <a:buSzPts val="1760"/>
               <a:buNone/>
-              <a:defRPr b="1" sz="1600"/>
+              <a:defRPr sz="1600" b="1"/>
             </a:lvl5pPr>
-            <a:lvl6pPr indent="-228600" lvl="5" marL="2743200" algn="l">
+            <a:lvl6pPr marL="2743200" lvl="5" indent="-228600" algn="l">
               <a:lnSpc>
                 <a:spcPct val="100000"/>
               </a:lnSpc>
@@ -6371,9 +6502,9 @@
               </a:spcAft>
               <a:buSzPts val="1760"/>
               <a:buNone/>
-              <a:defRPr b="1" sz="1600"/>
+              <a:defRPr sz="1600" b="1"/>
             </a:lvl6pPr>
-            <a:lvl7pPr indent="-228600" lvl="6" marL="3200400" algn="l">
+            <a:lvl7pPr marL="3200400" lvl="6" indent="-228600" algn="l">
               <a:lnSpc>
                 <a:spcPct val="100000"/>
               </a:lnSpc>
@@ -6385,9 +6516,9 @@
               </a:spcAft>
               <a:buSzPts val="1760"/>
               <a:buNone/>
-              <a:defRPr b="1" sz="1600"/>
+              <a:defRPr sz="1600" b="1"/>
             </a:lvl7pPr>
-            <a:lvl8pPr indent="-228600" lvl="7" marL="3657600" algn="l">
+            <a:lvl8pPr marL="3657600" lvl="7" indent="-228600" algn="l">
               <a:lnSpc>
                 <a:spcPct val="100000"/>
               </a:lnSpc>
@@ -6399,9 +6530,9 @@
               </a:spcAft>
               <a:buSzPts val="1760"/>
               <a:buNone/>
-              <a:defRPr b="1" sz="1600"/>
+              <a:defRPr sz="1600" b="1"/>
             </a:lvl8pPr>
-            <a:lvl9pPr indent="-228600" lvl="8" marL="4114800" algn="l">
+            <a:lvl9pPr marL="4114800" lvl="8" indent="-228600" algn="l">
               <a:lnSpc>
                 <a:spcPct val="100000"/>
               </a:lnSpc>
@@ -6413,18 +6544,22 @@
               </a:spcAft>
               <a:buSzPts val="1760"/>
               <a:buNone/>
-              <a:defRPr b="1" sz="1600"/>
+              <a:defRPr sz="1600" b="1"/>
             </a:lvl9pPr>
           </a:lstStyle>
-          <a:p/>
+          <a:p>
+            <a:endParaRPr/>
+          </a:p>
         </p:txBody>
       </p:sp>
       <p:sp>
         <p:nvSpPr>
           <p:cNvPr id="35" name="Google Shape;35;p7"/>
-          <p:cNvSpPr txBox="1"/>
+          <p:cNvSpPr txBox="1">
+            <a:spLocks noGrp="1"/>
+          </p:cNvSpPr>
           <p:nvPr>
-            <p:ph idx="4" type="body"/>
+            <p:ph type="body" idx="4"/>
           </p:nvPr>
         </p:nvSpPr>
         <p:spPr>
@@ -6441,9 +6576,9 @@
           </a:ln>
         </p:spPr>
         <p:txBody>
-          <a:bodyPr anchorCtr="0" anchor="t" bIns="45700" lIns="91425" spcFirstLastPara="1" rIns="91425" wrap="square" tIns="45700"/>
+          <a:bodyPr spcFirstLastPara="1" wrap="square" lIns="91425" tIns="45700" rIns="91425" bIns="45700" anchor="t" anchorCtr="0"/>
           <a:lstStyle>
-            <a:lvl1pPr indent="-368300" lvl="0" marL="457200" algn="l">
+            <a:lvl1pPr marL="457200" lvl="0" indent="-368300" algn="l">
               <a:lnSpc>
                 <a:spcPct val="100000"/>
               </a:lnSpc>
@@ -6457,7 +6592,7 @@
               <a:buChar char="⚫"/>
               <a:defRPr sz="2000"/>
             </a:lvl1pPr>
-            <a:lvl2pPr indent="-354330" lvl="1" marL="914400" algn="l">
+            <a:lvl2pPr marL="914400" lvl="1" indent="-354330" algn="l">
               <a:lnSpc>
                 <a:spcPct val="100000"/>
               </a:lnSpc>
@@ -6471,7 +6606,7 @@
               <a:buChar char="⚫"/>
               <a:defRPr sz="1800"/>
             </a:lvl2pPr>
-            <a:lvl3pPr indent="-354330" lvl="2" marL="1371600" algn="l">
+            <a:lvl3pPr marL="1371600" lvl="2" indent="-354330" algn="l">
               <a:lnSpc>
                 <a:spcPct val="100000"/>
               </a:lnSpc>
@@ -6485,7 +6620,7 @@
               <a:buChar char="⚫"/>
               <a:defRPr sz="1800"/>
             </a:lvl3pPr>
-            <a:lvl4pPr indent="-354330" lvl="3" marL="1828800" algn="l">
+            <a:lvl4pPr marL="1828800" lvl="3" indent="-354330" algn="l">
               <a:lnSpc>
                 <a:spcPct val="100000"/>
               </a:lnSpc>
@@ -6499,7 +6634,7 @@
               <a:buChar char="⚫"/>
               <a:defRPr sz="1800"/>
             </a:lvl4pPr>
-            <a:lvl5pPr indent="-354329" lvl="4" marL="2286000" algn="l">
+            <a:lvl5pPr marL="2286000" lvl="4" indent="-354329" algn="l">
               <a:lnSpc>
                 <a:spcPct val="100000"/>
               </a:lnSpc>
@@ -6513,7 +6648,7 @@
               <a:buChar char="⚫"/>
               <a:defRPr sz="1800"/>
             </a:lvl5pPr>
-            <a:lvl6pPr indent="-340360" lvl="5" marL="2743200" algn="l">
+            <a:lvl6pPr marL="2743200" lvl="5" indent="-340360" algn="l">
               <a:lnSpc>
                 <a:spcPct val="100000"/>
               </a:lnSpc>
@@ -6527,7 +6662,7 @@
               <a:buChar char="⚫"/>
               <a:defRPr sz="1600"/>
             </a:lvl6pPr>
-            <a:lvl7pPr indent="-340360" lvl="6" marL="3200400" algn="l">
+            <a:lvl7pPr marL="3200400" lvl="6" indent="-340360" algn="l">
               <a:lnSpc>
                 <a:spcPct val="100000"/>
               </a:lnSpc>
@@ -6541,7 +6676,7 @@
               <a:buChar char="⚫"/>
               <a:defRPr sz="1600"/>
             </a:lvl7pPr>
-            <a:lvl8pPr indent="-340359" lvl="7" marL="3657600" algn="l">
+            <a:lvl8pPr marL="3657600" lvl="7" indent="-340359" algn="l">
               <a:lnSpc>
                 <a:spcPct val="100000"/>
               </a:lnSpc>
@@ -6555,7 +6690,7 @@
               <a:buChar char="⚫"/>
               <a:defRPr sz="1600"/>
             </a:lvl8pPr>
-            <a:lvl9pPr indent="-340359" lvl="8" marL="4114800" algn="l">
+            <a:lvl9pPr marL="4114800" lvl="8" indent="-340359" algn="l">
               <a:lnSpc>
                 <a:spcPct val="100000"/>
               </a:lnSpc>
@@ -6570,7 +6705,9 @@
               <a:defRPr sz="1600"/>
             </a:lvl9pPr>
           </a:lstStyle>
-          <a:p/>
+          <a:p>
+            <a:endParaRPr/>
+          </a:p>
         </p:txBody>
       </p:sp>
     </p:spTree>
@@ -6582,11 +6719,11 @@
 </file>
 
 <file path=ppt/slideLayouts/slideLayout7.xml><?xml version="1.0" encoding="utf-8"?>
-<p:sldLayout xmlns:a="http://schemas.openxmlformats.org/drawingml/2006/main" xmlns:r="http://schemas.openxmlformats.org/officeDocument/2006/relationships" xmlns:mc="http://schemas.openxmlformats.org/markup-compatibility/2006" xmlns:mv="urn:schemas-microsoft-com:mac:vml" xmlns:p="http://schemas.openxmlformats.org/presentationml/2006/main" xmlns:c="http://schemas.openxmlformats.org/drawingml/2006/chart" xmlns:dgm="http://schemas.openxmlformats.org/drawingml/2006/diagram" xmlns:o="urn:schemas-microsoft-com:office:office" xmlns:v="urn:schemas-microsoft-com:vml" xmlns:pvml="urn:schemas-microsoft-com:office:powerpoint" xmlns:com="http://schemas.openxmlformats.org/drawingml/2006/compatibility" xmlns:p14="http://schemas.microsoft.com/office/powerpoint/2010/main" xmlns:p15="http://schemas.microsoft.com/office/powerpoint/2012/main" matchingName="Title Only" type="titleOnly">
+<p:sldLayout xmlns:a="http://schemas.openxmlformats.org/drawingml/2006/main" xmlns:r="http://schemas.openxmlformats.org/officeDocument/2006/relationships" xmlns:p="http://schemas.openxmlformats.org/presentationml/2006/main" matchingName="Title Only" type="titleOnly">
   <p:cSld name="TITLE_ONLY">
     <p:spTree>
       <p:nvGrpSpPr>
-        <p:cNvPr id="36" name="Shape 36"/>
+        <p:cNvPr id="1" name="Shape 36"/>
         <p:cNvGrpSpPr/>
         <p:nvPr/>
       </p:nvGrpSpPr>
@@ -6601,7 +6738,9 @@
       <p:sp>
         <p:nvSpPr>
           <p:cNvPr id="37" name="Google Shape;37;p8"/>
-          <p:cNvSpPr txBox="1"/>
+          <p:cNvSpPr txBox="1">
+            <a:spLocks noGrp="1"/>
+          </p:cNvSpPr>
           <p:nvPr>
             <p:ph type="title"/>
           </p:nvPr>
@@ -6620,7 +6759,7 @@
           </a:ln>
         </p:spPr>
         <p:txBody>
-          <a:bodyPr anchorCtr="0" anchor="b" bIns="45700" lIns="91425" spcFirstLastPara="1" rIns="91425" wrap="square" tIns="45700"/>
+          <a:bodyPr spcFirstLastPara="1" wrap="square" lIns="91425" tIns="45700" rIns="91425" bIns="45700" anchor="b" anchorCtr="0"/>
           <a:lstStyle>
             <a:lvl1pPr lvl="0" algn="ctr">
               <a:lnSpc>
@@ -6749,7 +6888,9 @@
               <a:defRPr/>
             </a:lvl9pPr>
           </a:lstStyle>
-          <a:p/>
+          <a:p>
+            <a:endParaRPr/>
+          </a:p>
         </p:txBody>
       </p:sp>
     </p:spTree>
@@ -6761,11 +6902,11 @@
 </file>
 
 <file path=ppt/slideLayouts/slideLayout8.xml><?xml version="1.0" encoding="utf-8"?>
-<p:sldLayout xmlns:a="http://schemas.openxmlformats.org/drawingml/2006/main" xmlns:r="http://schemas.openxmlformats.org/officeDocument/2006/relationships" xmlns:mc="http://schemas.openxmlformats.org/markup-compatibility/2006" xmlns:mv="urn:schemas-microsoft-com:mac:vml" xmlns:p="http://schemas.openxmlformats.org/presentationml/2006/main" xmlns:c="http://schemas.openxmlformats.org/drawingml/2006/chart" xmlns:dgm="http://schemas.openxmlformats.org/drawingml/2006/diagram" xmlns:o="urn:schemas-microsoft-com:office:office" xmlns:v="urn:schemas-microsoft-com:vml" xmlns:pvml="urn:schemas-microsoft-com:office:powerpoint" xmlns:com="http://schemas.openxmlformats.org/drawingml/2006/compatibility" xmlns:p14="http://schemas.microsoft.com/office/powerpoint/2010/main" xmlns:p15="http://schemas.microsoft.com/office/powerpoint/2012/main" matchingName="Blank" type="blank">
+<p:sldLayout xmlns:a="http://schemas.openxmlformats.org/drawingml/2006/main" xmlns:r="http://schemas.openxmlformats.org/officeDocument/2006/relationships" xmlns:p="http://schemas.openxmlformats.org/presentationml/2006/main" matchingName="Blank" type="blank">
   <p:cSld name="BLANK">
     <p:spTree>
       <p:nvGrpSpPr>
-        <p:cNvPr id="38" name="Shape 38"/>
+        <p:cNvPr id="1" name="Shape 38"/>
         <p:cNvGrpSpPr/>
         <p:nvPr/>
       </p:nvGrpSpPr>
@@ -6786,11 +6927,11 @@
 </file>
 
 <file path=ppt/slideLayouts/slideLayout9.xml><?xml version="1.0" encoding="utf-8"?>
-<p:sldLayout xmlns:a="http://schemas.openxmlformats.org/drawingml/2006/main" xmlns:r="http://schemas.openxmlformats.org/officeDocument/2006/relationships" xmlns:mc="http://schemas.openxmlformats.org/markup-compatibility/2006" xmlns:mv="urn:schemas-microsoft-com:mac:vml" xmlns:p="http://schemas.openxmlformats.org/presentationml/2006/main" xmlns:c="http://schemas.openxmlformats.org/drawingml/2006/chart" xmlns:dgm="http://schemas.openxmlformats.org/drawingml/2006/diagram" xmlns:o="urn:schemas-microsoft-com:office:office" xmlns:v="urn:schemas-microsoft-com:vml" xmlns:pvml="urn:schemas-microsoft-com:office:powerpoint" xmlns:com="http://schemas.openxmlformats.org/drawingml/2006/compatibility" xmlns:p14="http://schemas.microsoft.com/office/powerpoint/2010/main" xmlns:p15="http://schemas.microsoft.com/office/powerpoint/2012/main" matchingName="Content with Caption" type="objTx">
+<p:sldLayout xmlns:a="http://schemas.openxmlformats.org/drawingml/2006/main" xmlns:r="http://schemas.openxmlformats.org/officeDocument/2006/relationships" xmlns:p="http://schemas.openxmlformats.org/presentationml/2006/main" matchingName="Content with Caption" type="objTx">
   <p:cSld name="OBJECT_WITH_CAPTION_TEXT">
     <p:spTree>
       <p:nvGrpSpPr>
-        <p:cNvPr id="39" name="Shape 39"/>
+        <p:cNvPr id="1" name="Shape 39"/>
         <p:cNvGrpSpPr/>
         <p:nvPr/>
       </p:nvGrpSpPr>
@@ -6805,7 +6946,9 @@
       <p:sp>
         <p:nvSpPr>
           <p:cNvPr id="40" name="Google Shape;40;p10"/>
-          <p:cNvSpPr txBox="1"/>
+          <p:cNvSpPr txBox="1">
+            <a:spLocks noGrp="1"/>
+          </p:cNvSpPr>
           <p:nvPr>
             <p:ph type="title"/>
           </p:nvPr>
@@ -6824,7 +6967,7 @@
           </a:ln>
         </p:spPr>
         <p:txBody>
-          <a:bodyPr anchorCtr="0" anchor="b" bIns="45700" lIns="91425" spcFirstLastPara="1" rIns="91425" wrap="square" tIns="45700"/>
+          <a:bodyPr spcFirstLastPara="1" wrap="square" lIns="91425" tIns="45700" rIns="91425" bIns="45700" anchor="b" anchorCtr="0"/>
           <a:lstStyle>
             <a:lvl1pPr lvl="0" algn="ctr">
               <a:lnSpc>
@@ -6838,7 +6981,7 @@
               </a:spcAft>
               <a:buSzPts val="1400"/>
               <a:buNone/>
-              <a:defRPr b="0" sz="3600"/>
+              <a:defRPr sz="3600" b="0"/>
             </a:lvl1pPr>
             <a:lvl2pPr lvl="1" algn="ctr">
               <a:lnSpc>
@@ -6953,15 +7096,19 @@
               <a:defRPr/>
             </a:lvl9pPr>
           </a:lstStyle>
-          <a:p/>
+          <a:p>
+            <a:endParaRPr/>
+          </a:p>
         </p:txBody>
       </p:sp>
       <p:sp>
         <p:nvSpPr>
           <p:cNvPr id="41" name="Google Shape;41;p10"/>
-          <p:cNvSpPr txBox="1"/>
+          <p:cNvSpPr txBox="1">
+            <a:spLocks noGrp="1"/>
+          </p:cNvSpPr>
           <p:nvPr>
-            <p:ph idx="1" type="body"/>
+            <p:ph type="body" idx="1"/>
           </p:nvPr>
         </p:nvSpPr>
         <p:spPr>
@@ -6978,9 +7125,9 @@
           </a:ln>
         </p:spPr>
         <p:txBody>
-          <a:bodyPr anchorCtr="0" anchor="t" bIns="45700" lIns="91425" spcFirstLastPara="1" rIns="91425" wrap="square" tIns="45700"/>
+          <a:bodyPr spcFirstLastPara="1" wrap="square" lIns="91425" tIns="45700" rIns="91425" bIns="45700" anchor="t" anchorCtr="0"/>
           <a:lstStyle>
-            <a:lvl1pPr indent="-382270" lvl="0" marL="457200" algn="l">
+            <a:lvl1pPr marL="457200" lvl="0" indent="-382270" algn="l">
               <a:lnSpc>
                 <a:spcPct val="100000"/>
               </a:lnSpc>
@@ -6994,7 +7141,7 @@
               <a:buChar char="⚫"/>
               <a:defRPr sz="2200"/>
             </a:lvl1pPr>
-            <a:lvl2pPr indent="-368300" lvl="1" marL="914400" algn="l">
+            <a:lvl2pPr marL="914400" lvl="1" indent="-368300" algn="l">
               <a:lnSpc>
                 <a:spcPct val="100000"/>
               </a:lnSpc>
@@ -7008,7 +7155,7 @@
               <a:buChar char="⚫"/>
               <a:defRPr sz="2000"/>
             </a:lvl2pPr>
-            <a:lvl3pPr indent="-354330" lvl="2" marL="1371600" algn="l">
+            <a:lvl3pPr marL="1371600" lvl="2" indent="-354330" algn="l">
               <a:lnSpc>
                 <a:spcPct val="100000"/>
               </a:lnSpc>
@@ -7022,7 +7169,7 @@
               <a:buChar char="⚫"/>
               <a:defRPr sz="1800"/>
             </a:lvl3pPr>
-            <a:lvl4pPr indent="-354330" lvl="3" marL="1828800" algn="l">
+            <a:lvl4pPr marL="1828800" lvl="3" indent="-354330" algn="l">
               <a:lnSpc>
                 <a:spcPct val="100000"/>
               </a:lnSpc>
@@ -7036,7 +7183,7 @@
               <a:buChar char="⚫"/>
               <a:defRPr sz="1800"/>
             </a:lvl4pPr>
-            <a:lvl5pPr indent="-354329" lvl="4" marL="2286000" algn="l">
+            <a:lvl5pPr marL="2286000" lvl="4" indent="-354329" algn="l">
               <a:lnSpc>
                 <a:spcPct val="100000"/>
               </a:lnSpc>
@@ -7050,7 +7197,7 @@
               <a:buChar char="⚫"/>
               <a:defRPr sz="1800"/>
             </a:lvl5pPr>
-            <a:lvl6pPr indent="-368300" lvl="5" marL="2743200" algn="l">
+            <a:lvl6pPr marL="2743200" lvl="5" indent="-368300" algn="l">
               <a:lnSpc>
                 <a:spcPct val="100000"/>
               </a:lnSpc>
@@ -7064,7 +7211,7 @@
               <a:buChar char="⚫"/>
               <a:defRPr sz="2000"/>
             </a:lvl6pPr>
-            <a:lvl7pPr indent="-368300" lvl="6" marL="3200400" algn="l">
+            <a:lvl7pPr marL="3200400" lvl="6" indent="-368300" algn="l">
               <a:lnSpc>
                 <a:spcPct val="100000"/>
               </a:lnSpc>
@@ -7078,7 +7225,7 @@
               <a:buChar char="⚫"/>
               <a:defRPr sz="2000"/>
             </a:lvl7pPr>
-            <a:lvl8pPr indent="-368300" lvl="7" marL="3657600" algn="l">
+            <a:lvl8pPr marL="3657600" lvl="7" indent="-368300" algn="l">
               <a:lnSpc>
                 <a:spcPct val="100000"/>
               </a:lnSpc>
@@ -7092,7 +7239,7 @@
               <a:buChar char="⚫"/>
               <a:defRPr sz="2000"/>
             </a:lvl8pPr>
-            <a:lvl9pPr indent="-368300" lvl="8" marL="4114800" algn="l">
+            <a:lvl9pPr marL="4114800" lvl="8" indent="-368300" algn="l">
               <a:lnSpc>
                 <a:spcPct val="100000"/>
               </a:lnSpc>
@@ -7107,15 +7254,19 @@
               <a:defRPr sz="2000"/>
             </a:lvl9pPr>
           </a:lstStyle>
-          <a:p/>
+          <a:p>
+            <a:endParaRPr/>
+          </a:p>
         </p:txBody>
       </p:sp>
       <p:sp>
         <p:nvSpPr>
           <p:cNvPr id="42" name="Google Shape;42;p10"/>
-          <p:cNvSpPr txBox="1"/>
+          <p:cNvSpPr txBox="1">
+            <a:spLocks noGrp="1"/>
+          </p:cNvSpPr>
           <p:nvPr>
-            <p:ph idx="2" type="body"/>
+            <p:ph type="body" idx="2"/>
           </p:nvPr>
         </p:nvSpPr>
         <p:spPr>
@@ -7132,9 +7283,9 @@
           </a:ln>
         </p:spPr>
         <p:txBody>
-          <a:bodyPr anchorCtr="0" anchor="t" bIns="45700" lIns="91425" spcFirstLastPara="1" rIns="91425" wrap="square" tIns="45700"/>
+          <a:bodyPr spcFirstLastPara="1" wrap="square" lIns="91425" tIns="45700" rIns="91425" bIns="45700" anchor="t" anchorCtr="0"/>
           <a:lstStyle>
-            <a:lvl1pPr indent="-228600" lvl="0" marL="457200" algn="ctr">
+            <a:lvl1pPr marL="457200" lvl="0" indent="-228600" algn="ctr">
               <a:lnSpc>
                 <a:spcPct val="100000"/>
               </a:lnSpc>
@@ -7148,7 +7299,7 @@
               <a:buNone/>
               <a:defRPr sz="1800"/>
             </a:lvl1pPr>
-            <a:lvl2pPr indent="-228600" lvl="1" marL="914400" algn="l">
+            <a:lvl2pPr marL="914400" lvl="1" indent="-228600" algn="l">
               <a:lnSpc>
                 <a:spcPct val="100000"/>
               </a:lnSpc>
@@ -7162,7 +7313,7 @@
               <a:buNone/>
               <a:defRPr sz="1200"/>
             </a:lvl2pPr>
-            <a:lvl3pPr indent="-228600" lvl="2" marL="1371600" algn="l">
+            <a:lvl3pPr marL="1371600" lvl="2" indent="-228600" algn="l">
               <a:lnSpc>
                 <a:spcPct val="100000"/>
               </a:lnSpc>
@@ -7176,7 +7327,7 @@
               <a:buNone/>
               <a:defRPr sz="1000"/>
             </a:lvl3pPr>
-            <a:lvl4pPr indent="-228600" lvl="3" marL="1828800" algn="l">
+            <a:lvl4pPr marL="1828800" lvl="3" indent="-228600" algn="l">
               <a:lnSpc>
                 <a:spcPct val="100000"/>
               </a:lnSpc>
@@ -7190,7 +7341,7 @@
               <a:buNone/>
               <a:defRPr sz="900"/>
             </a:lvl4pPr>
-            <a:lvl5pPr indent="-228600" lvl="4" marL="2286000" algn="l">
+            <a:lvl5pPr marL="2286000" lvl="4" indent="-228600" algn="l">
               <a:lnSpc>
                 <a:spcPct val="100000"/>
               </a:lnSpc>
@@ -7204,7 +7355,7 @@
               <a:buNone/>
               <a:defRPr sz="900"/>
             </a:lvl5pPr>
-            <a:lvl6pPr indent="-228600" lvl="5" marL="2743200" algn="l">
+            <a:lvl6pPr marL="2743200" lvl="5" indent="-228600" algn="l">
               <a:lnSpc>
                 <a:spcPct val="100000"/>
               </a:lnSpc>
@@ -7218,7 +7369,7 @@
               <a:buNone/>
               <a:defRPr sz="900"/>
             </a:lvl6pPr>
-            <a:lvl7pPr indent="-228600" lvl="6" marL="3200400" algn="l">
+            <a:lvl7pPr marL="3200400" lvl="6" indent="-228600" algn="l">
               <a:lnSpc>
                 <a:spcPct val="100000"/>
               </a:lnSpc>
@@ -7232,7 +7383,7 @@
               <a:buNone/>
               <a:defRPr sz="900"/>
             </a:lvl7pPr>
-            <a:lvl8pPr indent="-228600" lvl="7" marL="3657600" algn="l">
+            <a:lvl8pPr marL="3657600" lvl="7" indent="-228600" algn="l">
               <a:lnSpc>
                 <a:spcPct val="100000"/>
               </a:lnSpc>
@@ -7246,7 +7397,7 @@
               <a:buNone/>
               <a:defRPr sz="900"/>
             </a:lvl8pPr>
-            <a:lvl9pPr indent="-228600" lvl="8" marL="4114800" algn="l">
+            <a:lvl9pPr marL="4114800" lvl="8" indent="-228600" algn="l">
               <a:lnSpc>
                 <a:spcPct val="100000"/>
               </a:lnSpc>
@@ -7261,7 +7412,9 @@
               <a:defRPr sz="900"/>
             </a:lvl9pPr>
           </a:lstStyle>
-          <a:p/>
+          <a:p>
+            <a:endParaRPr/>
+          </a:p>
         </p:txBody>
       </p:sp>
     </p:spTree>
@@ -7273,7 +7426,7 @@
 </file>
 
 <file path=ppt/slideMasters/slideMaster1.xml><?xml version="1.0" encoding="utf-8"?>
-<p:sldMaster xmlns:a="http://schemas.openxmlformats.org/drawingml/2006/main" xmlns:r="http://schemas.openxmlformats.org/officeDocument/2006/relationships" xmlns:mc="http://schemas.openxmlformats.org/markup-compatibility/2006" xmlns:mv="urn:schemas-microsoft-com:mac:vml" xmlns:p="http://schemas.openxmlformats.org/presentationml/2006/main" xmlns:c="http://schemas.openxmlformats.org/drawingml/2006/chart" xmlns:dgm="http://schemas.openxmlformats.org/drawingml/2006/diagram" xmlns:o="urn:schemas-microsoft-com:office:office" xmlns:v="urn:schemas-microsoft-com:vml" xmlns:pvml="urn:schemas-microsoft-com:office:powerpoint" xmlns:com="http://schemas.openxmlformats.org/drawingml/2006/compatibility" xmlns:p14="http://schemas.microsoft.com/office/powerpoint/2010/main" xmlns:p15="http://schemas.microsoft.com/office/powerpoint/2012/main">
+<p:sldMaster xmlns:a="http://schemas.openxmlformats.org/drawingml/2006/main" xmlns:r="http://schemas.openxmlformats.org/officeDocument/2006/relationships" xmlns:p="http://schemas.openxmlformats.org/presentationml/2006/main">
   <p:cSld>
     <p:bg>
       <p:bgPr>
@@ -7291,11 +7444,12 @@
           </a:gsLst>
           <a:lin ang="5400000" scaled="0"/>
         </a:gradFill>
+        <a:effectLst/>
       </p:bgPr>
     </p:bg>
     <p:spTree>
       <p:nvGrpSpPr>
-        <p:cNvPr id="9" name="Shape 9"/>
+        <p:cNvPr id="1" name="Shape 9"/>
         <p:cNvGrpSpPr/>
         <p:nvPr/>
       </p:nvGrpSpPr>
@@ -7310,7 +7464,9 @@
       <p:sp>
         <p:nvSpPr>
           <p:cNvPr id="10" name="Google Shape;10;p1"/>
-          <p:cNvSpPr txBox="1"/>
+          <p:cNvSpPr txBox="1">
+            <a:spLocks noGrp="1"/>
+          </p:cNvSpPr>
           <p:nvPr>
             <p:ph type="title"/>
           </p:nvPr>
@@ -7329,9 +7485,9 @@
           </a:ln>
         </p:spPr>
         <p:txBody>
-          <a:bodyPr anchorCtr="0" anchor="b" bIns="45700" lIns="91425" spcFirstLastPara="1" rIns="91425" wrap="square" tIns="45700"/>
+          <a:bodyPr spcFirstLastPara="1" wrap="square" lIns="91425" tIns="45700" rIns="91425" bIns="45700" anchor="b" anchorCtr="0"/>
           <a:lstStyle>
-            <a:lvl1pPr lvl="0" marR="0" rtl="0" algn="ctr">
+            <a:lvl1pPr marR="0" lvl="0" algn="ctr" rtl="0">
               <a:lnSpc>
                 <a:spcPct val="100000"/>
               </a:lnSpc>
@@ -7347,7 +7503,7 @@
               <a:buSzPts val="1400"/>
               <a:buFont typeface="Arial"/>
               <a:buNone/>
-              <a:defRPr b="0" i="0" sz="4600" u="none" cap="none" strike="noStrike">
+              <a:defRPr sz="4600" b="0" i="0" u="none" strike="noStrike" cap="none">
                 <a:solidFill>
                   <a:schemeClr val="accent1"/>
                 </a:solidFill>
@@ -7357,7 +7513,7 @@
                 <a:sym typeface="Calibri"/>
               </a:defRPr>
             </a:lvl1pPr>
-            <a:lvl2pPr lvl="1" marR="0" rtl="0" algn="ctr">
+            <a:lvl2pPr marR="0" lvl="1" algn="ctr" rtl="0">
               <a:lnSpc>
                 <a:spcPct val="100000"/>
               </a:lnSpc>
@@ -7373,7 +7529,7 @@
               <a:buSzPts val="1400"/>
               <a:buFont typeface="Arial"/>
               <a:buNone/>
-              <a:defRPr b="0" i="0" sz="4600" u="none" cap="none" strike="noStrike">
+              <a:defRPr sz="4600" b="0" i="0" u="none" strike="noStrike" cap="none">
                 <a:solidFill>
                   <a:schemeClr val="accent1"/>
                 </a:solidFill>
@@ -7383,7 +7539,7 @@
                 <a:sym typeface="Calibri"/>
               </a:defRPr>
             </a:lvl2pPr>
-            <a:lvl3pPr lvl="2" marR="0" rtl="0" algn="ctr">
+            <a:lvl3pPr marR="0" lvl="2" algn="ctr" rtl="0">
               <a:lnSpc>
                 <a:spcPct val="100000"/>
               </a:lnSpc>
@@ -7399,7 +7555,7 @@
               <a:buSzPts val="1400"/>
               <a:buFont typeface="Arial"/>
               <a:buNone/>
-              <a:defRPr b="0" i="0" sz="4600" u="none" cap="none" strike="noStrike">
+              <a:defRPr sz="4600" b="0" i="0" u="none" strike="noStrike" cap="none">
                 <a:solidFill>
                   <a:schemeClr val="accent1"/>
                 </a:solidFill>
@@ -7409,7 +7565,7 @@
                 <a:sym typeface="Calibri"/>
               </a:defRPr>
             </a:lvl3pPr>
-            <a:lvl4pPr lvl="3" marR="0" rtl="0" algn="ctr">
+            <a:lvl4pPr marR="0" lvl="3" algn="ctr" rtl="0">
               <a:lnSpc>
                 <a:spcPct val="100000"/>
               </a:lnSpc>
@@ -7425,7 +7581,7 @@
               <a:buSzPts val="1400"/>
               <a:buFont typeface="Arial"/>
               <a:buNone/>
-              <a:defRPr b="0" i="0" sz="4600" u="none" cap="none" strike="noStrike">
+              <a:defRPr sz="4600" b="0" i="0" u="none" strike="noStrike" cap="none">
                 <a:solidFill>
                   <a:schemeClr val="accent1"/>
                 </a:solidFill>
@@ -7435,7 +7591,7 @@
                 <a:sym typeface="Calibri"/>
               </a:defRPr>
             </a:lvl4pPr>
-            <a:lvl5pPr lvl="4" marR="0" rtl="0" algn="ctr">
+            <a:lvl5pPr marR="0" lvl="4" algn="ctr" rtl="0">
               <a:lnSpc>
                 <a:spcPct val="100000"/>
               </a:lnSpc>
@@ -7451,7 +7607,7 @@
               <a:buSzPts val="1400"/>
               <a:buFont typeface="Arial"/>
               <a:buNone/>
-              <a:defRPr b="0" i="0" sz="4600" u="none" cap="none" strike="noStrike">
+              <a:defRPr sz="4600" b="0" i="0" u="none" strike="noStrike" cap="none">
                 <a:solidFill>
                   <a:schemeClr val="accent1"/>
                 </a:solidFill>
@@ -7461,7 +7617,7 @@
                 <a:sym typeface="Calibri"/>
               </a:defRPr>
             </a:lvl5pPr>
-            <a:lvl6pPr lvl="5" marR="0" rtl="0" algn="ctr">
+            <a:lvl6pPr marR="0" lvl="5" algn="ctr" rtl="0">
               <a:lnSpc>
                 <a:spcPct val="100000"/>
               </a:lnSpc>
@@ -7477,7 +7633,7 @@
               <a:buSzPts val="1400"/>
               <a:buFont typeface="Arial"/>
               <a:buNone/>
-              <a:defRPr b="0" i="0" sz="4600" u="none" cap="none" strike="noStrike">
+              <a:defRPr sz="4600" b="0" i="0" u="none" strike="noStrike" cap="none">
                 <a:solidFill>
                   <a:schemeClr val="accent1"/>
                 </a:solidFill>
@@ -7487,7 +7643,7 @@
                 <a:sym typeface="Calibri"/>
               </a:defRPr>
             </a:lvl6pPr>
-            <a:lvl7pPr lvl="6" marR="0" rtl="0" algn="ctr">
+            <a:lvl7pPr marR="0" lvl="6" algn="ctr" rtl="0">
               <a:lnSpc>
                 <a:spcPct val="100000"/>
               </a:lnSpc>
@@ -7503,7 +7659,7 @@
               <a:buSzPts val="1400"/>
               <a:buFont typeface="Arial"/>
               <a:buNone/>
-              <a:defRPr b="0" i="0" sz="4600" u="none" cap="none" strike="noStrike">
+              <a:defRPr sz="4600" b="0" i="0" u="none" strike="noStrike" cap="none">
                 <a:solidFill>
                   <a:schemeClr val="accent1"/>
                 </a:solidFill>
@@ -7513,7 +7669,7 @@
                 <a:sym typeface="Calibri"/>
               </a:defRPr>
             </a:lvl7pPr>
-            <a:lvl8pPr lvl="7" marR="0" rtl="0" algn="ctr">
+            <a:lvl8pPr marR="0" lvl="7" algn="ctr" rtl="0">
               <a:lnSpc>
                 <a:spcPct val="100000"/>
               </a:lnSpc>
@@ -7529,7 +7685,7 @@
               <a:buSzPts val="1400"/>
               <a:buFont typeface="Arial"/>
               <a:buNone/>
-              <a:defRPr b="0" i="0" sz="4600" u="none" cap="none" strike="noStrike">
+              <a:defRPr sz="4600" b="0" i="0" u="none" strike="noStrike" cap="none">
                 <a:solidFill>
                   <a:schemeClr val="accent1"/>
                 </a:solidFill>
@@ -7539,7 +7695,7 @@
                 <a:sym typeface="Calibri"/>
               </a:defRPr>
             </a:lvl8pPr>
-            <a:lvl9pPr lvl="8" marR="0" rtl="0" algn="ctr">
+            <a:lvl9pPr marR="0" lvl="8" algn="ctr" rtl="0">
               <a:lnSpc>
                 <a:spcPct val="100000"/>
               </a:lnSpc>
@@ -7555,7 +7711,7 @@
               <a:buSzPts val="1400"/>
               <a:buFont typeface="Arial"/>
               <a:buNone/>
-              <a:defRPr b="0" i="0" sz="4600" u="none" cap="none" strike="noStrike">
+              <a:defRPr sz="4600" b="0" i="0" u="none" strike="noStrike" cap="none">
                 <a:solidFill>
                   <a:schemeClr val="accent1"/>
                 </a:solidFill>
@@ -7566,15 +7722,19 @@
               </a:defRPr>
             </a:lvl9pPr>
           </a:lstStyle>
-          <a:p/>
+          <a:p>
+            <a:endParaRPr/>
+          </a:p>
         </p:txBody>
       </p:sp>
       <p:sp>
         <p:nvSpPr>
           <p:cNvPr id="11" name="Google Shape;11;p1"/>
-          <p:cNvSpPr txBox="1"/>
+          <p:cNvSpPr txBox="1">
+            <a:spLocks noGrp="1"/>
+          </p:cNvSpPr>
           <p:nvPr>
-            <p:ph idx="1" type="body"/>
+            <p:ph type="body" idx="1"/>
           </p:nvPr>
         </p:nvSpPr>
         <p:spPr>
@@ -7591,9 +7751,9 @@
           </a:ln>
         </p:spPr>
         <p:txBody>
-          <a:bodyPr anchorCtr="0" anchor="t" bIns="45700" lIns="91425" spcFirstLastPara="1" rIns="91425" wrap="square" tIns="45700"/>
+          <a:bodyPr spcFirstLastPara="1" wrap="square" lIns="91425" tIns="45700" rIns="91425" bIns="45700" anchor="t" anchorCtr="0"/>
           <a:lstStyle>
-            <a:lvl1pPr indent="-396240" lvl="0" marL="457200" marR="0" rtl="0" algn="l">
+            <a:lvl1pPr marL="457200" marR="0" lvl="0" indent="-396240" algn="l" rtl="0">
               <a:lnSpc>
                 <a:spcPct val="100000"/>
               </a:lnSpc>
@@ -7609,7 +7769,7 @@
               <a:buSzPts val="2640"/>
               <a:buFont typeface="Noto Sans Symbols"/>
               <a:buChar char="⚫"/>
-              <a:defRPr b="0" i="0" sz="2400" u="none" cap="none" strike="noStrike">
+              <a:defRPr sz="2400" b="0" i="0" u="none" strike="noStrike" cap="none">
                 <a:solidFill>
                   <a:srgbClr val="595959"/>
                 </a:solidFill>
@@ -7619,7 +7779,7 @@
                 <a:sym typeface="Calibri"/>
               </a:defRPr>
             </a:lvl1pPr>
-            <a:lvl2pPr indent="-382269" lvl="1" marL="914400" marR="0" rtl="0" algn="l">
+            <a:lvl2pPr marL="914400" marR="0" lvl="1" indent="-382269" algn="l" rtl="0">
               <a:lnSpc>
                 <a:spcPct val="100000"/>
               </a:lnSpc>
@@ -7635,7 +7795,7 @@
               <a:buSzPts val="2420"/>
               <a:buFont typeface="Noto Sans Symbols"/>
               <a:buChar char="⚫"/>
-              <a:defRPr b="0" i="0" sz="2200" u="none" cap="none" strike="noStrike">
+              <a:defRPr sz="2200" b="0" i="0" u="none" strike="noStrike" cap="none">
                 <a:solidFill>
                   <a:srgbClr val="595959"/>
                 </a:solidFill>
@@ -7645,7 +7805,7 @@
                 <a:sym typeface="Calibri"/>
               </a:defRPr>
             </a:lvl2pPr>
-            <a:lvl3pPr indent="-368300" lvl="2" marL="1371600" marR="0" rtl="0" algn="l">
+            <a:lvl3pPr marL="1371600" marR="0" lvl="2" indent="-368300" algn="l" rtl="0">
               <a:lnSpc>
                 <a:spcPct val="100000"/>
               </a:lnSpc>
@@ -7661,7 +7821,7 @@
               <a:buSzPts val="2200"/>
               <a:buFont typeface="Noto Sans Symbols"/>
               <a:buChar char="⚫"/>
-              <a:defRPr b="0" i="0" sz="2000" u="none" cap="none" strike="noStrike">
+              <a:defRPr sz="2000" b="0" i="0" u="none" strike="noStrike" cap="none">
                 <a:solidFill>
                   <a:srgbClr val="595959"/>
                 </a:solidFill>
@@ -7671,7 +7831,7 @@
                 <a:sym typeface="Calibri"/>
               </a:defRPr>
             </a:lvl3pPr>
-            <a:lvl4pPr indent="-354330" lvl="3" marL="1828800" marR="0" rtl="0" algn="l">
+            <a:lvl4pPr marL="1828800" marR="0" lvl="3" indent="-354330" algn="l" rtl="0">
               <a:lnSpc>
                 <a:spcPct val="100000"/>
               </a:lnSpc>
@@ -7687,7 +7847,7 @@
               <a:buSzPts val="1980"/>
               <a:buFont typeface="Noto Sans Symbols"/>
               <a:buChar char="⚫"/>
-              <a:defRPr b="0" i="0" sz="1800" u="none" cap="none" strike="noStrike">
+              <a:defRPr sz="1800" b="0" i="0" u="none" strike="noStrike" cap="none">
                 <a:solidFill>
                   <a:srgbClr val="595959"/>
                 </a:solidFill>
@@ -7697,7 +7857,7 @@
                 <a:sym typeface="Calibri"/>
               </a:defRPr>
             </a:lvl4pPr>
-            <a:lvl5pPr indent="-354329" lvl="4" marL="2286000" marR="0" rtl="0" algn="l">
+            <a:lvl5pPr marL="2286000" marR="0" lvl="4" indent="-354329" algn="l" rtl="0">
               <a:lnSpc>
                 <a:spcPct val="100000"/>
               </a:lnSpc>
@@ -7713,7 +7873,7 @@
               <a:buSzPts val="1980"/>
               <a:buFont typeface="Noto Sans Symbols"/>
               <a:buChar char="⚫"/>
-              <a:defRPr b="0" i="0" sz="1800" u="none" cap="none" strike="noStrike">
+              <a:defRPr sz="1800" b="0" i="0" u="none" strike="noStrike" cap="none">
                 <a:solidFill>
                   <a:srgbClr val="595959"/>
                 </a:solidFill>
@@ -7723,7 +7883,7 @@
                 <a:sym typeface="Calibri"/>
               </a:defRPr>
             </a:lvl5pPr>
-            <a:lvl6pPr indent="-354329" lvl="5" marL="2743200" marR="0" rtl="0" algn="l">
+            <a:lvl6pPr marL="2743200" marR="0" lvl="5" indent="-354329" algn="l" rtl="0">
               <a:lnSpc>
                 <a:spcPct val="100000"/>
               </a:lnSpc>
@@ -7739,7 +7899,7 @@
               <a:buSzPts val="1980"/>
               <a:buFont typeface="Noto Sans Symbols"/>
               <a:buChar char="⚫"/>
-              <a:defRPr b="0" i="0" sz="1800" u="none" cap="none" strike="noStrike">
+              <a:defRPr sz="1800" b="0" i="0" u="none" strike="noStrike" cap="none">
                 <a:solidFill>
                   <a:srgbClr val="595959"/>
                 </a:solidFill>
@@ -7749,7 +7909,7 @@
                 <a:sym typeface="Calibri"/>
               </a:defRPr>
             </a:lvl6pPr>
-            <a:lvl7pPr indent="-354329" lvl="6" marL="3200400" marR="0" rtl="0" algn="l">
+            <a:lvl7pPr marL="3200400" marR="0" lvl="6" indent="-354329" algn="l" rtl="0">
               <a:lnSpc>
                 <a:spcPct val="100000"/>
               </a:lnSpc>
@@ -7765,7 +7925,7 @@
               <a:buSzPts val="1980"/>
               <a:buFont typeface="Noto Sans Symbols"/>
               <a:buChar char="⚫"/>
-              <a:defRPr b="0" i="0" sz="1800" u="none" cap="none" strike="noStrike">
+              <a:defRPr sz="1800" b="0" i="0" u="none" strike="noStrike" cap="none">
                 <a:solidFill>
                   <a:srgbClr val="595959"/>
                 </a:solidFill>
@@ -7775,7 +7935,7 @@
                 <a:sym typeface="Calibri"/>
               </a:defRPr>
             </a:lvl7pPr>
-            <a:lvl8pPr indent="-354329" lvl="7" marL="3657600" marR="0" rtl="0" algn="l">
+            <a:lvl8pPr marL="3657600" marR="0" lvl="7" indent="-354329" algn="l" rtl="0">
               <a:lnSpc>
                 <a:spcPct val="100000"/>
               </a:lnSpc>
@@ -7791,7 +7951,7 @@
               <a:buSzPts val="1980"/>
               <a:buFont typeface="Noto Sans Symbols"/>
               <a:buChar char="⚫"/>
-              <a:defRPr b="0" i="0" sz="1800" u="none" cap="none" strike="noStrike">
+              <a:defRPr sz="1800" b="0" i="0" u="none" strike="noStrike" cap="none">
                 <a:solidFill>
                   <a:srgbClr val="595959"/>
                 </a:solidFill>
@@ -7801,7 +7961,7 @@
                 <a:sym typeface="Calibri"/>
               </a:defRPr>
             </a:lvl8pPr>
-            <a:lvl9pPr indent="-354329" lvl="8" marL="4114800" marR="0" rtl="0" algn="l">
+            <a:lvl9pPr marL="4114800" marR="0" lvl="8" indent="-354329" algn="l" rtl="0">
               <a:lnSpc>
                 <a:spcPct val="100000"/>
               </a:lnSpc>
@@ -7817,7 +7977,7 @@
               <a:buSzPts val="1980"/>
               <a:buFont typeface="Noto Sans Symbols"/>
               <a:buChar char="⚫"/>
-              <a:defRPr b="0" i="0" sz="1800" u="none" cap="none" strike="noStrike">
+              <a:defRPr sz="1800" b="0" i="0" u="none" strike="noStrike" cap="none">
                 <a:solidFill>
                   <a:srgbClr val="595959"/>
                 </a:solidFill>
@@ -7828,12 +7988,14 @@
               </a:defRPr>
             </a:lvl9pPr>
           </a:lstStyle>
-          <a:p/>
+          <a:p>
+            <a:endParaRPr/>
+          </a:p>
         </p:txBody>
       </p:sp>
     </p:spTree>
   </p:cSld>
-  <p:clrMap accent1="accent1" accent2="accent2" accent3="accent3" accent4="accent4" accent5="accent5" accent6="accent6" bg1="lt1" bg2="dk2" tx1="dk1" tx2="lt2" folHlink="folHlink" hlink="hlink"/>
+  <p:clrMap bg1="lt1" tx1="dk1" bg2="dk2" tx2="lt2" accent1="accent1" accent2="accent2" accent3="accent3" accent4="accent4" accent5="accent5" accent6="accent6" hlink="hlink" folHlink="folHlink"/>
   <p:sldLayoutIdLst>
     <p:sldLayoutId id="2147483648" r:id="rId1"/>
     <p:sldLayoutId id="2147483649" r:id="rId2"/>
@@ -7849,10 +8011,10 @@
     <p:sldLayoutId id="2147483659" r:id="rId12"/>
     <p:sldLayoutId id="2147483660" r:id="rId13"/>
   </p:sldLayoutIdLst>
-  <p:hf dt="0" ftr="0" hdr="0" sldNum="0"/>
+  <p:hf sldNum="0" hdr="0" ftr="0" dt="0"/>
   <p:txStyles>
     <p:titleStyle>
-      <a:defPPr lvl="0" marR="0" rtl="0" algn="l">
+      <a:defPPr marR="0" lvl="0" algn="l" rtl="0">
         <a:lnSpc>
           <a:spcPct val="100000"/>
         </a:lnSpc>
@@ -7863,7 +8025,7 @@
           <a:spcPts val="0"/>
         </a:spcAft>
       </a:defPPr>
-      <a:lvl1pPr lvl="0" marR="0" rtl="0" algn="l">
+      <a:lvl1pPr marR="0" lvl="0" algn="l" rtl="0">
         <a:lnSpc>
           <a:spcPct val="100000"/>
         </a:lnSpc>
@@ -7877,7 +8039,7 @@
           <a:srgbClr val="000000"/>
         </a:buClr>
         <a:buFont typeface="Arial"/>
-        <a:defRPr b="0" i="0" sz="1400" u="none" cap="none" strike="noStrike">
+        <a:defRPr sz="1400" b="0" i="0" u="none" strike="noStrike" cap="none">
           <a:solidFill>
             <a:srgbClr val="000000"/>
           </a:solidFill>
@@ -7887,7 +8049,7 @@
           <a:sym typeface="Arial"/>
         </a:defRPr>
       </a:lvl1pPr>
-      <a:lvl2pPr lvl="1" marR="0" rtl="0" algn="l">
+      <a:lvl2pPr marR="0" lvl="1" algn="l" rtl="0">
         <a:lnSpc>
           <a:spcPct val="100000"/>
         </a:lnSpc>
@@ -7901,7 +8063,7 @@
           <a:srgbClr val="000000"/>
         </a:buClr>
         <a:buFont typeface="Arial"/>
-        <a:defRPr b="0" i="0" sz="1400" u="none" cap="none" strike="noStrike">
+        <a:defRPr sz="1400" b="0" i="0" u="none" strike="noStrike" cap="none">
           <a:solidFill>
             <a:srgbClr val="000000"/>
           </a:solidFill>
@@ -7911,7 +8073,7 @@
           <a:sym typeface="Arial"/>
         </a:defRPr>
       </a:lvl2pPr>
-      <a:lvl3pPr lvl="2" marR="0" rtl="0" algn="l">
+      <a:lvl3pPr marR="0" lvl="2" algn="l" rtl="0">
         <a:lnSpc>
           <a:spcPct val="100000"/>
         </a:lnSpc>
@@ -7925,7 +8087,7 @@
           <a:srgbClr val="000000"/>
         </a:buClr>
         <a:buFont typeface="Arial"/>
-        <a:defRPr b="0" i="0" sz="1400" u="none" cap="none" strike="noStrike">
+        <a:defRPr sz="1400" b="0" i="0" u="none" strike="noStrike" cap="none">
           <a:solidFill>
             <a:srgbClr val="000000"/>
           </a:solidFill>
@@ -7935,7 +8097,7 @@
           <a:sym typeface="Arial"/>
         </a:defRPr>
       </a:lvl3pPr>
-      <a:lvl4pPr lvl="3" marR="0" rtl="0" algn="l">
+      <a:lvl4pPr marR="0" lvl="3" algn="l" rtl="0">
         <a:lnSpc>
           <a:spcPct val="100000"/>
         </a:lnSpc>
@@ -7949,7 +8111,7 @@
           <a:srgbClr val="000000"/>
         </a:buClr>
         <a:buFont typeface="Arial"/>
-        <a:defRPr b="0" i="0" sz="1400" u="none" cap="none" strike="noStrike">
+        <a:defRPr sz="1400" b="0" i="0" u="none" strike="noStrike" cap="none">
           <a:solidFill>
             <a:srgbClr val="000000"/>
           </a:solidFill>
@@ -7959,7 +8121,7 @@
           <a:sym typeface="Arial"/>
         </a:defRPr>
       </a:lvl4pPr>
-      <a:lvl5pPr lvl="4" marR="0" rtl="0" algn="l">
+      <a:lvl5pPr marR="0" lvl="4" algn="l" rtl="0">
         <a:lnSpc>
           <a:spcPct val="100000"/>
         </a:lnSpc>
@@ -7973,7 +8135,7 @@
           <a:srgbClr val="000000"/>
         </a:buClr>
         <a:buFont typeface="Arial"/>
-        <a:defRPr b="0" i="0" sz="1400" u="none" cap="none" strike="noStrike">
+        <a:defRPr sz="1400" b="0" i="0" u="none" strike="noStrike" cap="none">
           <a:solidFill>
             <a:srgbClr val="000000"/>
           </a:solidFill>
@@ -7983,7 +8145,7 @@
           <a:sym typeface="Arial"/>
         </a:defRPr>
       </a:lvl5pPr>
-      <a:lvl6pPr lvl="5" marR="0" rtl="0" algn="l">
+      <a:lvl6pPr marR="0" lvl="5" algn="l" rtl="0">
         <a:lnSpc>
           <a:spcPct val="100000"/>
         </a:lnSpc>
@@ -7997,7 +8159,7 @@
           <a:srgbClr val="000000"/>
         </a:buClr>
         <a:buFont typeface="Arial"/>
-        <a:defRPr b="0" i="0" sz="1400" u="none" cap="none" strike="noStrike">
+        <a:defRPr sz="1400" b="0" i="0" u="none" strike="noStrike" cap="none">
           <a:solidFill>
             <a:srgbClr val="000000"/>
           </a:solidFill>
@@ -8007,7 +8169,7 @@
           <a:sym typeface="Arial"/>
         </a:defRPr>
       </a:lvl6pPr>
-      <a:lvl7pPr lvl="6" marR="0" rtl="0" algn="l">
+      <a:lvl7pPr marR="0" lvl="6" algn="l" rtl="0">
         <a:lnSpc>
           <a:spcPct val="100000"/>
         </a:lnSpc>
@@ -8021,7 +8183,7 @@
           <a:srgbClr val="000000"/>
         </a:buClr>
         <a:buFont typeface="Arial"/>
-        <a:defRPr b="0" i="0" sz="1400" u="none" cap="none" strike="noStrike">
+        <a:defRPr sz="1400" b="0" i="0" u="none" strike="noStrike" cap="none">
           <a:solidFill>
             <a:srgbClr val="000000"/>
           </a:solidFill>
@@ -8031,7 +8193,7 @@
           <a:sym typeface="Arial"/>
         </a:defRPr>
       </a:lvl7pPr>
-      <a:lvl8pPr lvl="7" marR="0" rtl="0" algn="l">
+      <a:lvl8pPr marR="0" lvl="7" algn="l" rtl="0">
         <a:lnSpc>
           <a:spcPct val="100000"/>
         </a:lnSpc>
@@ -8045,7 +8207,7 @@
           <a:srgbClr val="000000"/>
         </a:buClr>
         <a:buFont typeface="Arial"/>
-        <a:defRPr b="0" i="0" sz="1400" u="none" cap="none" strike="noStrike">
+        <a:defRPr sz="1400" b="0" i="0" u="none" strike="noStrike" cap="none">
           <a:solidFill>
             <a:srgbClr val="000000"/>
           </a:solidFill>
@@ -8055,7 +8217,7 @@
           <a:sym typeface="Arial"/>
         </a:defRPr>
       </a:lvl8pPr>
-      <a:lvl9pPr lvl="8" marR="0" rtl="0" algn="l">
+      <a:lvl9pPr marR="0" lvl="8" algn="l" rtl="0">
         <a:lnSpc>
           <a:spcPct val="100000"/>
         </a:lnSpc>
@@ -8069,7 +8231,7 @@
           <a:srgbClr val="000000"/>
         </a:buClr>
         <a:buFont typeface="Arial"/>
-        <a:defRPr b="0" i="0" sz="1400" u="none" cap="none" strike="noStrike">
+        <a:defRPr sz="1400" b="0" i="0" u="none" strike="noStrike" cap="none">
           <a:solidFill>
             <a:srgbClr val="000000"/>
           </a:solidFill>
@@ -8081,7 +8243,7 @@
       </a:lvl9pPr>
     </p:titleStyle>
     <p:bodyStyle>
-      <a:defPPr lvl="0" marR="0" rtl="0" algn="l">
+      <a:defPPr marR="0" lvl="0" algn="l" rtl="0">
         <a:lnSpc>
           <a:spcPct val="100000"/>
         </a:lnSpc>
@@ -8092,7 +8254,7 @@
           <a:spcPts val="0"/>
         </a:spcAft>
       </a:defPPr>
-      <a:lvl1pPr lvl="0" marR="0" rtl="0" algn="l">
+      <a:lvl1pPr marR="0" lvl="0" algn="l" rtl="0">
         <a:lnSpc>
           <a:spcPct val="100000"/>
         </a:lnSpc>
@@ -8106,7 +8268,7 @@
           <a:srgbClr val="000000"/>
         </a:buClr>
         <a:buFont typeface="Arial"/>
-        <a:defRPr b="0" i="0" sz="1400" u="none" cap="none" strike="noStrike">
+        <a:defRPr sz="1400" b="0" i="0" u="none" strike="noStrike" cap="none">
           <a:solidFill>
             <a:srgbClr val="000000"/>
           </a:solidFill>
@@ -8116,7 +8278,7 @@
           <a:sym typeface="Arial"/>
         </a:defRPr>
       </a:lvl1pPr>
-      <a:lvl2pPr lvl="1" marR="0" rtl="0" algn="l">
+      <a:lvl2pPr marR="0" lvl="1" algn="l" rtl="0">
         <a:lnSpc>
           <a:spcPct val="100000"/>
         </a:lnSpc>
@@ -8130,7 +8292,7 @@
           <a:srgbClr val="000000"/>
         </a:buClr>
         <a:buFont typeface="Arial"/>
-        <a:defRPr b="0" i="0" sz="1400" u="none" cap="none" strike="noStrike">
+        <a:defRPr sz="1400" b="0" i="0" u="none" strike="noStrike" cap="none">
           <a:solidFill>
             <a:srgbClr val="000000"/>
           </a:solidFill>
@@ -8140,7 +8302,7 @@
           <a:sym typeface="Arial"/>
         </a:defRPr>
       </a:lvl2pPr>
-      <a:lvl3pPr lvl="2" marR="0" rtl="0" algn="l">
+      <a:lvl3pPr marR="0" lvl="2" algn="l" rtl="0">
         <a:lnSpc>
           <a:spcPct val="100000"/>
         </a:lnSpc>
@@ -8154,7 +8316,7 @@
           <a:srgbClr val="000000"/>
         </a:buClr>
         <a:buFont typeface="Arial"/>
-        <a:defRPr b="0" i="0" sz="1400" u="none" cap="none" strike="noStrike">
+        <a:defRPr sz="1400" b="0" i="0" u="none" strike="noStrike" cap="none">
           <a:solidFill>
             <a:srgbClr val="000000"/>
           </a:solidFill>
@@ -8164,7 +8326,7 @@
           <a:sym typeface="Arial"/>
         </a:defRPr>
       </a:lvl3pPr>
-      <a:lvl4pPr lvl="3" marR="0" rtl="0" algn="l">
+      <a:lvl4pPr marR="0" lvl="3" algn="l" rtl="0">
         <a:lnSpc>
           <a:spcPct val="100000"/>
         </a:lnSpc>
@@ -8178,7 +8340,7 @@
           <a:srgbClr val="000000"/>
         </a:buClr>
         <a:buFont typeface="Arial"/>
-        <a:defRPr b="0" i="0" sz="1400" u="none" cap="none" strike="noStrike">
+        <a:defRPr sz="1400" b="0" i="0" u="none" strike="noStrike" cap="none">
           <a:solidFill>
             <a:srgbClr val="000000"/>
           </a:solidFill>
@@ -8188,7 +8350,7 @@
           <a:sym typeface="Arial"/>
         </a:defRPr>
       </a:lvl4pPr>
-      <a:lvl5pPr lvl="4" marR="0" rtl="0" algn="l">
+      <a:lvl5pPr marR="0" lvl="4" algn="l" rtl="0">
         <a:lnSpc>
           <a:spcPct val="100000"/>
         </a:lnSpc>
@@ -8202,7 +8364,7 @@
           <a:srgbClr val="000000"/>
         </a:buClr>
         <a:buFont typeface="Arial"/>
-        <a:defRPr b="0" i="0" sz="1400" u="none" cap="none" strike="noStrike">
+        <a:defRPr sz="1400" b="0" i="0" u="none" strike="noStrike" cap="none">
           <a:solidFill>
             <a:srgbClr val="000000"/>
           </a:solidFill>
@@ -8212,7 +8374,7 @@
           <a:sym typeface="Arial"/>
         </a:defRPr>
       </a:lvl5pPr>
-      <a:lvl6pPr lvl="5" marR="0" rtl="0" algn="l">
+      <a:lvl6pPr marR="0" lvl="5" algn="l" rtl="0">
         <a:lnSpc>
           <a:spcPct val="100000"/>
         </a:lnSpc>
@@ -8226,7 +8388,7 @@
           <a:srgbClr val="000000"/>
         </a:buClr>
         <a:buFont typeface="Arial"/>
-        <a:defRPr b="0" i="0" sz="1400" u="none" cap="none" strike="noStrike">
+        <a:defRPr sz="1400" b="0" i="0" u="none" strike="noStrike" cap="none">
           <a:solidFill>
             <a:srgbClr val="000000"/>
           </a:solidFill>
@@ -8236,7 +8398,7 @@
           <a:sym typeface="Arial"/>
         </a:defRPr>
       </a:lvl6pPr>
-      <a:lvl7pPr lvl="6" marR="0" rtl="0" algn="l">
+      <a:lvl7pPr marR="0" lvl="6" algn="l" rtl="0">
         <a:lnSpc>
           <a:spcPct val="100000"/>
         </a:lnSpc>
@@ -8250,7 +8412,7 @@
           <a:srgbClr val="000000"/>
         </a:buClr>
         <a:buFont typeface="Arial"/>
-        <a:defRPr b="0" i="0" sz="1400" u="none" cap="none" strike="noStrike">
+        <a:defRPr sz="1400" b="0" i="0" u="none" strike="noStrike" cap="none">
           <a:solidFill>
             <a:srgbClr val="000000"/>
           </a:solidFill>
@@ -8260,7 +8422,7 @@
           <a:sym typeface="Arial"/>
         </a:defRPr>
       </a:lvl7pPr>
-      <a:lvl8pPr lvl="7" marR="0" rtl="0" algn="l">
+      <a:lvl8pPr marR="0" lvl="7" algn="l" rtl="0">
         <a:lnSpc>
           <a:spcPct val="100000"/>
         </a:lnSpc>
@@ -8274,7 +8436,7 @@
           <a:srgbClr val="000000"/>
         </a:buClr>
         <a:buFont typeface="Arial"/>
-        <a:defRPr b="0" i="0" sz="1400" u="none" cap="none" strike="noStrike">
+        <a:defRPr sz="1400" b="0" i="0" u="none" strike="noStrike" cap="none">
           <a:solidFill>
             <a:srgbClr val="000000"/>
           </a:solidFill>
@@ -8284,7 +8446,7 @@
           <a:sym typeface="Arial"/>
         </a:defRPr>
       </a:lvl8pPr>
-      <a:lvl9pPr lvl="8" marR="0" rtl="0" algn="l">
+      <a:lvl9pPr marR="0" lvl="8" algn="l" rtl="0">
         <a:lnSpc>
           <a:spcPct val="100000"/>
         </a:lnSpc>
@@ -8298,7 +8460,7 @@
           <a:srgbClr val="000000"/>
         </a:buClr>
         <a:buFont typeface="Arial"/>
-        <a:defRPr b="0" i="0" sz="1400" u="none" cap="none" strike="noStrike">
+        <a:defRPr sz="1400" b="0" i="0" u="none" strike="noStrike" cap="none">
           <a:solidFill>
             <a:srgbClr val="000000"/>
           </a:solidFill>
@@ -8310,7 +8472,7 @@
       </a:lvl9pPr>
     </p:bodyStyle>
     <p:otherStyle>
-      <a:defPPr lvl="0" marR="0" rtl="0" algn="l">
+      <a:defPPr marR="0" lvl="0" algn="l" rtl="0">
         <a:lnSpc>
           <a:spcPct val="100000"/>
         </a:lnSpc>
@@ -8321,7 +8483,7 @@
           <a:spcPts val="0"/>
         </a:spcAft>
       </a:defPPr>
-      <a:lvl1pPr lvl="0" marR="0" rtl="0" algn="l">
+      <a:lvl1pPr marR="0" lvl="0" algn="l" rtl="0">
         <a:lnSpc>
           <a:spcPct val="100000"/>
         </a:lnSpc>
@@ -8335,7 +8497,7 @@
           <a:srgbClr val="000000"/>
         </a:buClr>
         <a:buFont typeface="Arial"/>
-        <a:defRPr b="0" i="0" sz="1400" u="none" cap="none" strike="noStrike">
+        <a:defRPr sz="1400" b="0" i="0" u="none" strike="noStrike" cap="none">
           <a:solidFill>
             <a:srgbClr val="000000"/>
           </a:solidFill>
@@ -8345,7 +8507,7 @@
           <a:sym typeface="Arial"/>
         </a:defRPr>
       </a:lvl1pPr>
-      <a:lvl2pPr lvl="1" marR="0" rtl="0" algn="l">
+      <a:lvl2pPr marR="0" lvl="1" algn="l" rtl="0">
         <a:lnSpc>
           <a:spcPct val="100000"/>
         </a:lnSpc>
@@ -8359,7 +8521,7 @@
           <a:srgbClr val="000000"/>
         </a:buClr>
         <a:buFont typeface="Arial"/>
-        <a:defRPr b="0" i="0" sz="1400" u="none" cap="none" strike="noStrike">
+        <a:defRPr sz="1400" b="0" i="0" u="none" strike="noStrike" cap="none">
           <a:solidFill>
             <a:srgbClr val="000000"/>
           </a:solidFill>
@@ -8369,7 +8531,7 @@
           <a:sym typeface="Arial"/>
         </a:defRPr>
       </a:lvl2pPr>
-      <a:lvl3pPr lvl="2" marR="0" rtl="0" algn="l">
+      <a:lvl3pPr marR="0" lvl="2" algn="l" rtl="0">
         <a:lnSpc>
           <a:spcPct val="100000"/>
         </a:lnSpc>
@@ -8383,7 +8545,7 @@
           <a:srgbClr val="000000"/>
         </a:buClr>
         <a:buFont typeface="Arial"/>
-        <a:defRPr b="0" i="0" sz="1400" u="none" cap="none" strike="noStrike">
+        <a:defRPr sz="1400" b="0" i="0" u="none" strike="noStrike" cap="none">
           <a:solidFill>
             <a:srgbClr val="000000"/>
           </a:solidFill>
@@ -8393,7 +8555,7 @@
           <a:sym typeface="Arial"/>
         </a:defRPr>
       </a:lvl3pPr>
-      <a:lvl4pPr lvl="3" marR="0" rtl="0" algn="l">
+      <a:lvl4pPr marR="0" lvl="3" algn="l" rtl="0">
         <a:lnSpc>
           <a:spcPct val="100000"/>
         </a:lnSpc>
@@ -8407,7 +8569,7 @@
           <a:srgbClr val="000000"/>
         </a:buClr>
         <a:buFont typeface="Arial"/>
-        <a:defRPr b="0" i="0" sz="1400" u="none" cap="none" strike="noStrike">
+        <a:defRPr sz="1400" b="0" i="0" u="none" strike="noStrike" cap="none">
           <a:solidFill>
             <a:srgbClr val="000000"/>
           </a:solidFill>
@@ -8417,7 +8579,7 @@
           <a:sym typeface="Arial"/>
         </a:defRPr>
       </a:lvl4pPr>
-      <a:lvl5pPr lvl="4" marR="0" rtl="0" algn="l">
+      <a:lvl5pPr marR="0" lvl="4" algn="l" rtl="0">
         <a:lnSpc>
           <a:spcPct val="100000"/>
         </a:lnSpc>
@@ -8431,7 +8593,7 @@
           <a:srgbClr val="000000"/>
         </a:buClr>
         <a:buFont typeface="Arial"/>
-        <a:defRPr b="0" i="0" sz="1400" u="none" cap="none" strike="noStrike">
+        <a:defRPr sz="1400" b="0" i="0" u="none" strike="noStrike" cap="none">
           <a:solidFill>
             <a:srgbClr val="000000"/>
           </a:solidFill>
@@ -8441,7 +8603,7 @@
           <a:sym typeface="Arial"/>
         </a:defRPr>
       </a:lvl5pPr>
-      <a:lvl6pPr lvl="5" marR="0" rtl="0" algn="l">
+      <a:lvl6pPr marR="0" lvl="5" algn="l" rtl="0">
         <a:lnSpc>
           <a:spcPct val="100000"/>
         </a:lnSpc>
@@ -8455,7 +8617,7 @@
           <a:srgbClr val="000000"/>
         </a:buClr>
         <a:buFont typeface="Arial"/>
-        <a:defRPr b="0" i="0" sz="1400" u="none" cap="none" strike="noStrike">
+        <a:defRPr sz="1400" b="0" i="0" u="none" strike="noStrike" cap="none">
           <a:solidFill>
             <a:srgbClr val="000000"/>
           </a:solidFill>
@@ -8465,7 +8627,7 @@
           <a:sym typeface="Arial"/>
         </a:defRPr>
       </a:lvl6pPr>
-      <a:lvl7pPr lvl="6" marR="0" rtl="0" algn="l">
+      <a:lvl7pPr marR="0" lvl="6" algn="l" rtl="0">
         <a:lnSpc>
           <a:spcPct val="100000"/>
         </a:lnSpc>
@@ -8479,7 +8641,7 @@
           <a:srgbClr val="000000"/>
         </a:buClr>
         <a:buFont typeface="Arial"/>
-        <a:defRPr b="0" i="0" sz="1400" u="none" cap="none" strike="noStrike">
+        <a:defRPr sz="1400" b="0" i="0" u="none" strike="noStrike" cap="none">
           <a:solidFill>
             <a:srgbClr val="000000"/>
           </a:solidFill>
@@ -8489,7 +8651,7 @@
           <a:sym typeface="Arial"/>
         </a:defRPr>
       </a:lvl7pPr>
-      <a:lvl8pPr lvl="7" marR="0" rtl="0" algn="l">
+      <a:lvl8pPr marR="0" lvl="7" algn="l" rtl="0">
         <a:lnSpc>
           <a:spcPct val="100000"/>
         </a:lnSpc>
@@ -8503,7 +8665,7 @@
           <a:srgbClr val="000000"/>
         </a:buClr>
         <a:buFont typeface="Arial"/>
-        <a:defRPr b="0" i="0" sz="1400" u="none" cap="none" strike="noStrike">
+        <a:defRPr sz="1400" b="0" i="0" u="none" strike="noStrike" cap="none">
           <a:solidFill>
             <a:srgbClr val="000000"/>
           </a:solidFill>
@@ -8513,7 +8675,7 @@
           <a:sym typeface="Arial"/>
         </a:defRPr>
       </a:lvl8pPr>
-      <a:lvl9pPr lvl="8" marR="0" rtl="0" algn="l">
+      <a:lvl9pPr marR="0" lvl="8" algn="l" rtl="0">
         <a:lnSpc>
           <a:spcPct val="100000"/>
         </a:lnSpc>
@@ -8527,7 +8689,7 @@
           <a:srgbClr val="000000"/>
         </a:buClr>
         <a:buFont typeface="Arial"/>
-        <a:defRPr b="0" i="0" sz="1400" u="none" cap="none" strike="noStrike">
+        <a:defRPr sz="1400" b="0" i="0" u="none" strike="noStrike" cap="none">
           <a:solidFill>
             <a:srgbClr val="000000"/>
           </a:solidFill>
@@ -8543,7 +8705,7 @@
 </file>
 
 <file path=ppt/slides/slide1.xml><?xml version="1.0" encoding="utf-8"?>
-<p:sld xmlns:a="http://schemas.openxmlformats.org/drawingml/2006/main" xmlns:r="http://schemas.openxmlformats.org/officeDocument/2006/relationships" xmlns:mc="http://schemas.openxmlformats.org/markup-compatibility/2006" xmlns:mv="urn:schemas-microsoft-com:mac:vml" xmlns:p="http://schemas.openxmlformats.org/presentationml/2006/main" xmlns:c="http://schemas.openxmlformats.org/drawingml/2006/chart" xmlns:dgm="http://schemas.openxmlformats.org/drawingml/2006/diagram" xmlns:o="urn:schemas-microsoft-com:office:office" xmlns:v="urn:schemas-microsoft-com:vml" xmlns:pvml="urn:schemas-microsoft-com:office:powerpoint" xmlns:com="http://schemas.openxmlformats.org/drawingml/2006/compatibility" xmlns:p14="http://schemas.microsoft.com/office/powerpoint/2010/main" xmlns:p15="http://schemas.microsoft.com/office/powerpoint/2012/main">
+<p:sld xmlns:a="http://schemas.openxmlformats.org/drawingml/2006/main" xmlns:r="http://schemas.openxmlformats.org/officeDocument/2006/relationships" xmlns:p="http://schemas.openxmlformats.org/presentationml/2006/main">
   <p:cSld>
     <p:bg>
       <p:bgPr>
@@ -8561,11 +8723,12 @@
           </a:gsLst>
           <a:lin ang="5400000" scaled="0"/>
         </a:gradFill>
+        <a:effectLst/>
       </p:bgPr>
     </p:bg>
     <p:spTree>
       <p:nvGrpSpPr>
-        <p:cNvPr id="58" name="Shape 58"/>
+        <p:cNvPr id="1" name="Shape 58"/>
         <p:cNvGrpSpPr/>
         <p:nvPr/>
       </p:nvGrpSpPr>
@@ -8597,12 +8760,12 @@
           </a:ln>
         </p:spPr>
         <p:txBody>
-          <a:bodyPr anchorCtr="0" anchor="t" bIns="45700" lIns="91425" spcFirstLastPara="1" rIns="91425" wrap="square" tIns="45700">
+          <a:bodyPr spcFirstLastPara="1" wrap="square" lIns="91425" tIns="45700" rIns="91425" bIns="45700" anchor="t" anchorCtr="0">
             <a:noAutofit/>
           </a:bodyPr>
           <a:lstStyle/>
           <a:p>
-            <a:pPr indent="-336549" lvl="1" marL="685800" marR="0" rtl="0" algn="l">
+            <a:pPr marL="685800" marR="0" lvl="1" indent="-336549" algn="l" rtl="0">
               <a:lnSpc>
                 <a:spcPct val="100000"/>
               </a:lnSpc>
@@ -8620,7 +8783,7 @@
               <a:buChar char="⚫"/>
             </a:pPr>
             <a:r>
-              <a:rPr b="1" i="0" lang="en-US" sz="1800" u="none" cap="none" strike="noStrike">
+              <a:rPr lang="en-US" sz="1800" b="1" i="0" u="none" strike="noStrike" cap="none" dirty="0">
                 <a:solidFill>
                   <a:schemeClr val="dk1"/>
                 </a:solidFill>
@@ -8631,7 +8794,7 @@
               </a:rPr>
               <a:t>What Went Well?</a:t>
             </a:r>
-            <a:endParaRPr b="0" i="0" sz="1400" u="none" cap="none" strike="noStrike">
+            <a:endParaRPr sz="1400" b="0" i="0" u="none" strike="noStrike" cap="none" dirty="0">
               <a:solidFill>
                 <a:srgbClr val="000000"/>
               </a:solidFill>
@@ -8642,7 +8805,7 @@
             </a:endParaRPr>
           </a:p>
           <a:p>
-            <a:pPr indent="-282575" lvl="0" marL="968375" marR="0" rtl="0" algn="l">
+            <a:pPr marL="968375" marR="0" lvl="0" indent="-282575" algn="l" rtl="0">
               <a:lnSpc>
                 <a:spcPct val="100000"/>
               </a:lnSpc>
@@ -8660,7 +8823,7 @@
               <a:buChar char="⚫"/>
             </a:pPr>
             <a:r>
-              <a:rPr b="0" i="0" lang="en-US" sz="1600" u="none" cap="none" strike="noStrike">
+              <a:rPr lang="en-US" sz="1600" b="0" i="0" u="none" strike="noStrike" cap="none" dirty="0">
                 <a:solidFill>
                   <a:schemeClr val="dk1"/>
                 </a:solidFill>
@@ -8671,7 +8834,7 @@
               </a:rPr>
               <a:t> TEAM </a:t>
             </a:r>
-            <a:endParaRPr b="0" i="0" sz="1600" u="none" cap="none" strike="noStrike">
+            <a:endParaRPr sz="1600" b="0" i="0" u="none" strike="noStrike" cap="none" dirty="0">
               <a:solidFill>
                 <a:schemeClr val="dk1"/>
               </a:solidFill>
@@ -8682,7 +8845,7 @@
             </a:endParaRPr>
           </a:p>
           <a:p>
-            <a:pPr indent="-285750" lvl="0" marL="914400" marR="0" rtl="0" algn="l">
+            <a:pPr marL="914400" marR="0" lvl="0" indent="-285750" algn="l" rtl="0">
               <a:lnSpc>
                 <a:spcPct val="100000"/>
               </a:lnSpc>
@@ -8700,7 +8863,7 @@
               <a:buChar char="•"/>
             </a:pPr>
             <a:r>
-              <a:rPr b="0" i="0" lang="en-US" sz="1600" u="none" cap="none" strike="noStrike">
+              <a:rPr lang="en-US" sz="1600" b="0" i="0" u="none" strike="noStrike" cap="none" dirty="0">
                 <a:solidFill>
                   <a:schemeClr val="dk1"/>
                 </a:solidFill>
@@ -8711,7 +8874,7 @@
               </a:rPr>
               <a:t>We made many improvements to our project</a:t>
             </a:r>
-            <a:endParaRPr b="0" i="0" sz="1600" u="none" cap="none" strike="noStrike">
+            <a:endParaRPr sz="1600" b="0" i="0" u="none" strike="noStrike" cap="none" dirty="0">
               <a:solidFill>
                 <a:schemeClr val="dk1"/>
               </a:solidFill>
@@ -8722,7 +8885,7 @@
             </a:endParaRPr>
           </a:p>
           <a:p>
-            <a:pPr indent="-285750" lvl="0" marL="914400" marR="0" rtl="0" algn="l">
+            <a:pPr marL="914400" marR="0" lvl="0" indent="-285750" algn="l" rtl="0">
               <a:lnSpc>
                 <a:spcPct val="100000"/>
               </a:lnSpc>
@@ -8740,7 +8903,7 @@
               <a:buChar char="•"/>
             </a:pPr>
             <a:r>
-              <a:rPr b="0" i="0" lang="en-US" sz="1600" u="none" cap="none" strike="noStrike">
+              <a:rPr lang="en-US" sz="1600" b="0" i="0" u="none" strike="noStrike" cap="none" dirty="0">
                 <a:solidFill>
                   <a:schemeClr val="dk1"/>
                 </a:solidFill>
@@ -8751,10 +8914,10 @@
               </a:rPr>
               <a:t>Everyone had a better understanding of each other's skills</a:t>
             </a:r>
-            <a:endParaRPr/>
+            <a:endParaRPr dirty="0"/>
           </a:p>
           <a:p>
-            <a:pPr indent="-285750" lvl="0" marL="914400" marR="0" rtl="0" algn="l">
+            <a:pPr marL="914400" marR="0" lvl="0" indent="-285750" algn="l" rtl="0">
               <a:lnSpc>
                 <a:spcPct val="100000"/>
               </a:lnSpc>
@@ -8772,7 +8935,7 @@
               <a:buChar char="•"/>
             </a:pPr>
             <a:r>
-              <a:rPr b="0" i="0" lang="en-US" sz="1600" u="none" cap="none" strike="noStrike">
+              <a:rPr lang="en-US" sz="1600" b="0" i="0" u="none" strike="noStrike" cap="none" dirty="0">
                 <a:solidFill>
                   <a:schemeClr val="dk1"/>
                 </a:solidFill>
@@ -8783,10 +8946,10 @@
               </a:rPr>
               <a:t>We are more comfortable working together as a team</a:t>
             </a:r>
-            <a:endParaRPr/>
+            <a:endParaRPr dirty="0"/>
           </a:p>
           <a:p>
-            <a:pPr indent="-285750" lvl="0" marL="914400" marR="0" rtl="0" algn="l">
+            <a:pPr marL="914400" marR="0" lvl="0" indent="-285750" algn="l" rtl="0">
               <a:lnSpc>
                 <a:spcPct val="100000"/>
               </a:lnSpc>
@@ -8804,7 +8967,7 @@
               <a:buChar char="•"/>
             </a:pPr>
             <a:r>
-              <a:rPr b="0" i="0" lang="en-US" sz="1600" u="none" cap="none" strike="noStrike">
+              <a:rPr lang="en-US" sz="1600" b="0" i="0" u="none" strike="noStrike" cap="none" dirty="0">
                 <a:solidFill>
                   <a:schemeClr val="dk1"/>
                 </a:solidFill>
@@ -8815,7 +8978,7 @@
               </a:rPr>
               <a:t>We used the branch features to share our work and avoid overwriting changes</a:t>
             </a:r>
-            <a:endParaRPr b="0" i="0" sz="1400" u="none" cap="none" strike="noStrike">
+            <a:endParaRPr sz="1400" b="0" i="0" u="none" strike="noStrike" cap="none" dirty="0">
               <a:solidFill>
                 <a:srgbClr val="000000"/>
               </a:solidFill>
@@ -8826,7 +8989,7 @@
             </a:endParaRPr>
           </a:p>
           <a:p>
-            <a:pPr indent="-282575" lvl="2" marL="968375" marR="0" rtl="0" algn="l">
+            <a:pPr marL="968375" marR="0" lvl="2" indent="-282575" algn="l" rtl="0">
               <a:lnSpc>
                 <a:spcPct val="100000"/>
               </a:lnSpc>
@@ -8844,7 +9007,7 @@
               <a:buChar char="⚫"/>
             </a:pPr>
             <a:r>
-              <a:rPr b="0" i="0" lang="en-US" sz="1600" u="none" cap="none" strike="noStrike">
+              <a:rPr lang="en-US" sz="1600" b="0" i="0" u="none" strike="noStrike" cap="none" dirty="0">
                 <a:solidFill>
                   <a:schemeClr val="dk1"/>
                 </a:solidFill>
@@ -8853,12 +9016,24 @@
                 <a:cs typeface="Calibri"/>
                 <a:sym typeface="Calibri"/>
               </a:rPr>
-              <a:t> Walter – TODO</a:t>
+              <a:t> Walter – </a:t>
             </a:r>
-            <a:endParaRPr/>
+            <a:r>
+              <a:rPr lang="en-US" sz="1600" dirty="0">
+                <a:solidFill>
+                  <a:schemeClr val="dk1"/>
+                </a:solidFill>
+                <a:latin typeface="Calibri"/>
+                <a:ea typeface="Calibri"/>
+                <a:cs typeface="Calibri"/>
+                <a:sym typeface="Calibri"/>
+              </a:rPr>
+              <a:t>We were able to improve our project by establishing direct things we needs to change or learn for this sprint.</a:t>
+            </a:r>
+            <a:endParaRPr dirty="0"/>
           </a:p>
           <a:p>
-            <a:pPr indent="-282575" lvl="2" marL="968375" marR="0" rtl="0" algn="l">
+            <a:pPr marL="968375" marR="0" lvl="2" indent="-282575" algn="l" rtl="0">
               <a:lnSpc>
                 <a:spcPct val="100000"/>
               </a:lnSpc>
@@ -8876,7 +9051,7 @@
               <a:buChar char="⚫"/>
             </a:pPr>
             <a:r>
-              <a:rPr b="0" i="0" lang="en-US" sz="1600" u="none" cap="none" strike="noStrike">
+              <a:rPr lang="en-US" sz="1600" b="0" i="0" u="none" strike="noStrike" cap="none" dirty="0">
                 <a:solidFill>
                   <a:schemeClr val="dk1"/>
                 </a:solidFill>
@@ -8888,7 +9063,7 @@
               <a:t> Carter – </a:t>
             </a:r>
             <a:r>
-              <a:rPr lang="en-US" sz="1600">
+              <a:rPr lang="en-US" sz="1600" dirty="0">
                 <a:solidFill>
                   <a:schemeClr val="dk1"/>
                 </a:solidFill>
@@ -8897,81 +9072,9 @@
                 <a:cs typeface="Calibri"/>
                 <a:sym typeface="Calibri"/>
               </a:rPr>
-              <a:t>We were able to learn about difficult subjects quickly and </a:t>
+              <a:t>We were able to learn about difficult subjects quickly and efficiently. Were able to communicate and break the program up into manageable parts.</a:t>
             </a:r>
-            <a:r>
-              <a:rPr lang="en-US" sz="1600">
-                <a:solidFill>
-                  <a:schemeClr val="dk1"/>
-                </a:solidFill>
-                <a:latin typeface="Calibri"/>
-                <a:ea typeface="Calibri"/>
-                <a:cs typeface="Calibri"/>
-                <a:sym typeface="Calibri"/>
-              </a:rPr>
-              <a:t>efficiently</a:t>
-            </a:r>
-            <a:r>
-              <a:rPr lang="en-US" sz="1600">
-                <a:solidFill>
-                  <a:schemeClr val="dk1"/>
-                </a:solidFill>
-                <a:latin typeface="Calibri"/>
-                <a:ea typeface="Calibri"/>
-                <a:cs typeface="Calibri"/>
-                <a:sym typeface="Calibri"/>
-              </a:rPr>
-              <a:t>. Were able to </a:t>
-            </a:r>
-            <a:r>
-              <a:rPr lang="en-US" sz="1600">
-                <a:solidFill>
-                  <a:schemeClr val="dk1"/>
-                </a:solidFill>
-                <a:latin typeface="Calibri"/>
-                <a:ea typeface="Calibri"/>
-                <a:cs typeface="Calibri"/>
-                <a:sym typeface="Calibri"/>
-              </a:rPr>
-              <a:t>communicate</a:t>
-            </a:r>
-            <a:r>
-              <a:rPr lang="en-US" sz="1600">
-                <a:solidFill>
-                  <a:schemeClr val="dk1"/>
-                </a:solidFill>
-                <a:latin typeface="Calibri"/>
-                <a:ea typeface="Calibri"/>
-                <a:cs typeface="Calibri"/>
-                <a:sym typeface="Calibri"/>
-              </a:rPr>
-              <a:t> and break the program up into </a:t>
-            </a:r>
-            <a:r>
-              <a:rPr lang="en-US" sz="1600">
-                <a:solidFill>
-                  <a:schemeClr val="dk1"/>
-                </a:solidFill>
-                <a:latin typeface="Calibri"/>
-                <a:ea typeface="Calibri"/>
-                <a:cs typeface="Calibri"/>
-                <a:sym typeface="Calibri"/>
-              </a:rPr>
-              <a:t>manageable</a:t>
-            </a:r>
-            <a:r>
-              <a:rPr lang="en-US" sz="1600">
-                <a:solidFill>
-                  <a:schemeClr val="dk1"/>
-                </a:solidFill>
-                <a:latin typeface="Calibri"/>
-                <a:ea typeface="Calibri"/>
-                <a:cs typeface="Calibri"/>
-                <a:sym typeface="Calibri"/>
-              </a:rPr>
-              <a:t> parts.</a:t>
-            </a:r>
-            <a:endParaRPr sz="1600">
+            <a:endParaRPr sz="1600" dirty="0">
               <a:solidFill>
                 <a:schemeClr val="dk1"/>
               </a:solidFill>
@@ -8982,7 +9085,7 @@
             </a:endParaRPr>
           </a:p>
           <a:p>
-            <a:pPr indent="-282575" lvl="2" marL="968375" marR="0" rtl="0" algn="l">
+            <a:pPr marL="968375" marR="0" lvl="2" indent="-282575" algn="l" rtl="0">
               <a:lnSpc>
                 <a:spcPct val="100000"/>
               </a:lnSpc>
@@ -9000,7 +9103,7 @@
               <a:buChar char="⚫"/>
             </a:pPr>
             <a:r>
-              <a:rPr b="0" i="0" lang="en-US" sz="1600" u="none" cap="none" strike="noStrike">
+              <a:rPr lang="en-US" sz="1600" b="0" i="0" u="none" strike="noStrike" cap="none" dirty="0">
                 <a:solidFill>
                   <a:schemeClr val="dk1"/>
                 </a:solidFill>
@@ -9011,10 +9114,10 @@
               </a:rPr>
               <a:t>Daniel – We were able to organize and separate the code so that we can see and work on separate files.</a:t>
             </a:r>
-            <a:endParaRPr/>
+            <a:endParaRPr dirty="0"/>
           </a:p>
           <a:p>
-            <a:pPr indent="-282575" lvl="2" marL="968375" marR="0" rtl="0" algn="l">
+            <a:pPr marL="968375" marR="0" lvl="2" indent="-282575" algn="l" rtl="0">
               <a:lnSpc>
                 <a:spcPct val="100000"/>
               </a:lnSpc>
@@ -9032,7 +9135,7 @@
               <a:buChar char="⚫"/>
             </a:pPr>
             <a:r>
-              <a:rPr b="0" i="0" lang="en-US" sz="1600" u="none" cap="none" strike="noStrike">
+              <a:rPr lang="en-US" sz="1600" b="0" i="0" u="none" strike="noStrike" cap="none" dirty="0">
                 <a:solidFill>
                   <a:schemeClr val="dk1"/>
                 </a:solidFill>
@@ -9043,7 +9146,7 @@
               </a:rPr>
               <a:t> Elvin – TODO</a:t>
             </a:r>
-            <a:endParaRPr b="0" i="0" sz="1400" u="none" cap="none" strike="noStrike">
+            <a:endParaRPr sz="1400" b="0" i="0" u="none" strike="noStrike" cap="none" dirty="0">
               <a:solidFill>
                 <a:srgbClr val="000000"/>
               </a:solidFill>
@@ -9054,7 +9157,7 @@
             </a:endParaRPr>
           </a:p>
           <a:p>
-            <a:pPr indent="-282575" lvl="2" marL="968375" marR="0" rtl="0" algn="l">
+            <a:pPr marL="968375" marR="0" lvl="2" indent="-282575" algn="l" rtl="0">
               <a:lnSpc>
                 <a:spcPct val="100000"/>
               </a:lnSpc>
@@ -9072,7 +9175,7 @@
               <a:buChar char="⚫"/>
             </a:pPr>
             <a:r>
-              <a:rPr b="0" i="0" lang="en-US" sz="1600" u="none" cap="none" strike="noStrike">
+              <a:rPr lang="en-US" sz="1600" b="0" i="0" u="none" strike="noStrike" cap="none" dirty="0">
                 <a:solidFill>
                   <a:schemeClr val="dk1"/>
                 </a:solidFill>
@@ -9083,7 +9186,7 @@
               </a:rPr>
               <a:t> Luke – TODO</a:t>
             </a:r>
-            <a:endParaRPr b="0" i="0" sz="1600" u="none" cap="none" strike="noStrike">
+            <a:endParaRPr sz="1600" b="0" i="0" u="none" strike="noStrike" cap="none" dirty="0">
               <a:solidFill>
                 <a:srgbClr val="595959"/>
               </a:solidFill>
@@ -9094,7 +9197,7 @@
             </a:endParaRPr>
           </a:p>
           <a:p>
-            <a:pPr indent="-238759" lvl="1" marL="685800" marR="0" rtl="0" algn="l">
+            <a:pPr marL="685800" marR="0" lvl="1" indent="-238759" algn="l" rtl="0">
               <a:lnSpc>
                 <a:spcPct val="100000"/>
               </a:lnSpc>
@@ -9111,10 +9214,7 @@
               <a:buFont typeface="Noto Sans Symbols"/>
               <a:buNone/>
             </a:pPr>
-            <a:r>
-              <a:t/>
-            </a:r>
-            <a:endParaRPr b="0" i="0" sz="1400" u="none" cap="none" strike="noStrike">
+            <a:endParaRPr sz="1400" b="0" i="0" u="none" strike="noStrike" cap="none" dirty="0">
               <a:solidFill>
                 <a:srgbClr val="595959"/>
               </a:solidFill>
@@ -9125,7 +9225,7 @@
             </a:endParaRPr>
           </a:p>
           <a:p>
-            <a:pPr indent="-142875" lvl="2" marL="968375" marR="0" rtl="0" algn="l">
+            <a:pPr marL="968375" marR="0" lvl="2" indent="-142875" algn="l" rtl="0">
               <a:lnSpc>
                 <a:spcPct val="100000"/>
               </a:lnSpc>
@@ -9142,10 +9242,7 @@
               <a:buFont typeface="Noto Sans Symbols"/>
               <a:buNone/>
             </a:pPr>
-            <a:r>
-              <a:t/>
-            </a:r>
-            <a:endParaRPr b="0" i="0" sz="2000" u="none" cap="none" strike="noStrike">
+            <a:endParaRPr sz="2000" b="0" i="0" u="none" strike="noStrike" cap="none" dirty="0">
               <a:solidFill>
                 <a:srgbClr val="595959"/>
               </a:solidFill>
@@ -9156,7 +9253,7 @@
             </a:endParaRPr>
           </a:p>
           <a:p>
-            <a:pPr indent="-265430" lvl="0" marL="349250" marR="0" rtl="0" algn="l">
+            <a:pPr marL="349250" marR="0" lvl="0" indent="-265430" algn="l" rtl="0">
               <a:lnSpc>
                 <a:spcPct val="100000"/>
               </a:lnSpc>
@@ -9173,10 +9270,7 @@
               <a:buFont typeface="Noto Sans Symbols"/>
               <a:buNone/>
             </a:pPr>
-            <a:r>
-              <a:t/>
-            </a:r>
-            <a:endParaRPr b="0" i="0" sz="1200" u="none" cap="none" strike="noStrike">
+            <a:endParaRPr sz="1200" b="0" i="0" u="none" strike="noStrike" cap="none" dirty="0">
               <a:solidFill>
                 <a:srgbClr val="595959"/>
               </a:solidFill>
@@ -9224,12 +9318,12 @@
             </a:ln>
           </p:spPr>
           <p:txBody>
-            <a:bodyPr anchorCtr="0" anchor="ctr" bIns="45700" lIns="91425" spcFirstLastPara="1" rIns="91425" wrap="square" tIns="45700">
+            <a:bodyPr spcFirstLastPara="1" wrap="square" lIns="91425" tIns="45700" rIns="91425" bIns="45700" anchor="ctr" anchorCtr="0">
               <a:noAutofit/>
             </a:bodyPr>
             <a:lstStyle/>
             <a:p>
-              <a:pPr indent="0" lvl="0" marL="0" marR="0" rtl="0" algn="ctr">
+              <a:pPr marL="0" marR="0" lvl="0" indent="0" algn="ctr" rtl="0">
                 <a:lnSpc>
                   <a:spcPct val="100000"/>
                 </a:lnSpc>
@@ -9241,10 +9335,7 @@
                 </a:spcAft>
                 <a:buNone/>
               </a:pPr>
-              <a:r>
-                <a:t/>
-              </a:r>
-              <a:endParaRPr b="0" i="0" sz="1400" u="none" cap="none" strike="noStrike">
+              <a:endParaRPr sz="1400" b="0" i="0" u="none" strike="noStrike" cap="none">
                 <a:solidFill>
                   <a:schemeClr val="lt1"/>
                 </a:solidFill>
@@ -9280,7 +9371,7 @@
               <a:blip r:embed="rId3">
                 <a:alphaModFix/>
               </a:blip>
-              <a:srcRect b="12896" l="0" r="0" t="13955"/>
+              <a:srcRect t="13955" b="12896"/>
               <a:stretch/>
             </p:blipFill>
             <p:spPr>
@@ -9319,12 +9410,12 @@
               </a:ln>
             </p:spPr>
             <p:txBody>
-              <a:bodyPr anchorCtr="0" anchor="ctr" bIns="45700" lIns="91425" spcFirstLastPara="1" rIns="91425" wrap="square" tIns="45700">
+              <a:bodyPr spcFirstLastPara="1" wrap="square" lIns="91425" tIns="45700" rIns="91425" bIns="45700" anchor="ctr" anchorCtr="0">
                 <a:noAutofit/>
               </a:bodyPr>
               <a:lstStyle/>
               <a:p>
-                <a:pPr indent="0" lvl="0" marL="0" marR="0" rtl="0" algn="ctr">
+                <a:pPr marL="0" marR="0" lvl="0" indent="0" algn="ctr" rtl="0">
                   <a:lnSpc>
                     <a:spcPct val="100000"/>
                   </a:lnSpc>
@@ -9336,10 +9427,7 @@
                   </a:spcAft>
                   <a:buNone/>
                 </a:pPr>
-                <a:r>
-                  <a:t/>
-                </a:r>
-                <a:endParaRPr b="0" i="0" sz="1400" u="none" cap="none" strike="noStrike">
+                <a:endParaRPr sz="1400" b="0" i="0" u="none" strike="noStrike" cap="none">
                   <a:solidFill>
                     <a:schemeClr val="lt1"/>
                   </a:solidFill>
@@ -9361,7 +9449,7 @@
               <a:blip r:embed="rId3">
                 <a:alphaModFix/>
               </a:blip>
-              <a:srcRect b="28656" l="64214" r="28230" t="31860"/>
+              <a:srcRect l="64214" t="31860" r="28230" b="28656"/>
               <a:stretch/>
             </p:blipFill>
             <p:spPr>
@@ -9388,7 +9476,7 @@
               <a:blip r:embed="rId3">
                 <a:alphaModFix/>
               </a:blip>
-              <a:srcRect b="29484" l="55600" r="35973" t="32988"/>
+              <a:srcRect l="55600" t="32988" r="35973" b="29484"/>
               <a:stretch/>
             </p:blipFill>
             <p:spPr>
@@ -9415,7 +9503,7 @@
               <a:blip r:embed="rId3">
                 <a:alphaModFix/>
               </a:blip>
-              <a:srcRect b="26711" l="43981" r="47230" t="31391"/>
+              <a:srcRect l="43981" t="31391" r="47230" b="26711"/>
               <a:stretch/>
             </p:blipFill>
             <p:spPr>
@@ -9456,7 +9544,7 @@
                 <a:blip r:embed="rId3">
                   <a:alphaModFix/>
                 </a:blip>
-                <a:srcRect b="31076" l="71866" r="20463" t="32144"/>
+                <a:srcRect l="71866" t="32144" r="20463" b="31076"/>
                 <a:stretch/>
               </p:blipFill>
               <p:spPr>
@@ -9495,12 +9583,12 @@
                 </a:ln>
               </p:spPr>
               <p:txBody>
-                <a:bodyPr anchorCtr="0" anchor="ctr" bIns="45700" lIns="91425" spcFirstLastPara="1" rIns="91425" wrap="square" tIns="45700">
+                <a:bodyPr spcFirstLastPara="1" wrap="square" lIns="91425" tIns="45700" rIns="91425" bIns="45700" anchor="ctr" anchorCtr="0">
                   <a:noAutofit/>
                 </a:bodyPr>
                 <a:lstStyle/>
                 <a:p>
-                  <a:pPr indent="0" lvl="0" marL="0" marR="0" rtl="0" algn="ctr">
+                  <a:pPr marL="0" marR="0" lvl="0" indent="0" algn="ctr" rtl="0">
                     <a:lnSpc>
                       <a:spcPct val="100000"/>
                     </a:lnSpc>
@@ -9512,10 +9600,7 @@
                     </a:spcAft>
                     <a:buNone/>
                   </a:pPr>
-                  <a:r>
-                    <a:t/>
-                  </a:r>
-                  <a:endParaRPr b="0" i="0" sz="1400" u="none" cap="none" strike="noStrike">
+                  <a:endParaRPr sz="1400" b="0" i="0" u="none" strike="noStrike" cap="none">
                     <a:solidFill>
                       <a:schemeClr val="lt1"/>
                     </a:solidFill>
@@ -9549,12 +9634,12 @@
                 </a:ln>
               </p:spPr>
               <p:txBody>
-                <a:bodyPr anchorCtr="0" anchor="ctr" bIns="45700" lIns="91425" spcFirstLastPara="1" rIns="91425" wrap="square" tIns="45700">
+                <a:bodyPr spcFirstLastPara="1" wrap="square" lIns="91425" tIns="45700" rIns="91425" bIns="45700" anchor="ctr" anchorCtr="0">
                   <a:noAutofit/>
                 </a:bodyPr>
                 <a:lstStyle/>
                 <a:p>
-                  <a:pPr indent="0" lvl="0" marL="0" marR="0" rtl="0" algn="ctr">
+                  <a:pPr marL="0" marR="0" lvl="0" indent="0" algn="ctr" rtl="0">
                     <a:lnSpc>
                       <a:spcPct val="100000"/>
                     </a:lnSpc>
@@ -9566,10 +9651,7 @@
                     </a:spcAft>
                     <a:buNone/>
                   </a:pPr>
-                  <a:r>
-                    <a:t/>
-                  </a:r>
-                  <a:endParaRPr b="0" i="0" sz="1400" u="none" cap="none" strike="noStrike">
+                  <a:endParaRPr sz="1400" b="0" i="0" u="none" strike="noStrike" cap="none">
                     <a:solidFill>
                       <a:schemeClr val="lt1"/>
                     </a:solidFill>
@@ -9593,7 +9675,7 @@
             <a:blip r:embed="rId4">
               <a:alphaModFix/>
             </a:blip>
-            <a:srcRect b="0" l="0" r="0" t="0"/>
+            <a:srcRect/>
             <a:stretch/>
           </p:blipFill>
           <p:spPr>
@@ -9620,7 +9702,7 @@
 </file>
 
 <file path=ppt/slides/slide2.xml><?xml version="1.0" encoding="utf-8"?>
-<p:sld xmlns:a="http://schemas.openxmlformats.org/drawingml/2006/main" xmlns:r="http://schemas.openxmlformats.org/officeDocument/2006/relationships" xmlns:mc="http://schemas.openxmlformats.org/markup-compatibility/2006" xmlns:mv="urn:schemas-microsoft-com:mac:vml" xmlns:p="http://schemas.openxmlformats.org/presentationml/2006/main" xmlns:c="http://schemas.openxmlformats.org/drawingml/2006/chart" xmlns:dgm="http://schemas.openxmlformats.org/drawingml/2006/diagram" xmlns:o="urn:schemas-microsoft-com:office:office" xmlns:v="urn:schemas-microsoft-com:vml" xmlns:pvml="urn:schemas-microsoft-com:office:powerpoint" xmlns:com="http://schemas.openxmlformats.org/drawingml/2006/compatibility" xmlns:p14="http://schemas.microsoft.com/office/powerpoint/2010/main" xmlns:p15="http://schemas.microsoft.com/office/powerpoint/2012/main">
+<p:sld xmlns:a="http://schemas.openxmlformats.org/drawingml/2006/main" xmlns:r="http://schemas.openxmlformats.org/officeDocument/2006/relationships" xmlns:p="http://schemas.openxmlformats.org/presentationml/2006/main">
   <p:cSld>
     <p:bg>
       <p:bgPr>
@@ -9638,11 +9720,12 @@
           </a:gsLst>
           <a:lin ang="5400000" scaled="0"/>
         </a:gradFill>
+        <a:effectLst/>
       </p:bgPr>
     </p:bg>
     <p:spTree>
       <p:nvGrpSpPr>
-        <p:cNvPr id="76" name="Shape 76"/>
+        <p:cNvPr id="1" name="Shape 76"/>
         <p:cNvGrpSpPr/>
         <p:nvPr/>
       </p:nvGrpSpPr>
@@ -9657,9 +9740,11 @@
       <p:sp>
         <p:nvSpPr>
           <p:cNvPr id="77" name="Google Shape;77;p16"/>
-          <p:cNvSpPr txBox="1"/>
+          <p:cNvSpPr txBox="1">
+            <a:spLocks noGrp="1"/>
+          </p:cNvSpPr>
           <p:nvPr>
-            <p:ph idx="1" type="body"/>
+            <p:ph type="body" idx="1"/>
           </p:nvPr>
         </p:nvSpPr>
         <p:spPr>
@@ -9676,12 +9761,12 @@
           </a:ln>
         </p:spPr>
         <p:txBody>
-          <a:bodyPr anchorCtr="0" anchor="t" bIns="45700" lIns="91425" spcFirstLastPara="1" rIns="91425" wrap="square" tIns="45700">
+          <a:bodyPr spcFirstLastPara="1" wrap="square" lIns="91425" tIns="45700" rIns="91425" bIns="45700" anchor="t" anchorCtr="0">
             <a:noAutofit/>
           </a:bodyPr>
           <a:lstStyle/>
           <a:p>
-            <a:pPr indent="-336549" lvl="1" marL="685800" rtl="0" algn="l">
+            <a:pPr marL="685800" lvl="1" indent="-336549" algn="l" rtl="0">
               <a:lnSpc>
                 <a:spcPct val="100000"/>
               </a:lnSpc>
@@ -9695,17 +9780,17 @@
               <a:buChar char="⚫"/>
             </a:pPr>
             <a:r>
-              <a:rPr b="1" lang="en-US" sz="1800">
+              <a:rPr lang="en-US" sz="1800" b="1" dirty="0">
                 <a:solidFill>
                   <a:schemeClr val="dk1"/>
                 </a:solidFill>
               </a:rPr>
               <a:t>What Might Be Impeding Us from Performing Better?</a:t>
             </a:r>
-            <a:endParaRPr/>
+            <a:endParaRPr dirty="0"/>
           </a:p>
           <a:p>
-            <a:pPr indent="-282575" lvl="2" marL="968375" rtl="0" algn="l">
+            <a:pPr marL="968375" lvl="2" indent="-282575" algn="l" rtl="0">
               <a:lnSpc>
                 <a:spcPct val="100000"/>
               </a:lnSpc>
@@ -9719,17 +9804,17 @@
               <a:buChar char="⚫"/>
             </a:pPr>
             <a:r>
-              <a:rPr lang="en-US" sz="1800">
+              <a:rPr lang="en-US" sz="1800" dirty="0">
                 <a:solidFill>
                   <a:schemeClr val="dk1"/>
                 </a:solidFill>
               </a:rPr>
               <a:t>Limited time to work on project and with team due to busy schedules.</a:t>
             </a:r>
-            <a:endParaRPr/>
+            <a:endParaRPr dirty="0"/>
           </a:p>
           <a:p>
-            <a:pPr indent="-282575" lvl="2" marL="968375" rtl="0" algn="l">
+            <a:pPr marL="968375" lvl="2" indent="-282575" algn="l" rtl="0">
               <a:lnSpc>
                 <a:spcPct val="100000"/>
               </a:lnSpc>
@@ -9743,21 +9828,21 @@
               <a:buChar char="⚫"/>
             </a:pPr>
             <a:r>
-              <a:rPr lang="en-US" sz="1800">
+              <a:rPr lang="en-US" sz="1800" dirty="0">
                 <a:solidFill>
                   <a:schemeClr val="dk1"/>
                 </a:solidFill>
               </a:rPr>
               <a:t>Some tasks required a lot of knowledge and research on the subject before progressing</a:t>
             </a:r>
-            <a:endParaRPr sz="1800">
+            <a:endParaRPr sz="1800" dirty="0">
               <a:solidFill>
                 <a:schemeClr val="dk1"/>
               </a:solidFill>
             </a:endParaRPr>
           </a:p>
           <a:p>
-            <a:pPr indent="-271144" lvl="2" marL="968375" rtl="0" algn="l">
+            <a:pPr marL="968375" lvl="2" indent="-271144" algn="l" rtl="0">
               <a:lnSpc>
                 <a:spcPct val="100000"/>
               </a:lnSpc>
@@ -9774,21 +9859,47 @@
               <a:buChar char="⚫"/>
             </a:pPr>
             <a:r>
-              <a:rPr lang="en-US" sz="1800">
+              <a:rPr lang="en-US" sz="1800" dirty="0">
                 <a:solidFill>
                   <a:schemeClr val="dk1"/>
                 </a:solidFill>
               </a:rPr>
               <a:t>To many different languages and interconnecting process’s </a:t>
             </a:r>
-            <a:endParaRPr sz="1800">
+          </a:p>
+          <a:p>
+            <a:pPr marL="968375" lvl="2" indent="-271144" algn="l" rtl="0">
+              <a:lnSpc>
+                <a:spcPct val="100000"/>
+              </a:lnSpc>
+              <a:spcBef>
+                <a:spcPts val="1200"/>
+              </a:spcBef>
+              <a:spcAft>
+                <a:spcPts val="0"/>
+              </a:spcAft>
+              <a:buClr>
+                <a:schemeClr val="dk1"/>
+              </a:buClr>
+              <a:buSzPts val="1800"/>
+              <a:buChar char="⚫"/>
+            </a:pPr>
+            <a:r>
+              <a:rPr lang="en-US" sz="1800" dirty="0">
+                <a:solidFill>
+                  <a:schemeClr val="dk1"/>
+                </a:solidFill>
+              </a:rPr>
+              <a:t>Being able to communicate when we lost or on what to do.</a:t>
+            </a:r>
+            <a:endParaRPr sz="1800" dirty="0">
               <a:solidFill>
                 <a:schemeClr val="dk1"/>
               </a:solidFill>
             </a:endParaRPr>
           </a:p>
           <a:p>
-            <a:pPr indent="0" lvl="2" marL="811530" rtl="0" algn="l">
+            <a:pPr marL="811530" lvl="2" indent="0" algn="l" rtl="0">
               <a:lnSpc>
                 <a:spcPct val="100000"/>
               </a:lnSpc>
@@ -9801,13 +9912,10 @@
               <a:buSzPts val="1980"/>
               <a:buNone/>
             </a:pPr>
-            <a:r>
-              <a:t/>
-            </a:r>
-            <a:endParaRPr/>
+            <a:endParaRPr dirty="0"/>
           </a:p>
           <a:p>
-            <a:pPr indent="-156844" lvl="2" marL="968375" rtl="0" algn="l">
+            <a:pPr marL="968375" lvl="2" indent="-156844" algn="l" rtl="0">
               <a:lnSpc>
                 <a:spcPct val="100000"/>
               </a:lnSpc>
@@ -9820,17 +9928,14 @@
               <a:buSzPts val="1980"/>
               <a:buNone/>
             </a:pPr>
-            <a:r>
-              <a:t/>
-            </a:r>
-            <a:endParaRPr sz="1800">
+            <a:endParaRPr sz="1800" dirty="0">
               <a:solidFill>
                 <a:schemeClr val="dk1"/>
               </a:solidFill>
             </a:endParaRPr>
           </a:p>
           <a:p>
-            <a:pPr indent="-156844" lvl="2" marL="968375" rtl="0" algn="l">
+            <a:pPr marL="968375" lvl="2" indent="-156844" algn="l" rtl="0">
               <a:lnSpc>
                 <a:spcPct val="100000"/>
               </a:lnSpc>
@@ -9843,17 +9948,14 @@
               <a:buSzPts val="1980"/>
               <a:buNone/>
             </a:pPr>
-            <a:r>
-              <a:t/>
-            </a:r>
-            <a:endParaRPr sz="1800">
+            <a:endParaRPr sz="1800" dirty="0">
               <a:solidFill>
                 <a:schemeClr val="dk1"/>
               </a:solidFill>
             </a:endParaRPr>
           </a:p>
           <a:p>
-            <a:pPr indent="-156844" lvl="2" marL="968375" rtl="0" algn="l">
+            <a:pPr marL="968375" lvl="2" indent="-156844" algn="l" rtl="0">
               <a:lnSpc>
                 <a:spcPct val="100000"/>
               </a:lnSpc>
@@ -9866,13 +9968,10 @@
               <a:buSzPts val="1980"/>
               <a:buNone/>
             </a:pPr>
-            <a:r>
-              <a:t/>
-            </a:r>
-            <a:endParaRPr sz="1800"/>
+            <a:endParaRPr sz="1800" dirty="0"/>
           </a:p>
           <a:p>
-            <a:pPr indent="-224790" lvl="1" marL="685800" rtl="0" algn="l">
+            <a:pPr marL="685800" lvl="1" indent="-224790" algn="l" rtl="0">
               <a:lnSpc>
                 <a:spcPct val="100000"/>
               </a:lnSpc>
@@ -9885,13 +9984,10 @@
               <a:buSzPts val="1760"/>
               <a:buNone/>
             </a:pPr>
-            <a:r>
-              <a:t/>
-            </a:r>
-            <a:endParaRPr sz="1600"/>
+            <a:endParaRPr sz="1600" dirty="0"/>
           </a:p>
           <a:p>
-            <a:pPr indent="-238759" lvl="1" marL="685800" rtl="0" algn="l">
+            <a:pPr marL="685800" lvl="1" indent="-238759" algn="l" rtl="0">
               <a:lnSpc>
                 <a:spcPct val="100000"/>
               </a:lnSpc>
@@ -9904,13 +10000,10 @@
               <a:buSzPts val="1540"/>
               <a:buNone/>
             </a:pPr>
-            <a:r>
-              <a:t/>
-            </a:r>
-            <a:endParaRPr sz="1400"/>
+            <a:endParaRPr sz="1400" dirty="0"/>
           </a:p>
           <a:p>
-            <a:pPr indent="-142875" lvl="2" marL="968375" rtl="0" algn="l">
+            <a:pPr marL="968375" lvl="2" indent="-142875" algn="l" rtl="0">
               <a:lnSpc>
                 <a:spcPct val="100000"/>
               </a:lnSpc>
@@ -9923,13 +10016,10 @@
               <a:buSzPts val="2200"/>
               <a:buNone/>
             </a:pPr>
-            <a:r>
-              <a:t/>
-            </a:r>
-            <a:endParaRPr/>
+            <a:endParaRPr dirty="0"/>
           </a:p>
           <a:p>
-            <a:pPr indent="-265430" lvl="0" marL="349250" rtl="0" algn="l">
+            <a:pPr marL="349250" lvl="0" indent="-265430" algn="l" rtl="0">
               <a:lnSpc>
                 <a:spcPct val="100000"/>
               </a:lnSpc>
@@ -9942,10 +10032,7 @@
               <a:buSzPts val="1320"/>
               <a:buNone/>
             </a:pPr>
-            <a:r>
-              <a:t/>
-            </a:r>
-            <a:endParaRPr sz="1200"/>
+            <a:endParaRPr sz="1200" dirty="0"/>
           </a:p>
         </p:txBody>
       </p:sp>
@@ -9985,12 +10072,12 @@
             </a:ln>
           </p:spPr>
           <p:txBody>
-            <a:bodyPr anchorCtr="0" anchor="ctr" bIns="45700" lIns="91425" spcFirstLastPara="1" rIns="91425" wrap="square" tIns="45700">
+            <a:bodyPr spcFirstLastPara="1" wrap="square" lIns="91425" tIns="45700" rIns="91425" bIns="45700" anchor="ctr" anchorCtr="0">
               <a:noAutofit/>
             </a:bodyPr>
             <a:lstStyle/>
             <a:p>
-              <a:pPr indent="0" lvl="0" marL="0" marR="0" rtl="0" algn="ctr">
+              <a:pPr marL="0" marR="0" lvl="0" indent="0" algn="ctr" rtl="0">
                 <a:lnSpc>
                   <a:spcPct val="100000"/>
                 </a:lnSpc>
@@ -10002,10 +10089,7 @@
                 </a:spcAft>
                 <a:buNone/>
               </a:pPr>
-              <a:r>
-                <a:t/>
-              </a:r>
-              <a:endParaRPr b="0" i="0" sz="1400" u="none" cap="none" strike="noStrike">
+              <a:endParaRPr sz="1400" b="0" i="0" u="none" strike="noStrike" cap="none">
                 <a:solidFill>
                   <a:schemeClr val="lt1"/>
                 </a:solidFill>
@@ -10041,7 +10125,7 @@
               <a:blip r:embed="rId3">
                 <a:alphaModFix/>
               </a:blip>
-              <a:srcRect b="12896" l="0" r="0" t="13955"/>
+              <a:srcRect t="13955" b="12896"/>
               <a:stretch/>
             </p:blipFill>
             <p:spPr>
@@ -10080,12 +10164,12 @@
               </a:ln>
             </p:spPr>
             <p:txBody>
-              <a:bodyPr anchorCtr="0" anchor="ctr" bIns="45700" lIns="91425" spcFirstLastPara="1" rIns="91425" wrap="square" tIns="45700">
+              <a:bodyPr spcFirstLastPara="1" wrap="square" lIns="91425" tIns="45700" rIns="91425" bIns="45700" anchor="ctr" anchorCtr="0">
                 <a:noAutofit/>
               </a:bodyPr>
               <a:lstStyle/>
               <a:p>
-                <a:pPr indent="0" lvl="0" marL="0" marR="0" rtl="0" algn="ctr">
+                <a:pPr marL="0" marR="0" lvl="0" indent="0" algn="ctr" rtl="0">
                   <a:lnSpc>
                     <a:spcPct val="100000"/>
                   </a:lnSpc>
@@ -10097,10 +10181,7 @@
                   </a:spcAft>
                   <a:buNone/>
                 </a:pPr>
-                <a:r>
-                  <a:t/>
-                </a:r>
-                <a:endParaRPr b="0" i="0" sz="1400" u="none" cap="none" strike="noStrike">
+                <a:endParaRPr sz="1400" b="0" i="0" u="none" strike="noStrike" cap="none">
                   <a:solidFill>
                     <a:schemeClr val="lt1"/>
                   </a:solidFill>
@@ -10122,7 +10203,7 @@
               <a:blip r:embed="rId3">
                 <a:alphaModFix/>
               </a:blip>
-              <a:srcRect b="28656" l="64214" r="28230" t="31860"/>
+              <a:srcRect l="64214" t="31860" r="28230" b="28656"/>
               <a:stretch/>
             </p:blipFill>
             <p:spPr>
@@ -10149,7 +10230,7 @@
               <a:blip r:embed="rId3">
                 <a:alphaModFix/>
               </a:blip>
-              <a:srcRect b="29484" l="55600" r="35973" t="32988"/>
+              <a:srcRect l="55600" t="32988" r="35973" b="29484"/>
               <a:stretch/>
             </p:blipFill>
             <p:spPr>
@@ -10176,7 +10257,7 @@
               <a:blip r:embed="rId3">
                 <a:alphaModFix/>
               </a:blip>
-              <a:srcRect b="26711" l="43981" r="47230" t="31391"/>
+              <a:srcRect l="43981" t="31391" r="47230" b="26711"/>
               <a:stretch/>
             </p:blipFill>
             <p:spPr>
@@ -10217,7 +10298,7 @@
                 <a:blip r:embed="rId3">
                   <a:alphaModFix/>
                 </a:blip>
-                <a:srcRect b="31076" l="71866" r="20463" t="32144"/>
+                <a:srcRect l="71866" t="32144" r="20463" b="31076"/>
                 <a:stretch/>
               </p:blipFill>
               <p:spPr>
@@ -10256,12 +10337,12 @@
                 </a:ln>
               </p:spPr>
               <p:txBody>
-                <a:bodyPr anchorCtr="0" anchor="ctr" bIns="45700" lIns="91425" spcFirstLastPara="1" rIns="91425" wrap="square" tIns="45700">
+                <a:bodyPr spcFirstLastPara="1" wrap="square" lIns="91425" tIns="45700" rIns="91425" bIns="45700" anchor="ctr" anchorCtr="0">
                   <a:noAutofit/>
                 </a:bodyPr>
                 <a:lstStyle/>
                 <a:p>
-                  <a:pPr indent="0" lvl="0" marL="0" marR="0" rtl="0" algn="ctr">
+                  <a:pPr marL="0" marR="0" lvl="0" indent="0" algn="ctr" rtl="0">
                     <a:lnSpc>
                       <a:spcPct val="100000"/>
                     </a:lnSpc>
@@ -10273,10 +10354,7 @@
                     </a:spcAft>
                     <a:buNone/>
                   </a:pPr>
-                  <a:r>
-                    <a:t/>
-                  </a:r>
-                  <a:endParaRPr b="0" i="0" sz="1400" u="none" cap="none" strike="noStrike">
+                  <a:endParaRPr sz="1400" b="0" i="0" u="none" strike="noStrike" cap="none">
                     <a:solidFill>
                       <a:schemeClr val="lt1"/>
                     </a:solidFill>
@@ -10310,12 +10388,12 @@
                 </a:ln>
               </p:spPr>
               <p:txBody>
-                <a:bodyPr anchorCtr="0" anchor="ctr" bIns="45700" lIns="91425" spcFirstLastPara="1" rIns="91425" wrap="square" tIns="45700">
+                <a:bodyPr spcFirstLastPara="1" wrap="square" lIns="91425" tIns="45700" rIns="91425" bIns="45700" anchor="ctr" anchorCtr="0">
                   <a:noAutofit/>
                 </a:bodyPr>
                 <a:lstStyle/>
                 <a:p>
-                  <a:pPr indent="0" lvl="0" marL="0" marR="0" rtl="0" algn="ctr">
+                  <a:pPr marL="0" marR="0" lvl="0" indent="0" algn="ctr" rtl="0">
                     <a:lnSpc>
                       <a:spcPct val="100000"/>
                     </a:lnSpc>
@@ -10327,10 +10405,7 @@
                     </a:spcAft>
                     <a:buNone/>
                   </a:pPr>
-                  <a:r>
-                    <a:t/>
-                  </a:r>
-                  <a:endParaRPr b="0" i="0" sz="1400" u="none" cap="none" strike="noStrike">
+                  <a:endParaRPr sz="1400" b="0" i="0" u="none" strike="noStrike" cap="none">
                     <a:solidFill>
                       <a:schemeClr val="lt1"/>
                     </a:solidFill>
@@ -10354,7 +10429,7 @@
             <a:blip r:embed="rId4">
               <a:alphaModFix/>
             </a:blip>
-            <a:srcRect b="0" l="0" r="0" t="0"/>
+            <a:srcRect/>
             <a:stretch/>
           </p:blipFill>
           <p:spPr>
@@ -10381,7 +10456,7 @@
 </file>
 
 <file path=ppt/slides/slide3.xml><?xml version="1.0" encoding="utf-8"?>
-<p:sld xmlns:a="http://schemas.openxmlformats.org/drawingml/2006/main" xmlns:r="http://schemas.openxmlformats.org/officeDocument/2006/relationships" xmlns:mc="http://schemas.openxmlformats.org/markup-compatibility/2006" xmlns:mv="urn:schemas-microsoft-com:mac:vml" xmlns:p="http://schemas.openxmlformats.org/presentationml/2006/main" xmlns:c="http://schemas.openxmlformats.org/drawingml/2006/chart" xmlns:dgm="http://schemas.openxmlformats.org/drawingml/2006/diagram" xmlns:o="urn:schemas-microsoft-com:office:office" xmlns:v="urn:schemas-microsoft-com:vml" xmlns:pvml="urn:schemas-microsoft-com:office:powerpoint" xmlns:com="http://schemas.openxmlformats.org/drawingml/2006/compatibility" xmlns:p14="http://schemas.microsoft.com/office/powerpoint/2010/main" xmlns:p15="http://schemas.microsoft.com/office/powerpoint/2012/main">
+<p:sld xmlns:a="http://schemas.openxmlformats.org/drawingml/2006/main" xmlns:r="http://schemas.openxmlformats.org/officeDocument/2006/relationships" xmlns:p="http://schemas.openxmlformats.org/presentationml/2006/main">
   <p:cSld>
     <p:bg>
       <p:bgPr>
@@ -10399,11 +10474,12 @@
           </a:gsLst>
           <a:lin ang="5400000" scaled="0"/>
         </a:gradFill>
+        <a:effectLst/>
       </p:bgPr>
     </p:bg>
     <p:spTree>
       <p:nvGrpSpPr>
-        <p:cNvPr id="94" name="Shape 94"/>
+        <p:cNvPr id="1" name="Shape 94"/>
         <p:cNvGrpSpPr/>
         <p:nvPr/>
       </p:nvGrpSpPr>
@@ -10418,9 +10494,11 @@
       <p:sp>
         <p:nvSpPr>
           <p:cNvPr id="95" name="Google Shape;95;p17"/>
-          <p:cNvSpPr txBox="1"/>
+          <p:cNvSpPr txBox="1">
+            <a:spLocks noGrp="1"/>
+          </p:cNvSpPr>
           <p:nvPr>
-            <p:ph idx="1" type="body"/>
+            <p:ph type="body" idx="1"/>
           </p:nvPr>
         </p:nvSpPr>
         <p:spPr>
@@ -10437,12 +10515,12 @@
           </a:ln>
         </p:spPr>
         <p:txBody>
-          <a:bodyPr anchorCtr="0" anchor="t" bIns="45700" lIns="91425" spcFirstLastPara="1" rIns="91425" wrap="square" tIns="45700">
+          <a:bodyPr spcFirstLastPara="1" wrap="square" lIns="91425" tIns="45700" rIns="91425" bIns="45700" anchor="t" anchorCtr="0">
             <a:noAutofit/>
           </a:bodyPr>
           <a:lstStyle/>
           <a:p>
-            <a:pPr indent="-336549" lvl="1" marL="685800" rtl="0" algn="l">
+            <a:pPr marL="685800" lvl="1" indent="-336549" algn="l" rtl="0">
               <a:lnSpc>
                 <a:spcPct val="100000"/>
               </a:lnSpc>
@@ -10456,7 +10534,7 @@
               <a:buChar char="⚫"/>
             </a:pPr>
             <a:r>
-              <a:rPr b="1" lang="en-US" sz="1800">
+              <a:rPr lang="en-US" sz="1800" b="1" dirty="0">
                 <a:solidFill>
                   <a:schemeClr val="dk1"/>
                 </a:solidFill>
@@ -10464,17 +10542,17 @@
               <a:t>What Can We do to Improve</a:t>
             </a:r>
             <a:r>
-              <a:rPr lang="en-US" sz="1600">
+              <a:rPr lang="en-US" sz="1600" dirty="0">
                 <a:solidFill>
                   <a:schemeClr val="dk1"/>
                 </a:solidFill>
               </a:rPr>
               <a:t>?</a:t>
             </a:r>
-            <a:endParaRPr/>
+            <a:endParaRPr dirty="0"/>
           </a:p>
           <a:p>
-            <a:pPr indent="-282575" lvl="2" marL="968375" rtl="0" algn="l">
+            <a:pPr marL="968375" lvl="2" indent="-282575" algn="l" rtl="0">
               <a:lnSpc>
                 <a:spcPct val="100000"/>
               </a:lnSpc>
@@ -10488,17 +10566,17 @@
               <a:buChar char="⚫"/>
             </a:pPr>
             <a:r>
-              <a:rPr lang="en-US" sz="1600">
+              <a:rPr lang="en-US" sz="1600" dirty="0">
                 <a:solidFill>
                   <a:schemeClr val="dk1"/>
                 </a:solidFill>
               </a:rPr>
               <a:t>TEAM – Helping each other when one of us is struggling.</a:t>
             </a:r>
-            <a:endParaRPr/>
+            <a:endParaRPr dirty="0"/>
           </a:p>
           <a:p>
-            <a:pPr indent="-282575" lvl="2" marL="968375" rtl="0" algn="l">
+            <a:pPr marL="968375" lvl="2" indent="-282575" algn="l" rtl="0">
               <a:lnSpc>
                 <a:spcPct val="100000"/>
               </a:lnSpc>
@@ -10512,17 +10590,17 @@
               <a:buChar char="⚫"/>
             </a:pPr>
             <a:r>
-              <a:rPr lang="en-US" sz="1600">
+              <a:rPr lang="en-US" sz="1600" dirty="0">
                 <a:solidFill>
                   <a:schemeClr val="dk1"/>
                 </a:solidFill>
               </a:rPr>
-              <a:t>Walter – TODO </a:t>
+              <a:t>Walter –  Making sure everyone is on the same page and is able to test their code without overriding each others work.</a:t>
             </a:r>
-            <a:endParaRPr/>
+            <a:endParaRPr dirty="0"/>
           </a:p>
           <a:p>
-            <a:pPr indent="-282575" lvl="2" marL="968375" rtl="0" algn="l">
+            <a:pPr marL="968375" lvl="2" indent="-282575" algn="l" rtl="0">
               <a:lnSpc>
                 <a:spcPct val="100000"/>
               </a:lnSpc>
@@ -10536,17 +10614,17 @@
               <a:buChar char="⚫"/>
             </a:pPr>
             <a:r>
-              <a:rPr lang="en-US" sz="1600">
+              <a:rPr lang="en-US" sz="1600" dirty="0">
                 <a:solidFill>
                   <a:schemeClr val="dk1"/>
                 </a:solidFill>
               </a:rPr>
               <a:t>Carter – reaching out to teammates more when one is struggling through difficult parts of projects, letting each other know if were having trouble. </a:t>
             </a:r>
-            <a:endParaRPr/>
+            <a:endParaRPr dirty="0"/>
           </a:p>
           <a:p>
-            <a:pPr indent="-282575" lvl="2" marL="968375" rtl="0" algn="l">
+            <a:pPr marL="968375" lvl="2" indent="-282575" algn="l" rtl="0">
               <a:lnSpc>
                 <a:spcPct val="100000"/>
               </a:lnSpc>
@@ -10560,17 +10638,17 @@
               <a:buChar char="⚫"/>
             </a:pPr>
             <a:r>
-              <a:rPr lang="en-US" sz="1600">
+              <a:rPr lang="en-US" sz="1600" dirty="0">
                 <a:solidFill>
                   <a:schemeClr val="dk1"/>
                 </a:solidFill>
               </a:rPr>
               <a:t>Daniel – More group meetings to keep each other on the same path. (Ex. Three 1 hour meetings / week)</a:t>
             </a:r>
-            <a:endParaRPr/>
+            <a:endParaRPr dirty="0"/>
           </a:p>
           <a:p>
-            <a:pPr indent="-282575" lvl="2" marL="968375" rtl="0" algn="l">
+            <a:pPr marL="968375" lvl="2" indent="-282575" algn="l" rtl="0">
               <a:lnSpc>
                 <a:spcPct val="100000"/>
               </a:lnSpc>
@@ -10584,21 +10662,21 @@
               <a:buChar char="⚫"/>
             </a:pPr>
             <a:r>
-              <a:rPr lang="en-US" sz="1600">
+              <a:rPr lang="en-US" sz="1600" dirty="0">
                 <a:solidFill>
                   <a:schemeClr val="dk1"/>
                 </a:solidFill>
               </a:rPr>
               <a:t>Elvin – TODO</a:t>
             </a:r>
-            <a:endParaRPr sz="1600">
+            <a:endParaRPr sz="1600" dirty="0">
               <a:solidFill>
                 <a:schemeClr val="dk1"/>
               </a:solidFill>
             </a:endParaRPr>
           </a:p>
           <a:p>
-            <a:pPr indent="-282575" lvl="2" marL="968375" rtl="0" algn="l">
+            <a:pPr marL="968375" lvl="2" indent="-282575" algn="l" rtl="0">
               <a:lnSpc>
                 <a:spcPct val="100000"/>
               </a:lnSpc>
@@ -10612,17 +10690,17 @@
               <a:buChar char="⚫"/>
             </a:pPr>
             <a:r>
-              <a:rPr lang="en-US" sz="1600">
+              <a:rPr lang="en-US" sz="1600" dirty="0">
                 <a:solidFill>
                   <a:schemeClr val="dk1"/>
                 </a:solidFill>
               </a:rPr>
               <a:t>Luke – TODO</a:t>
             </a:r>
-            <a:endParaRPr sz="1600"/>
+            <a:endParaRPr sz="1600" dirty="0"/>
           </a:p>
           <a:p>
-            <a:pPr indent="-238759" lvl="1" marL="685800" rtl="0" algn="l">
+            <a:pPr marL="685800" lvl="1" indent="-238759" algn="l" rtl="0">
               <a:lnSpc>
                 <a:spcPct val="100000"/>
               </a:lnSpc>
@@ -10635,13 +10713,10 @@
               <a:buSzPts val="1540"/>
               <a:buNone/>
             </a:pPr>
-            <a:r>
-              <a:t/>
-            </a:r>
-            <a:endParaRPr sz="1400"/>
+            <a:endParaRPr sz="1400" dirty="0"/>
           </a:p>
           <a:p>
-            <a:pPr indent="-142875" lvl="2" marL="968375" rtl="0" algn="l">
+            <a:pPr marL="968375" lvl="2" indent="-142875" algn="l" rtl="0">
               <a:lnSpc>
                 <a:spcPct val="100000"/>
               </a:lnSpc>
@@ -10654,13 +10729,10 @@
               <a:buSzPts val="2200"/>
               <a:buNone/>
             </a:pPr>
-            <a:r>
-              <a:t/>
-            </a:r>
-            <a:endParaRPr/>
+            <a:endParaRPr dirty="0"/>
           </a:p>
           <a:p>
-            <a:pPr indent="-265430" lvl="0" marL="349250" rtl="0" algn="l">
+            <a:pPr marL="349250" lvl="0" indent="-265430" algn="l" rtl="0">
               <a:lnSpc>
                 <a:spcPct val="100000"/>
               </a:lnSpc>
@@ -10673,10 +10745,7 @@
               <a:buSzPts val="1320"/>
               <a:buNone/>
             </a:pPr>
-            <a:r>
-              <a:t/>
-            </a:r>
-            <a:endParaRPr sz="1200"/>
+            <a:endParaRPr sz="1200" dirty="0"/>
           </a:p>
         </p:txBody>
       </p:sp>
@@ -10716,12 +10785,12 @@
             </a:ln>
           </p:spPr>
           <p:txBody>
-            <a:bodyPr anchorCtr="0" anchor="ctr" bIns="45700" lIns="91425" spcFirstLastPara="1" rIns="91425" wrap="square" tIns="45700">
+            <a:bodyPr spcFirstLastPara="1" wrap="square" lIns="91425" tIns="45700" rIns="91425" bIns="45700" anchor="ctr" anchorCtr="0">
               <a:noAutofit/>
             </a:bodyPr>
             <a:lstStyle/>
             <a:p>
-              <a:pPr indent="0" lvl="0" marL="0" marR="0" rtl="0" algn="ctr">
+              <a:pPr marL="0" marR="0" lvl="0" indent="0" algn="ctr" rtl="0">
                 <a:lnSpc>
                   <a:spcPct val="100000"/>
                 </a:lnSpc>
@@ -10733,10 +10802,7 @@
                 </a:spcAft>
                 <a:buNone/>
               </a:pPr>
-              <a:r>
-                <a:t/>
-              </a:r>
-              <a:endParaRPr b="0" i="0" sz="1400" u="none" cap="none" strike="noStrike">
+              <a:endParaRPr sz="1400" b="0" i="0" u="none" strike="noStrike" cap="none">
                 <a:solidFill>
                   <a:schemeClr val="lt1"/>
                 </a:solidFill>
@@ -10772,7 +10838,7 @@
               <a:blip r:embed="rId3">
                 <a:alphaModFix/>
               </a:blip>
-              <a:srcRect b="12896" l="0" r="0" t="13955"/>
+              <a:srcRect t="13955" b="12896"/>
               <a:stretch/>
             </p:blipFill>
             <p:spPr>
@@ -10811,12 +10877,12 @@
               </a:ln>
             </p:spPr>
             <p:txBody>
-              <a:bodyPr anchorCtr="0" anchor="ctr" bIns="45700" lIns="91425" spcFirstLastPara="1" rIns="91425" wrap="square" tIns="45700">
+              <a:bodyPr spcFirstLastPara="1" wrap="square" lIns="91425" tIns="45700" rIns="91425" bIns="45700" anchor="ctr" anchorCtr="0">
                 <a:noAutofit/>
               </a:bodyPr>
               <a:lstStyle/>
               <a:p>
-                <a:pPr indent="0" lvl="0" marL="0" marR="0" rtl="0" algn="ctr">
+                <a:pPr marL="0" marR="0" lvl="0" indent="0" algn="ctr" rtl="0">
                   <a:lnSpc>
                     <a:spcPct val="100000"/>
                   </a:lnSpc>
@@ -10828,10 +10894,7 @@
                   </a:spcAft>
                   <a:buNone/>
                 </a:pPr>
-                <a:r>
-                  <a:t/>
-                </a:r>
-                <a:endParaRPr b="0" i="0" sz="1400" u="none" cap="none" strike="noStrike">
+                <a:endParaRPr sz="1400" b="0" i="0" u="none" strike="noStrike" cap="none">
                   <a:solidFill>
                     <a:schemeClr val="lt1"/>
                   </a:solidFill>
@@ -10853,7 +10916,7 @@
               <a:blip r:embed="rId3">
                 <a:alphaModFix/>
               </a:blip>
-              <a:srcRect b="28656" l="64214" r="28230" t="31860"/>
+              <a:srcRect l="64214" t="31860" r="28230" b="28656"/>
               <a:stretch/>
             </p:blipFill>
             <p:spPr>
@@ -10880,7 +10943,7 @@
               <a:blip r:embed="rId3">
                 <a:alphaModFix/>
               </a:blip>
-              <a:srcRect b="29484" l="55600" r="35973" t="32988"/>
+              <a:srcRect l="55600" t="32988" r="35973" b="29484"/>
               <a:stretch/>
             </p:blipFill>
             <p:spPr>
@@ -10907,7 +10970,7 @@
               <a:blip r:embed="rId3">
                 <a:alphaModFix/>
               </a:blip>
-              <a:srcRect b="26711" l="43981" r="47230" t="31391"/>
+              <a:srcRect l="43981" t="31391" r="47230" b="26711"/>
               <a:stretch/>
             </p:blipFill>
             <p:spPr>
@@ -10948,7 +11011,7 @@
                 <a:blip r:embed="rId3">
                   <a:alphaModFix/>
                 </a:blip>
-                <a:srcRect b="31076" l="71866" r="20463" t="32144"/>
+                <a:srcRect l="71866" t="32144" r="20463" b="31076"/>
                 <a:stretch/>
               </p:blipFill>
               <p:spPr>
@@ -10987,12 +11050,12 @@
                 </a:ln>
               </p:spPr>
               <p:txBody>
-                <a:bodyPr anchorCtr="0" anchor="ctr" bIns="45700" lIns="91425" spcFirstLastPara="1" rIns="91425" wrap="square" tIns="45700">
+                <a:bodyPr spcFirstLastPara="1" wrap="square" lIns="91425" tIns="45700" rIns="91425" bIns="45700" anchor="ctr" anchorCtr="0">
                   <a:noAutofit/>
                 </a:bodyPr>
                 <a:lstStyle/>
                 <a:p>
-                  <a:pPr indent="0" lvl="0" marL="0" marR="0" rtl="0" algn="ctr">
+                  <a:pPr marL="0" marR="0" lvl="0" indent="0" algn="ctr" rtl="0">
                     <a:lnSpc>
                       <a:spcPct val="100000"/>
                     </a:lnSpc>
@@ -11004,10 +11067,7 @@
                     </a:spcAft>
                     <a:buNone/>
                   </a:pPr>
-                  <a:r>
-                    <a:t/>
-                  </a:r>
-                  <a:endParaRPr b="0" i="0" sz="1400" u="none" cap="none" strike="noStrike">
+                  <a:endParaRPr sz="1400" b="0" i="0" u="none" strike="noStrike" cap="none">
                     <a:solidFill>
                       <a:schemeClr val="lt1"/>
                     </a:solidFill>
@@ -11041,12 +11101,12 @@
                 </a:ln>
               </p:spPr>
               <p:txBody>
-                <a:bodyPr anchorCtr="0" anchor="ctr" bIns="45700" lIns="91425" spcFirstLastPara="1" rIns="91425" wrap="square" tIns="45700">
+                <a:bodyPr spcFirstLastPara="1" wrap="square" lIns="91425" tIns="45700" rIns="91425" bIns="45700" anchor="ctr" anchorCtr="0">
                   <a:noAutofit/>
                 </a:bodyPr>
                 <a:lstStyle/>
                 <a:p>
-                  <a:pPr indent="0" lvl="0" marL="0" marR="0" rtl="0" algn="ctr">
+                  <a:pPr marL="0" marR="0" lvl="0" indent="0" algn="ctr" rtl="0">
                     <a:lnSpc>
                       <a:spcPct val="100000"/>
                     </a:lnSpc>
@@ -11058,10 +11118,7 @@
                     </a:spcAft>
                     <a:buNone/>
                   </a:pPr>
-                  <a:r>
-                    <a:t/>
-                  </a:r>
-                  <a:endParaRPr b="0" i="0" sz="1400" u="none" cap="none" strike="noStrike">
+                  <a:endParaRPr sz="1400" b="0" i="0" u="none" strike="noStrike" cap="none">
                     <a:solidFill>
                       <a:schemeClr val="lt1"/>
                     </a:solidFill>
@@ -11085,7 +11142,7 @@
             <a:blip r:embed="rId4">
               <a:alphaModFix/>
             </a:blip>
-            <a:srcRect b="0" l="0" r="0" t="0"/>
+            <a:srcRect/>
             <a:stretch/>
           </p:blipFill>
           <p:spPr>
@@ -11112,7 +11169,288 @@
 </file>
 
 <file path=ppt/theme/theme1.xml><?xml version="1.0" encoding="utf-8"?>
-<a:theme xmlns:a="http://schemas.openxmlformats.org/drawingml/2006/main" xmlns:r="http://schemas.openxmlformats.org/officeDocument/2006/relationships" name="Office Theme">
+<a:theme xmlns:a="http://schemas.openxmlformats.org/drawingml/2006/main" name="Breeze">
+  <a:themeElements>
+    <a:clrScheme name="Custom 1">
+      <a:dk1>
+        <a:srgbClr val="000000"/>
+      </a:dk1>
+      <a:lt1>
+        <a:srgbClr val="FFFFFF"/>
+      </a:lt1>
+      <a:dk2>
+        <a:srgbClr val="2B142D"/>
+      </a:dk2>
+      <a:lt2>
+        <a:srgbClr val="C3AFCC"/>
+      </a:lt2>
+      <a:accent1>
+        <a:srgbClr val="663366"/>
+      </a:accent1>
+      <a:accent2>
+        <a:srgbClr val="330F42"/>
+      </a:accent2>
+      <a:accent3>
+        <a:srgbClr val="666699"/>
+      </a:accent3>
+      <a:accent4>
+        <a:srgbClr val="999966"/>
+      </a:accent4>
+      <a:accent5>
+        <a:srgbClr val="F7901E"/>
+      </a:accent5>
+      <a:accent6>
+        <a:srgbClr val="A3A101"/>
+      </a:accent6>
+      <a:hlink>
+        <a:srgbClr val="3026F6"/>
+      </a:hlink>
+      <a:folHlink>
+        <a:srgbClr val="9775A7"/>
+      </a:folHlink>
+    </a:clrScheme>
+    <a:fontScheme name="Office">
+      <a:majorFont>
+        <a:latin typeface="Arial"/>
+        <a:ea typeface=""/>
+        <a:cs typeface=""/>
+        <a:font script="Jpan" typeface="ＭＳ Ｐゴシック"/>
+        <a:font script="Hang" typeface="맑은 고딕"/>
+        <a:font script="Hans" typeface="宋体"/>
+        <a:font script="Hant" typeface="新細明體"/>
+        <a:font script="Arab" typeface="Times New Roman"/>
+        <a:font script="Hebr" typeface="Times New Roman"/>
+        <a:font script="Thai" typeface="Angsana New"/>
+        <a:font script="Ethi" typeface="Nyala"/>
+        <a:font script="Beng" typeface="Vrinda"/>
+        <a:font script="Gujr" typeface="Shruti"/>
+        <a:font script="Khmr" typeface="MoolBoran"/>
+        <a:font script="Knda" typeface="Tunga"/>
+        <a:font script="Guru" typeface="Raavi"/>
+        <a:font script="Cans" typeface="Euphemia"/>
+        <a:font script="Cher" typeface="Plantagenet Cherokee"/>
+        <a:font script="Yiii" typeface="Microsoft Yi Baiti"/>
+        <a:font script="Tibt" typeface="Microsoft Himalaya"/>
+        <a:font script="Thaa" typeface="MV Boli"/>
+        <a:font script="Deva" typeface="Mangal"/>
+        <a:font script="Telu" typeface="Gautami"/>
+        <a:font script="Taml" typeface="Latha"/>
+        <a:font script="Syrc" typeface="Estrangelo Edessa"/>
+        <a:font script="Orya" typeface="Kalinga"/>
+        <a:font script="Mlym" typeface="Kartika"/>
+        <a:font script="Laoo" typeface="DokChampa"/>
+        <a:font script="Sinh" typeface="Iskoola Pota"/>
+        <a:font script="Mong" typeface="Mongolian Baiti"/>
+        <a:font script="Viet" typeface="Times New Roman"/>
+        <a:font script="Uigh" typeface="Microsoft Uighur"/>
+        <a:font script="Geor" typeface="Sylfaen"/>
+      </a:majorFont>
+      <a:minorFont>
+        <a:latin typeface="Arial"/>
+        <a:ea typeface=""/>
+        <a:cs typeface=""/>
+        <a:font script="Jpan" typeface="ＭＳ Ｐゴシック"/>
+        <a:font script="Hang" typeface="맑은 고딕"/>
+        <a:font script="Hans" typeface="宋体"/>
+        <a:font script="Hant" typeface="新細明體"/>
+        <a:font script="Arab" typeface="Arial"/>
+        <a:font script="Hebr" typeface="Arial"/>
+        <a:font script="Thai" typeface="Cordia New"/>
+        <a:font script="Ethi" typeface="Nyala"/>
+        <a:font script="Beng" typeface="Vrinda"/>
+        <a:font script="Gujr" typeface="Shruti"/>
+        <a:font script="Khmr" typeface="DaunPenh"/>
+        <a:font script="Knda" typeface="Tunga"/>
+        <a:font script="Guru" typeface="Raavi"/>
+        <a:font script="Cans" typeface="Euphemia"/>
+        <a:font script="Cher" typeface="Plantagenet Cherokee"/>
+        <a:font script="Yiii" typeface="Microsoft Yi Baiti"/>
+        <a:font script="Tibt" typeface="Microsoft Himalaya"/>
+        <a:font script="Thaa" typeface="MV Boli"/>
+        <a:font script="Deva" typeface="Mangal"/>
+        <a:font script="Telu" typeface="Gautami"/>
+        <a:font script="Taml" typeface="Latha"/>
+        <a:font script="Syrc" typeface="Estrangelo Edessa"/>
+        <a:font script="Orya" typeface="Kalinga"/>
+        <a:font script="Mlym" typeface="Kartika"/>
+        <a:font script="Laoo" typeface="DokChampa"/>
+        <a:font script="Sinh" typeface="Iskoola Pota"/>
+        <a:font script="Mong" typeface="Mongolian Baiti"/>
+        <a:font script="Viet" typeface="Arial"/>
+        <a:font script="Uigh" typeface="Microsoft Uighur"/>
+        <a:font script="Geor" typeface="Sylfaen"/>
+      </a:minorFont>
+    </a:fontScheme>
+    <a:fmtScheme name="Office">
+      <a:fillStyleLst>
+        <a:solidFill>
+          <a:schemeClr val="phClr"/>
+        </a:solidFill>
+        <a:gradFill rotWithShape="1">
+          <a:gsLst>
+            <a:gs pos="0">
+              <a:schemeClr val="phClr">
+                <a:tint val="50000"/>
+                <a:satMod val="300000"/>
+              </a:schemeClr>
+            </a:gs>
+            <a:gs pos="35000">
+              <a:schemeClr val="phClr">
+                <a:tint val="37000"/>
+                <a:satMod val="300000"/>
+              </a:schemeClr>
+            </a:gs>
+            <a:gs pos="100000">
+              <a:schemeClr val="phClr">
+                <a:tint val="15000"/>
+                <a:satMod val="350000"/>
+              </a:schemeClr>
+            </a:gs>
+          </a:gsLst>
+          <a:lin ang="16200000" scaled="1"/>
+        </a:gradFill>
+        <a:gradFill rotWithShape="1">
+          <a:gsLst>
+            <a:gs pos="0">
+              <a:schemeClr val="phClr">
+                <a:tint val="100000"/>
+                <a:shade val="100000"/>
+                <a:satMod val="130000"/>
+              </a:schemeClr>
+            </a:gs>
+            <a:gs pos="100000">
+              <a:schemeClr val="phClr">
+                <a:tint val="50000"/>
+                <a:shade val="100000"/>
+                <a:satMod val="350000"/>
+              </a:schemeClr>
+            </a:gs>
+          </a:gsLst>
+          <a:lin ang="16200000" scaled="0"/>
+        </a:gradFill>
+      </a:fillStyleLst>
+      <a:lnStyleLst>
+        <a:ln w="9525" cap="flat" cmpd="sng" algn="ctr">
+          <a:solidFill>
+            <a:schemeClr val="phClr">
+              <a:shade val="95000"/>
+              <a:satMod val="105000"/>
+            </a:schemeClr>
+          </a:solidFill>
+          <a:prstDash val="solid"/>
+        </a:ln>
+        <a:ln w="25400" cap="flat" cmpd="sng" algn="ctr">
+          <a:solidFill>
+            <a:schemeClr val="phClr"/>
+          </a:solidFill>
+          <a:prstDash val="solid"/>
+        </a:ln>
+        <a:ln w="38100" cap="flat" cmpd="sng" algn="ctr">
+          <a:solidFill>
+            <a:schemeClr val="phClr"/>
+          </a:solidFill>
+          <a:prstDash val="solid"/>
+        </a:ln>
+      </a:lnStyleLst>
+      <a:effectStyleLst>
+        <a:effectStyle>
+          <a:effectLst>
+            <a:outerShdw blurRad="40000" dist="20000" dir="5400000" rotWithShape="0">
+              <a:srgbClr val="000000">
+                <a:alpha val="38000"/>
+              </a:srgbClr>
+            </a:outerShdw>
+          </a:effectLst>
+        </a:effectStyle>
+        <a:effectStyle>
+          <a:effectLst>
+            <a:outerShdw blurRad="40000" dist="23000" dir="5400000" rotWithShape="0">
+              <a:srgbClr val="000000">
+                <a:alpha val="35000"/>
+              </a:srgbClr>
+            </a:outerShdw>
+          </a:effectLst>
+        </a:effectStyle>
+        <a:effectStyle>
+          <a:effectLst>
+            <a:outerShdw blurRad="40000" dist="23000" dir="5400000" rotWithShape="0">
+              <a:srgbClr val="000000">
+                <a:alpha val="35000"/>
+              </a:srgbClr>
+            </a:outerShdw>
+          </a:effectLst>
+          <a:scene3d>
+            <a:camera prst="orthographicFront">
+              <a:rot lat="0" lon="0" rev="0"/>
+            </a:camera>
+            <a:lightRig rig="threePt" dir="t">
+              <a:rot lat="0" lon="0" rev="1200000"/>
+            </a:lightRig>
+          </a:scene3d>
+          <a:sp3d>
+            <a:bevelT w="63500" h="25400"/>
+          </a:sp3d>
+        </a:effectStyle>
+      </a:effectStyleLst>
+      <a:bgFillStyleLst>
+        <a:solidFill>
+          <a:schemeClr val="phClr"/>
+        </a:solidFill>
+        <a:gradFill rotWithShape="1">
+          <a:gsLst>
+            <a:gs pos="0">
+              <a:schemeClr val="phClr">
+                <a:tint val="40000"/>
+                <a:satMod val="350000"/>
+              </a:schemeClr>
+            </a:gs>
+            <a:gs pos="40000">
+              <a:schemeClr val="phClr">
+                <a:tint val="45000"/>
+                <a:shade val="99000"/>
+                <a:satMod val="350000"/>
+              </a:schemeClr>
+            </a:gs>
+            <a:gs pos="100000">
+              <a:schemeClr val="phClr">
+                <a:shade val="20000"/>
+                <a:satMod val="255000"/>
+              </a:schemeClr>
+            </a:gs>
+          </a:gsLst>
+          <a:path path="circle">
+            <a:fillToRect l="50000" t="-80000" r="50000" b="180000"/>
+          </a:path>
+        </a:gradFill>
+        <a:gradFill rotWithShape="1">
+          <a:gsLst>
+            <a:gs pos="0">
+              <a:schemeClr val="phClr">
+                <a:tint val="80000"/>
+                <a:satMod val="300000"/>
+              </a:schemeClr>
+            </a:gs>
+            <a:gs pos="100000">
+              <a:schemeClr val="phClr">
+                <a:shade val="30000"/>
+                <a:satMod val="200000"/>
+              </a:schemeClr>
+            </a:gs>
+          </a:gsLst>
+          <a:path path="circle">
+            <a:fillToRect l="50000" t="50000" r="50000" b="50000"/>
+          </a:path>
+        </a:gradFill>
+      </a:bgFillStyleLst>
+    </a:fmtScheme>
+  </a:themeElements>
+  <a:objectDefaults/>
+  <a:extraClrSchemeLst/>
+</a:theme>
+</file>
+
+<file path=ppt/theme/theme2.xml><?xml version="1.0" encoding="utf-8"?>
+<a:theme xmlns:a="http://schemas.openxmlformats.org/drawingml/2006/main" name="Office Theme">
   <a:themeElements>
     <a:clrScheme name="Office">
       <a:dk1>
@@ -11387,284 +11725,7 @@
       </a:bgFillStyleLst>
     </a:fmtScheme>
   </a:themeElements>
-</a:theme>
-</file>
-
-<file path=ppt/theme/theme2.xml><?xml version="1.0" encoding="utf-8"?>
-<a:theme xmlns:a="http://schemas.openxmlformats.org/drawingml/2006/main" xmlns:r="http://schemas.openxmlformats.org/officeDocument/2006/relationships" name="Breeze">
-  <a:themeElements>
-    <a:clrScheme name="Custom 1">
-      <a:dk1>
-        <a:srgbClr val="000000"/>
-      </a:dk1>
-      <a:lt1>
-        <a:srgbClr val="FFFFFF"/>
-      </a:lt1>
-      <a:dk2>
-        <a:srgbClr val="2B142D"/>
-      </a:dk2>
-      <a:lt2>
-        <a:srgbClr val="C3AFCC"/>
-      </a:lt2>
-      <a:accent1>
-        <a:srgbClr val="663366"/>
-      </a:accent1>
-      <a:accent2>
-        <a:srgbClr val="330F42"/>
-      </a:accent2>
-      <a:accent3>
-        <a:srgbClr val="666699"/>
-      </a:accent3>
-      <a:accent4>
-        <a:srgbClr val="999966"/>
-      </a:accent4>
-      <a:accent5>
-        <a:srgbClr val="F7901E"/>
-      </a:accent5>
-      <a:accent6>
-        <a:srgbClr val="A3A101"/>
-      </a:accent6>
-      <a:hlink>
-        <a:srgbClr val="3026F6"/>
-      </a:hlink>
-      <a:folHlink>
-        <a:srgbClr val="9775A7"/>
-      </a:folHlink>
-    </a:clrScheme>
-    <a:fontScheme name="Office">
-      <a:majorFont>
-        <a:latin typeface="Arial"/>
-        <a:ea typeface=""/>
-        <a:cs typeface=""/>
-        <a:font script="Jpan" typeface="ＭＳ Ｐゴシック"/>
-        <a:font script="Hang" typeface="맑은 고딕"/>
-        <a:font script="Hans" typeface="宋体"/>
-        <a:font script="Hant" typeface="新細明體"/>
-        <a:font script="Arab" typeface="Times New Roman"/>
-        <a:font script="Hebr" typeface="Times New Roman"/>
-        <a:font script="Thai" typeface="Angsana New"/>
-        <a:font script="Ethi" typeface="Nyala"/>
-        <a:font script="Beng" typeface="Vrinda"/>
-        <a:font script="Gujr" typeface="Shruti"/>
-        <a:font script="Khmr" typeface="MoolBoran"/>
-        <a:font script="Knda" typeface="Tunga"/>
-        <a:font script="Guru" typeface="Raavi"/>
-        <a:font script="Cans" typeface="Euphemia"/>
-        <a:font script="Cher" typeface="Plantagenet Cherokee"/>
-        <a:font script="Yiii" typeface="Microsoft Yi Baiti"/>
-        <a:font script="Tibt" typeface="Microsoft Himalaya"/>
-        <a:font script="Thaa" typeface="MV Boli"/>
-        <a:font script="Deva" typeface="Mangal"/>
-        <a:font script="Telu" typeface="Gautami"/>
-        <a:font script="Taml" typeface="Latha"/>
-        <a:font script="Syrc" typeface="Estrangelo Edessa"/>
-        <a:font script="Orya" typeface="Kalinga"/>
-        <a:font script="Mlym" typeface="Kartika"/>
-        <a:font script="Laoo" typeface="DokChampa"/>
-        <a:font script="Sinh" typeface="Iskoola Pota"/>
-        <a:font script="Mong" typeface="Mongolian Baiti"/>
-        <a:font script="Viet" typeface="Times New Roman"/>
-        <a:font script="Uigh" typeface="Microsoft Uighur"/>
-        <a:font script="Geor" typeface="Sylfaen"/>
-      </a:majorFont>
-      <a:minorFont>
-        <a:latin typeface="Arial"/>
-        <a:ea typeface=""/>
-        <a:cs typeface=""/>
-        <a:font script="Jpan" typeface="ＭＳ Ｐゴシック"/>
-        <a:font script="Hang" typeface="맑은 고딕"/>
-        <a:font script="Hans" typeface="宋体"/>
-        <a:font script="Hant" typeface="新細明體"/>
-        <a:font script="Arab" typeface="Arial"/>
-        <a:font script="Hebr" typeface="Arial"/>
-        <a:font script="Thai" typeface="Cordia New"/>
-        <a:font script="Ethi" typeface="Nyala"/>
-        <a:font script="Beng" typeface="Vrinda"/>
-        <a:font script="Gujr" typeface="Shruti"/>
-        <a:font script="Khmr" typeface="DaunPenh"/>
-        <a:font script="Knda" typeface="Tunga"/>
-        <a:font script="Guru" typeface="Raavi"/>
-        <a:font script="Cans" typeface="Euphemia"/>
-        <a:font script="Cher" typeface="Plantagenet Cherokee"/>
-        <a:font script="Yiii" typeface="Microsoft Yi Baiti"/>
-        <a:font script="Tibt" typeface="Microsoft Himalaya"/>
-        <a:font script="Thaa" typeface="MV Boli"/>
-        <a:font script="Deva" typeface="Mangal"/>
-        <a:font script="Telu" typeface="Gautami"/>
-        <a:font script="Taml" typeface="Latha"/>
-        <a:font script="Syrc" typeface="Estrangelo Edessa"/>
-        <a:font script="Orya" typeface="Kalinga"/>
-        <a:font script="Mlym" typeface="Kartika"/>
-        <a:font script="Laoo" typeface="DokChampa"/>
-        <a:font script="Sinh" typeface="Iskoola Pota"/>
-        <a:font script="Mong" typeface="Mongolian Baiti"/>
-        <a:font script="Viet" typeface="Arial"/>
-        <a:font script="Uigh" typeface="Microsoft Uighur"/>
-        <a:font script="Geor" typeface="Sylfaen"/>
-      </a:minorFont>
-    </a:fontScheme>
-    <a:fmtScheme name="Office">
-      <a:fillStyleLst>
-        <a:solidFill>
-          <a:schemeClr val="phClr"/>
-        </a:solidFill>
-        <a:gradFill rotWithShape="1">
-          <a:gsLst>
-            <a:gs pos="0">
-              <a:schemeClr val="phClr">
-                <a:tint val="50000"/>
-                <a:satMod val="300000"/>
-              </a:schemeClr>
-            </a:gs>
-            <a:gs pos="35000">
-              <a:schemeClr val="phClr">
-                <a:tint val="37000"/>
-                <a:satMod val="300000"/>
-              </a:schemeClr>
-            </a:gs>
-            <a:gs pos="100000">
-              <a:schemeClr val="phClr">
-                <a:tint val="15000"/>
-                <a:satMod val="350000"/>
-              </a:schemeClr>
-            </a:gs>
-          </a:gsLst>
-          <a:lin ang="16200000" scaled="1"/>
-        </a:gradFill>
-        <a:gradFill rotWithShape="1">
-          <a:gsLst>
-            <a:gs pos="0">
-              <a:schemeClr val="phClr">
-                <a:tint val="100000"/>
-                <a:shade val="100000"/>
-                <a:satMod val="130000"/>
-              </a:schemeClr>
-            </a:gs>
-            <a:gs pos="100000">
-              <a:schemeClr val="phClr">
-                <a:tint val="50000"/>
-                <a:shade val="100000"/>
-                <a:satMod val="350000"/>
-              </a:schemeClr>
-            </a:gs>
-          </a:gsLst>
-          <a:lin ang="16200000" scaled="0"/>
-        </a:gradFill>
-      </a:fillStyleLst>
-      <a:lnStyleLst>
-        <a:ln w="9525" cap="flat" cmpd="sng" algn="ctr">
-          <a:solidFill>
-            <a:schemeClr val="phClr">
-              <a:shade val="95000"/>
-              <a:satMod val="105000"/>
-            </a:schemeClr>
-          </a:solidFill>
-          <a:prstDash val="solid"/>
-        </a:ln>
-        <a:ln w="25400" cap="flat" cmpd="sng" algn="ctr">
-          <a:solidFill>
-            <a:schemeClr val="phClr"/>
-          </a:solidFill>
-          <a:prstDash val="solid"/>
-        </a:ln>
-        <a:ln w="38100" cap="flat" cmpd="sng" algn="ctr">
-          <a:solidFill>
-            <a:schemeClr val="phClr"/>
-          </a:solidFill>
-          <a:prstDash val="solid"/>
-        </a:ln>
-      </a:lnStyleLst>
-      <a:effectStyleLst>
-        <a:effectStyle>
-          <a:effectLst>
-            <a:outerShdw blurRad="40000" dist="20000" dir="5400000" rotWithShape="0">
-              <a:srgbClr val="000000">
-                <a:alpha val="38000"/>
-              </a:srgbClr>
-            </a:outerShdw>
-          </a:effectLst>
-        </a:effectStyle>
-        <a:effectStyle>
-          <a:effectLst>
-            <a:outerShdw blurRad="40000" dist="23000" dir="5400000" rotWithShape="0">
-              <a:srgbClr val="000000">
-                <a:alpha val="35000"/>
-              </a:srgbClr>
-            </a:outerShdw>
-          </a:effectLst>
-        </a:effectStyle>
-        <a:effectStyle>
-          <a:effectLst>
-            <a:outerShdw blurRad="40000" dist="23000" dir="5400000" rotWithShape="0">
-              <a:srgbClr val="000000">
-                <a:alpha val="35000"/>
-              </a:srgbClr>
-            </a:outerShdw>
-          </a:effectLst>
-          <a:scene3d>
-            <a:camera prst="orthographicFront">
-              <a:rot lat="0" lon="0" rev="0"/>
-            </a:camera>
-            <a:lightRig rig="threePt" dir="t">
-              <a:rot lat="0" lon="0" rev="1200000"/>
-            </a:lightRig>
-          </a:scene3d>
-          <a:sp3d>
-            <a:bevelT w="63500" h="25400"/>
-          </a:sp3d>
-        </a:effectStyle>
-      </a:effectStyleLst>
-      <a:bgFillStyleLst>
-        <a:solidFill>
-          <a:schemeClr val="phClr"/>
-        </a:solidFill>
-        <a:gradFill rotWithShape="1">
-          <a:gsLst>
-            <a:gs pos="0">
-              <a:schemeClr val="phClr">
-                <a:tint val="40000"/>
-                <a:satMod val="350000"/>
-              </a:schemeClr>
-            </a:gs>
-            <a:gs pos="40000">
-              <a:schemeClr val="phClr">
-                <a:tint val="45000"/>
-                <a:shade val="99000"/>
-                <a:satMod val="350000"/>
-              </a:schemeClr>
-            </a:gs>
-            <a:gs pos="100000">
-              <a:schemeClr val="phClr">
-                <a:shade val="20000"/>
-                <a:satMod val="255000"/>
-              </a:schemeClr>
-            </a:gs>
-          </a:gsLst>
-          <a:path path="circle">
-            <a:fillToRect l="50000" t="-80000" r="50000" b="180000"/>
-          </a:path>
-        </a:gradFill>
-        <a:gradFill rotWithShape="1">
-          <a:gsLst>
-            <a:gs pos="0">
-              <a:schemeClr val="phClr">
-                <a:tint val="80000"/>
-                <a:satMod val="300000"/>
-              </a:schemeClr>
-            </a:gs>
-            <a:gs pos="100000">
-              <a:schemeClr val="phClr">
-                <a:shade val="30000"/>
-                <a:satMod val="200000"/>
-              </a:schemeClr>
-            </a:gs>
-          </a:gsLst>
-          <a:path path="circle">
-            <a:fillToRect l="50000" t="50000" r="50000" b="50000"/>
-          </a:path>
-        </a:gradFill>
-      </a:bgFillStyleLst>
-    </a:fmtScheme>
-  </a:themeElements>
+  <a:objectDefaults/>
+  <a:extraClrSchemeLst/>
 </a:theme>
 </file>
--- a/docs/Borgs_Retrospective - Sprint 3.pptx
+++ b/docs/Borgs_Retrospective - Sprint 3.pptx
@@ -9144,7 +9144,19 @@
                 <a:cs typeface="Calibri"/>
                 <a:sym typeface="Calibri"/>
               </a:rPr>
-              <a:t> Elvin – TODO</a:t>
+              <a:t> Elvin – </a:t>
+            </a:r>
+            <a:r>
+              <a:rPr lang="en-US" sz="1600" dirty="0">
+                <a:solidFill>
+                  <a:schemeClr val="dk1"/>
+                </a:solidFill>
+                <a:latin typeface="Calibri"/>
+                <a:ea typeface="Calibri"/>
+                <a:cs typeface="Calibri"/>
+                <a:sym typeface="Calibri"/>
+              </a:rPr>
+              <a:t>We were able to make the app more visually appealing and more user friendly</a:t>
             </a:r>
             <a:endParaRPr sz="1400" b="0" i="0" u="none" strike="noStrike" cap="none" dirty="0">
               <a:solidFill>
@@ -10667,7 +10679,15 @@
                   <a:schemeClr val="dk1"/>
                 </a:solidFill>
               </a:rPr>
-              <a:t>Elvin – TODO</a:t>
+              <a:t>Elvin – Continue to offer help on difficult tasks and improve team communication via slack </a:t>
+            </a:r>
+            <a:r>
+              <a:rPr lang="en-US" sz="1600">
+                <a:solidFill>
+                  <a:schemeClr val="dk1"/>
+                </a:solidFill>
+              </a:rPr>
+              <a:t>and text</a:t>
             </a:r>
             <a:endParaRPr sz="1600" dirty="0">
               <a:solidFill>

--- a/docs/Borgs_Retrospective - Sprint 3.pptx
+++ b/docs/Borgs_Retrospective - Sprint 3.pptx
@@ -1473,6 +1473,11 @@
         </p:txBody>
       </p:sp>
     </p:spTree>
+    <p:extLst>
+      <p:ext uri="{BB962C8B-B14F-4D97-AF65-F5344CB8AC3E}">
+        <p14:creationId xmlns:p14="http://schemas.microsoft.com/office/powerpoint/2010/main" val="3486576060"/>
+      </p:ext>
+    </p:extLst>
   </p:cSld>
   <p:clrMap bg1="lt1" tx1="dk1" bg2="dk2" tx2="lt2" accent1="accent1" accent2="accent2" accent3="accent3" accent4="accent4" accent5="accent5" accent6="accent6" hlink="hlink" folHlink="folHlink"/>
   <p:notesStyle>
@@ -1822,6 +1827,11 @@
         </p:spPr>
       </p:sp>
     </p:spTree>
+    <p:extLst>
+      <p:ext uri="{BB962C8B-B14F-4D97-AF65-F5344CB8AC3E}">
+        <p14:creationId xmlns:p14="http://schemas.microsoft.com/office/powerpoint/2010/main" val="262397853"/>
+      </p:ext>
+    </p:extLst>
   </p:cSld>
   <p:clrMapOvr>
     <a:masterClrMapping/>
@@ -1944,6 +1954,11 @@
         </p:spPr>
       </p:sp>
     </p:spTree>
+    <p:extLst>
+      <p:ext uri="{BB962C8B-B14F-4D97-AF65-F5344CB8AC3E}">
+        <p14:creationId xmlns:p14="http://schemas.microsoft.com/office/powerpoint/2010/main" val="1607831136"/>
+      </p:ext>
+    </p:extLst>
   </p:cSld>
   <p:clrMapOvr>
     <a:masterClrMapping/>
@@ -2066,6 +2081,11 @@
         </p:spPr>
       </p:sp>
     </p:spTree>
+    <p:extLst>
+      <p:ext uri="{BB962C8B-B14F-4D97-AF65-F5344CB8AC3E}">
+        <p14:creationId xmlns:p14="http://schemas.microsoft.com/office/powerpoint/2010/main" val="1261133903"/>
+      </p:ext>
+    </p:extLst>
   </p:cSld>
   <p:clrMapOvr>
     <a:masterClrMapping/>
@@ -9196,7 +9216,19 @@
                 <a:cs typeface="Calibri"/>
                 <a:sym typeface="Calibri"/>
               </a:rPr>
-              <a:t> Luke – TODO</a:t>
+              <a:t> Luke – </a:t>
+            </a:r>
+            <a:r>
+              <a:rPr lang="en-US" sz="1600" dirty="0" smtClean="0">
+                <a:solidFill>
+                  <a:schemeClr val="dk1"/>
+                </a:solidFill>
+                <a:latin typeface="Calibri"/>
+                <a:ea typeface="Calibri"/>
+                <a:cs typeface="Calibri"/>
+                <a:sym typeface="Calibri"/>
+              </a:rPr>
+              <a:t>We were able to make effective changes to our project by laying out clear goals during the sprint</a:t>
             </a:r>
             <a:endParaRPr sz="1600" b="0" i="0" u="none" strike="noStrike" cap="none" dirty="0">
               <a:solidFill>
@@ -10679,15 +10711,7 @@
                   <a:schemeClr val="dk1"/>
                 </a:solidFill>
               </a:rPr>
-              <a:t>Elvin – Continue to offer help on difficult tasks and improve team communication via slack </a:t>
-            </a:r>
-            <a:r>
-              <a:rPr lang="en-US" sz="1600">
-                <a:solidFill>
-                  <a:schemeClr val="dk1"/>
-                </a:solidFill>
-              </a:rPr>
-              <a:t>and text</a:t>
+              <a:t>Elvin – Continue to offer help on difficult tasks and improve team communication via slack and text</a:t>
             </a:r>
             <a:endParaRPr sz="1600" dirty="0">
               <a:solidFill>
@@ -10715,7 +10739,15 @@
                   <a:schemeClr val="dk1"/>
                 </a:solidFill>
               </a:rPr>
-              <a:t>Luke – TODO</a:t>
+              <a:t>Luke – </a:t>
+            </a:r>
+            <a:r>
+              <a:rPr lang="en-US" sz="1600" dirty="0" smtClean="0">
+                <a:solidFill>
+                  <a:schemeClr val="dk1"/>
+                </a:solidFill>
+              </a:rPr>
+              <a:t>Manage time more effectively to complete tasks at hand</a:t>
             </a:r>
             <a:endParaRPr sz="1600" dirty="0"/>
           </a:p>
